--- a/day2/fig/fig.pptx
+++ b/day2/fig/fig.pptx
@@ -6,6 +6,7 @@
   </p:sldMasterIdLst>
   <p:sldIdLst>
     <p:sldId id="256" r:id="rId2"/>
+    <p:sldId id="257" r:id="rId3"/>
   </p:sldIdLst>
   <p:sldSz cx="9906000" cy="6858000" type="A4"/>
   <p:notesSz cx="6858000" cy="9144000"/>
@@ -104,6 +105,11 @@
       </a:defRPr>
     </a:lvl9pPr>
   </p:defaultTextStyle>
+  <p:extLst>
+    <p:ext uri="{EFAFB233-063F-42B5-8137-9DF3F51BA10A}">
+      <p15:sldGuideLst xmlns:p15="http://schemas.microsoft.com/office/powerpoint/2012/main"/>
+    </p:ext>
+  </p:extLst>
 </p:presentation>
 </file>
 
@@ -4225,6 +4231,535 @@
 </p:sld>
 </file>
 
+<file path=ppt/slides/slide2.xml><?xml version="1.0" encoding="utf-8"?>
+<p:sld xmlns:a="http://schemas.openxmlformats.org/drawingml/2006/main" xmlns:r="http://schemas.openxmlformats.org/officeDocument/2006/relationships" xmlns:p="http://schemas.openxmlformats.org/presentationml/2006/main">
+  <p:cSld>
+    <p:spTree>
+      <p:nvGrpSpPr>
+        <p:cNvPr id="1" name=""/>
+        <p:cNvGrpSpPr/>
+        <p:nvPr/>
+      </p:nvGrpSpPr>
+      <p:grpSpPr>
+        <a:xfrm>
+          <a:off x="0" y="0"/>
+          <a:ext cx="0" cy="0"/>
+          <a:chOff x="0" y="0"/>
+          <a:chExt cx="0" cy="0"/>
+        </a:xfrm>
+      </p:grpSpPr>
+      <p:pic>
+        <p:nvPicPr>
+          <p:cNvPr id="5" name="図 4">
+            <a:extLst>
+              <a:ext uri="{FF2B5EF4-FFF2-40B4-BE49-F238E27FC236}">
+                <a16:creationId xmlns:a16="http://schemas.microsoft.com/office/drawing/2014/main" id="{B429012B-725A-6A4B-AB8D-CA8A64B67F9F}"/>
+              </a:ext>
+            </a:extLst>
+          </p:cNvPr>
+          <p:cNvPicPr>
+            <a:picLocks noChangeAspect="1"/>
+          </p:cNvPicPr>
+          <p:nvPr/>
+        </p:nvPicPr>
+        <p:blipFill>
+          <a:blip r:embed="rId2"/>
+          <a:stretch>
+            <a:fillRect/>
+          </a:stretch>
+        </p:blipFill>
+        <p:spPr>
+          <a:xfrm>
+            <a:off x="1496060" y="1076960"/>
+            <a:ext cx="891540" cy="891540"/>
+          </a:xfrm>
+          <a:prstGeom prst="rect">
+            <a:avLst/>
+          </a:prstGeom>
+        </p:spPr>
+      </p:pic>
+      <p:sp>
+        <p:nvSpPr>
+          <p:cNvPr id="7" name="正方形/長方形 6">
+            <a:extLst>
+              <a:ext uri="{FF2B5EF4-FFF2-40B4-BE49-F238E27FC236}">
+                <a16:creationId xmlns:a16="http://schemas.microsoft.com/office/drawing/2014/main" id="{DBFC46CB-E232-6544-A8D4-B0ABA07DEE05}"/>
+              </a:ext>
+            </a:extLst>
+          </p:cNvPr>
+          <p:cNvSpPr/>
+          <p:nvPr/>
+        </p:nvSpPr>
+        <p:spPr>
+          <a:xfrm>
+            <a:off x="680720" y="2113280"/>
+            <a:ext cx="2682240" cy="1859280"/>
+          </a:xfrm>
+          <a:prstGeom prst="rect">
+            <a:avLst/>
+          </a:prstGeom>
+        </p:spPr>
+        <p:style>
+          <a:lnRef idx="2">
+            <a:schemeClr val="accent1">
+              <a:shade val="50000"/>
+            </a:schemeClr>
+          </a:lnRef>
+          <a:fillRef idx="1">
+            <a:schemeClr val="accent1"/>
+          </a:fillRef>
+          <a:effectRef idx="0">
+            <a:schemeClr val="accent1"/>
+          </a:effectRef>
+          <a:fontRef idx="minor">
+            <a:schemeClr val="lt1"/>
+          </a:fontRef>
+        </p:style>
+        <p:txBody>
+          <a:bodyPr rtlCol="0" anchor="t"/>
+          <a:lstStyle/>
+          <a:p>
+            <a:r>
+              <a:rPr kumimoji="1" lang="en-US" altLang="ja-JP"/>
+              <a:t>#!/bin/bash</a:t>
+            </a:r>
+          </a:p>
+          <a:p>
+            <a:r>
+              <a:rPr kumimoji="1" lang="en-US" altLang="ja-JP"/>
+              <a:t>#PBS -l nodes=1:ppn=2</a:t>
+            </a:r>
+          </a:p>
+          <a:p>
+            <a:r>
+              <a:rPr lang="en-US" altLang="ja-JP"/>
+              <a:t>#PBS –l walltime=00:01:00</a:t>
+            </a:r>
+            <a:endParaRPr kumimoji="1" lang="ja-JP" altLang="en-US"/>
+          </a:p>
+        </p:txBody>
+      </p:sp>
+      <p:sp>
+        <p:nvSpPr>
+          <p:cNvPr id="6" name="正方形/長方形 5">
+            <a:extLst>
+              <a:ext uri="{FF2B5EF4-FFF2-40B4-BE49-F238E27FC236}">
+                <a16:creationId xmlns:a16="http://schemas.microsoft.com/office/drawing/2014/main" id="{A49A39E6-ADEF-CB4C-8E83-B8C7FCF347C8}"/>
+              </a:ext>
+            </a:extLst>
+          </p:cNvPr>
+          <p:cNvSpPr/>
+          <p:nvPr/>
+        </p:nvSpPr>
+        <p:spPr>
+          <a:xfrm>
+            <a:off x="721360" y="3078480"/>
+            <a:ext cx="2560320" cy="782320"/>
+          </a:xfrm>
+          <a:prstGeom prst="rect">
+            <a:avLst/>
+          </a:prstGeom>
+          <a:solidFill>
+            <a:schemeClr val="bg1"/>
+          </a:solidFill>
+        </p:spPr>
+        <p:style>
+          <a:lnRef idx="2">
+            <a:schemeClr val="accent1">
+              <a:shade val="50000"/>
+            </a:schemeClr>
+          </a:lnRef>
+          <a:fillRef idx="1">
+            <a:schemeClr val="accent1"/>
+          </a:fillRef>
+          <a:effectRef idx="0">
+            <a:schemeClr val="accent1"/>
+          </a:effectRef>
+          <a:fontRef idx="minor">
+            <a:schemeClr val="lt1"/>
+          </a:fontRef>
+        </p:style>
+        <p:txBody>
+          <a:bodyPr rtlCol="0" anchor="ctr"/>
+          <a:lstStyle/>
+          <a:p>
+            <a:r>
+              <a:rPr kumimoji="1" lang="en-US" altLang="ja-JP">
+                <a:solidFill>
+                  <a:schemeClr val="tx1"/>
+                </a:solidFill>
+              </a:rPr>
+              <a:t>cd $PBS_O_WORKDIR</a:t>
+            </a:r>
+          </a:p>
+          <a:p>
+            <a:r>
+              <a:rPr lang="en-US" altLang="ja-JP">
+                <a:solidFill>
+                  <a:schemeClr val="tx1"/>
+                </a:solidFill>
+              </a:rPr>
+              <a:t>./a.out</a:t>
+            </a:r>
+            <a:endParaRPr kumimoji="1" lang="ja-JP" altLang="en-US">
+              <a:solidFill>
+                <a:schemeClr val="tx1"/>
+              </a:solidFill>
+            </a:endParaRPr>
+          </a:p>
+        </p:txBody>
+      </p:sp>
+      <p:sp>
+        <p:nvSpPr>
+          <p:cNvPr id="8" name="テキスト ボックス 7">
+            <a:extLst>
+              <a:ext uri="{FF2B5EF4-FFF2-40B4-BE49-F238E27FC236}">
+                <a16:creationId xmlns:a16="http://schemas.microsoft.com/office/drawing/2014/main" id="{3331A1EE-D82C-4B4C-A2F6-D5767A9E6850}"/>
+              </a:ext>
+            </a:extLst>
+          </p:cNvPr>
+          <p:cNvSpPr txBox="1"/>
+          <p:nvPr/>
+        </p:nvSpPr>
+        <p:spPr>
+          <a:xfrm>
+            <a:off x="3931920" y="3322320"/>
+            <a:ext cx="2031325" cy="369332"/>
+          </a:xfrm>
+          <a:prstGeom prst="rect">
+            <a:avLst/>
+          </a:prstGeom>
+          <a:noFill/>
+        </p:spPr>
+        <p:txBody>
+          <a:bodyPr wrap="none" rtlCol="0">
+            <a:spAutoFit/>
+          </a:bodyPr>
+          <a:lstStyle/>
+          <a:p>
+            <a:r>
+              <a:rPr kumimoji="1" lang="ja-JP" altLang="en-US"/>
+              <a:t>ジョブの実行方法</a:t>
+            </a:r>
+          </a:p>
+        </p:txBody>
+      </p:sp>
+      <p:pic>
+        <p:nvPicPr>
+          <p:cNvPr id="9" name="図 8">
+            <a:extLst>
+              <a:ext uri="{FF2B5EF4-FFF2-40B4-BE49-F238E27FC236}">
+                <a16:creationId xmlns:a16="http://schemas.microsoft.com/office/drawing/2014/main" id="{5F1ED364-0F3B-1349-978C-D344102271F8}"/>
+              </a:ext>
+            </a:extLst>
+          </p:cNvPr>
+          <p:cNvPicPr>
+            <a:picLocks noChangeAspect="1"/>
+          </p:cNvPicPr>
+          <p:nvPr/>
+        </p:nvPicPr>
+        <p:blipFill>
+          <a:blip r:embed="rId3"/>
+          <a:stretch>
+            <a:fillRect/>
+          </a:stretch>
+        </p:blipFill>
+        <p:spPr>
+          <a:xfrm flipH="1">
+            <a:off x="6436360" y="2011680"/>
+            <a:ext cx="1612900" cy="1612900"/>
+          </a:xfrm>
+          <a:prstGeom prst="rect">
+            <a:avLst/>
+          </a:prstGeom>
+        </p:spPr>
+      </p:pic>
+      <p:sp>
+        <p:nvSpPr>
+          <p:cNvPr id="10" name="テキスト ボックス 9">
+            <a:extLst>
+              <a:ext uri="{FF2B5EF4-FFF2-40B4-BE49-F238E27FC236}">
+                <a16:creationId xmlns:a16="http://schemas.microsoft.com/office/drawing/2014/main" id="{6853BE94-C602-0D4A-81DC-C3CA6D41FCFC}"/>
+              </a:ext>
+            </a:extLst>
+          </p:cNvPr>
+          <p:cNvSpPr txBox="1"/>
+          <p:nvPr/>
+        </p:nvSpPr>
+        <p:spPr>
+          <a:xfrm>
+            <a:off x="3911600" y="2397760"/>
+            <a:ext cx="2031325" cy="369332"/>
+          </a:xfrm>
+          <a:prstGeom prst="rect">
+            <a:avLst/>
+          </a:prstGeom>
+          <a:noFill/>
+        </p:spPr>
+        <p:txBody>
+          <a:bodyPr wrap="none" rtlCol="0">
+            <a:spAutoFit/>
+          </a:bodyPr>
+          <a:lstStyle/>
+          <a:p>
+            <a:r>
+              <a:rPr kumimoji="1" lang="ja-JP" altLang="en-US"/>
+              <a:t>ジョブの要求資源</a:t>
+            </a:r>
+          </a:p>
+        </p:txBody>
+      </p:sp>
+      <p:cxnSp>
+        <p:nvCxnSpPr>
+          <p:cNvPr id="14" name="直線矢印コネクタ 13">
+            <a:extLst>
+              <a:ext uri="{FF2B5EF4-FFF2-40B4-BE49-F238E27FC236}">
+                <a16:creationId xmlns:a16="http://schemas.microsoft.com/office/drawing/2014/main" id="{E47FB91A-9722-3844-8078-C549D84C509D}"/>
+              </a:ext>
+            </a:extLst>
+          </p:cNvPr>
+          <p:cNvCxnSpPr>
+            <a:cxnSpLocks/>
+          </p:cNvCxnSpPr>
+          <p:nvPr/>
+        </p:nvCxnSpPr>
+        <p:spPr>
+          <a:xfrm flipH="1">
+            <a:off x="3434080" y="2560320"/>
+            <a:ext cx="508000" cy="0"/>
+          </a:xfrm>
+          <a:prstGeom prst="straightConnector1">
+            <a:avLst/>
+          </a:prstGeom>
+          <a:ln>
+            <a:solidFill>
+              <a:schemeClr val="tx1"/>
+            </a:solidFill>
+            <a:tailEnd type="triangle"/>
+          </a:ln>
+        </p:spPr>
+        <p:style>
+          <a:lnRef idx="1">
+            <a:schemeClr val="accent1"/>
+          </a:lnRef>
+          <a:fillRef idx="0">
+            <a:schemeClr val="accent1"/>
+          </a:fillRef>
+          <a:effectRef idx="0">
+            <a:schemeClr val="accent1"/>
+          </a:effectRef>
+          <a:fontRef idx="minor">
+            <a:schemeClr val="tx1"/>
+          </a:fontRef>
+        </p:style>
+      </p:cxnSp>
+      <p:cxnSp>
+        <p:nvCxnSpPr>
+          <p:cNvPr id="16" name="直線矢印コネクタ 15">
+            <a:extLst>
+              <a:ext uri="{FF2B5EF4-FFF2-40B4-BE49-F238E27FC236}">
+                <a16:creationId xmlns:a16="http://schemas.microsoft.com/office/drawing/2014/main" id="{C3EA3E5F-07B1-8C4D-A800-65C0E40FC6CE}"/>
+              </a:ext>
+            </a:extLst>
+          </p:cNvPr>
+          <p:cNvCxnSpPr>
+            <a:cxnSpLocks/>
+          </p:cNvCxnSpPr>
+          <p:nvPr/>
+        </p:nvCxnSpPr>
+        <p:spPr>
+          <a:xfrm flipH="1">
+            <a:off x="3413760" y="3505200"/>
+            <a:ext cx="508000" cy="0"/>
+          </a:xfrm>
+          <a:prstGeom prst="straightConnector1">
+            <a:avLst/>
+          </a:prstGeom>
+          <a:ln>
+            <a:solidFill>
+              <a:schemeClr val="tx1"/>
+            </a:solidFill>
+            <a:tailEnd type="triangle"/>
+          </a:ln>
+        </p:spPr>
+        <p:style>
+          <a:lnRef idx="1">
+            <a:schemeClr val="accent1"/>
+          </a:lnRef>
+          <a:fillRef idx="0">
+            <a:schemeClr val="accent1"/>
+          </a:fillRef>
+          <a:effectRef idx="0">
+            <a:schemeClr val="accent1"/>
+          </a:effectRef>
+          <a:fontRef idx="minor">
+            <a:schemeClr val="tx1"/>
+          </a:fontRef>
+        </p:style>
+      </p:cxnSp>
+      <p:sp>
+        <p:nvSpPr>
+          <p:cNvPr id="17" name="テキスト ボックス 16">
+            <a:extLst>
+              <a:ext uri="{FF2B5EF4-FFF2-40B4-BE49-F238E27FC236}">
+                <a16:creationId xmlns:a16="http://schemas.microsoft.com/office/drawing/2014/main" id="{79C3E514-E156-C940-A720-43280BFFB74B}"/>
+              </a:ext>
+            </a:extLst>
+          </p:cNvPr>
+          <p:cNvSpPr txBox="1"/>
+          <p:nvPr/>
+        </p:nvSpPr>
+        <p:spPr>
+          <a:xfrm>
+            <a:off x="640080" y="568960"/>
+            <a:ext cx="2723823" cy="369332"/>
+          </a:xfrm>
+          <a:prstGeom prst="rect">
+            <a:avLst/>
+          </a:prstGeom>
+          <a:noFill/>
+        </p:spPr>
+        <p:txBody>
+          <a:bodyPr wrap="none" rtlCol="0">
+            <a:spAutoFit/>
+          </a:bodyPr>
+          <a:lstStyle/>
+          <a:p>
+            <a:r>
+              <a:rPr kumimoji="1" lang="ja-JP" altLang="en-US"/>
+              <a:t>ジョブスクリプトの用意</a:t>
+            </a:r>
+          </a:p>
+        </p:txBody>
+      </p:sp>
+      <p:sp>
+        <p:nvSpPr>
+          <p:cNvPr id="18" name="テキスト ボックス 17">
+            <a:extLst>
+              <a:ext uri="{FF2B5EF4-FFF2-40B4-BE49-F238E27FC236}">
+                <a16:creationId xmlns:a16="http://schemas.microsoft.com/office/drawing/2014/main" id="{60AA74BF-2937-F84A-A445-8FDAEDC41DA8}"/>
+              </a:ext>
+            </a:extLst>
+          </p:cNvPr>
+          <p:cNvSpPr txBox="1"/>
+          <p:nvPr/>
+        </p:nvSpPr>
+        <p:spPr>
+          <a:xfrm>
+            <a:off x="6593840" y="538480"/>
+            <a:ext cx="1569660" cy="369332"/>
+          </a:xfrm>
+          <a:prstGeom prst="rect">
+            <a:avLst/>
+          </a:prstGeom>
+          <a:noFill/>
+        </p:spPr>
+        <p:txBody>
+          <a:bodyPr wrap="none" rtlCol="0">
+            <a:spAutoFit/>
+          </a:bodyPr>
+          <a:lstStyle/>
+          <a:p>
+            <a:r>
+              <a:rPr kumimoji="1" lang="ja-JP" altLang="en-US"/>
+              <a:t>ジョブの投入</a:t>
+            </a:r>
+          </a:p>
+        </p:txBody>
+      </p:sp>
+      <p:sp>
+        <p:nvSpPr>
+          <p:cNvPr id="19" name="テキスト ボックス 18">
+            <a:extLst>
+              <a:ext uri="{FF2B5EF4-FFF2-40B4-BE49-F238E27FC236}">
+                <a16:creationId xmlns:a16="http://schemas.microsoft.com/office/drawing/2014/main" id="{664A1F69-2FD6-D941-AF93-2E82EE2C2CC0}"/>
+              </a:ext>
+            </a:extLst>
+          </p:cNvPr>
+          <p:cNvSpPr txBox="1"/>
+          <p:nvPr/>
+        </p:nvSpPr>
+        <p:spPr>
+          <a:xfrm>
+            <a:off x="2428240" y="1249680"/>
+            <a:ext cx="1316386" cy="369332"/>
+          </a:xfrm>
+          <a:prstGeom prst="rect">
+            <a:avLst/>
+          </a:prstGeom>
+          <a:noFill/>
+        </p:spPr>
+        <p:txBody>
+          <a:bodyPr wrap="none" rtlCol="0">
+            <a:spAutoFit/>
+          </a:bodyPr>
+          <a:lstStyle/>
+          <a:p>
+            <a:r>
+              <a:rPr lang="en-US" altLang="ja-JP"/>
+              <a:t>$ </a:t>
+            </a:r>
+            <a:r>
+              <a:rPr kumimoji="1" lang="en-US" altLang="ja-JP"/>
+              <a:t>vim job.sh</a:t>
+            </a:r>
+            <a:endParaRPr kumimoji="1" lang="ja-JP" altLang="en-US"/>
+          </a:p>
+        </p:txBody>
+      </p:sp>
+      <p:sp>
+        <p:nvSpPr>
+          <p:cNvPr id="20" name="テキスト ボックス 19">
+            <a:extLst>
+              <a:ext uri="{FF2B5EF4-FFF2-40B4-BE49-F238E27FC236}">
+                <a16:creationId xmlns:a16="http://schemas.microsoft.com/office/drawing/2014/main" id="{3A64C93A-DAB5-AA47-B03D-0D6416469BC5}"/>
+              </a:ext>
+            </a:extLst>
+          </p:cNvPr>
+          <p:cNvSpPr txBox="1"/>
+          <p:nvPr/>
+        </p:nvSpPr>
+        <p:spPr>
+          <a:xfrm>
+            <a:off x="6573520" y="1117600"/>
+            <a:ext cx="1430200" cy="369332"/>
+          </a:xfrm>
+          <a:prstGeom prst="rect">
+            <a:avLst/>
+          </a:prstGeom>
+          <a:noFill/>
+        </p:spPr>
+        <p:txBody>
+          <a:bodyPr wrap="none" rtlCol="0">
+            <a:spAutoFit/>
+          </a:bodyPr>
+          <a:lstStyle/>
+          <a:p>
+            <a:r>
+              <a:rPr lang="en-US" altLang="ja-JP"/>
+              <a:t>$ </a:t>
+            </a:r>
+            <a:r>
+              <a:rPr kumimoji="1" lang="en-US" altLang="ja-JP"/>
+              <a:t>qsub job.sh</a:t>
+            </a:r>
+            <a:endParaRPr kumimoji="1" lang="ja-JP" altLang="en-US"/>
+          </a:p>
+        </p:txBody>
+      </p:sp>
+    </p:spTree>
+    <p:extLst>
+      <p:ext uri="{BB962C8B-B14F-4D97-AF65-F5344CB8AC3E}">
+        <p14:creationId xmlns:p14="http://schemas.microsoft.com/office/powerpoint/2010/main" val="2924292584"/>
+      </p:ext>
+    </p:extLst>
+  </p:cSld>
+  <p:clrMapOvr>
+    <a:masterClrMapping/>
+  </p:clrMapOvr>
+</p:sld>
+</file>
+
 <file path=ppt/theme/theme1.xml><?xml version="1.0" encoding="utf-8"?>
 <a:theme xmlns:a="http://schemas.openxmlformats.org/drawingml/2006/main" name="Office テーマ">
   <a:themeElements>

--- a/day2/fig/fig.pptx
+++ b/day2/fig/fig.pptx
@@ -7,6 +7,8 @@
   <p:sldIdLst>
     <p:sldId id="256" r:id="rId2"/>
     <p:sldId id="257" r:id="rId3"/>
+    <p:sldId id="258" r:id="rId4"/>
+    <p:sldId id="259" r:id="rId5"/>
   </p:sldIdLst>
   <p:sldSz cx="9906000" cy="6858000" type="A4"/>
   <p:notesSz cx="6858000" cy="9144000"/>
@@ -243,7 +245,7 @@
           <a:lstStyle/>
           <a:p>
             <a:fld id="{ACB7CCA1-9DD8-A242-AF72-AF27A73B7972}" type="datetimeFigureOut">
-              <a:t>2018/10/7</a:t>
+              <a:t>2018/10/8</a:t>
             </a:fld>
             <a:endParaRPr kumimoji="1" lang="ja-JP" altLang="en-US"/>
           </a:p>
@@ -419,7 +421,7 @@
           <a:lstStyle/>
           <a:p>
             <a:fld id="{ACB7CCA1-9DD8-A242-AF72-AF27A73B7972}" type="datetimeFigureOut">
-              <a:t>2018/10/7</a:t>
+              <a:t>2018/10/8</a:t>
             </a:fld>
             <a:endParaRPr kumimoji="1" lang="ja-JP" altLang="en-US"/>
           </a:p>
@@ -605,7 +607,7 @@
           <a:lstStyle/>
           <a:p>
             <a:fld id="{ACB7CCA1-9DD8-A242-AF72-AF27A73B7972}" type="datetimeFigureOut">
-              <a:t>2018/10/7</a:t>
+              <a:t>2018/10/8</a:t>
             </a:fld>
             <a:endParaRPr kumimoji="1" lang="ja-JP" altLang="en-US"/>
           </a:p>
@@ -781,7 +783,7 @@
           <a:lstStyle/>
           <a:p>
             <a:fld id="{ACB7CCA1-9DD8-A242-AF72-AF27A73B7972}" type="datetimeFigureOut">
-              <a:t>2018/10/7</a:t>
+              <a:t>2018/10/8</a:t>
             </a:fld>
             <a:endParaRPr kumimoji="1" lang="ja-JP" altLang="en-US"/>
           </a:p>
@@ -1060,7 +1062,7 @@
           <a:lstStyle/>
           <a:p>
             <a:fld id="{ACB7CCA1-9DD8-A242-AF72-AF27A73B7972}" type="datetimeFigureOut">
-              <a:t>2018/10/7</a:t>
+              <a:t>2018/10/8</a:t>
             </a:fld>
             <a:endParaRPr kumimoji="1" lang="ja-JP" altLang="en-US"/>
           </a:p>
@@ -1306,7 +1308,7 @@
           <a:lstStyle/>
           <a:p>
             <a:fld id="{ACB7CCA1-9DD8-A242-AF72-AF27A73B7972}" type="datetimeFigureOut">
-              <a:t>2018/10/7</a:t>
+              <a:t>2018/10/8</a:t>
             </a:fld>
             <a:endParaRPr kumimoji="1" lang="ja-JP" altLang="en-US"/>
           </a:p>
@@ -1761,7 +1763,7 @@
           <a:lstStyle/>
           <a:p>
             <a:fld id="{ACB7CCA1-9DD8-A242-AF72-AF27A73B7972}" type="datetimeFigureOut">
-              <a:t>2018/10/7</a:t>
+              <a:t>2018/10/8</a:t>
             </a:fld>
             <a:endParaRPr kumimoji="1" lang="ja-JP" altLang="en-US"/>
           </a:p>
@@ -1877,7 +1879,7 @@
           <a:lstStyle/>
           <a:p>
             <a:fld id="{ACB7CCA1-9DD8-A242-AF72-AF27A73B7972}" type="datetimeFigureOut">
-              <a:t>2018/10/7</a:t>
+              <a:t>2018/10/8</a:t>
             </a:fld>
             <a:endParaRPr kumimoji="1" lang="ja-JP" altLang="en-US"/>
           </a:p>
@@ -1970,7 +1972,7 @@
           <a:lstStyle/>
           <a:p>
             <a:fld id="{ACB7CCA1-9DD8-A242-AF72-AF27A73B7972}" type="datetimeFigureOut">
-              <a:t>2018/10/7</a:t>
+              <a:t>2018/10/8</a:t>
             </a:fld>
             <a:endParaRPr kumimoji="1" lang="ja-JP" altLang="en-US"/>
           </a:p>
@@ -2290,7 +2292,7 @@
           <a:lstStyle/>
           <a:p>
             <a:fld id="{ACB7CCA1-9DD8-A242-AF72-AF27A73B7972}" type="datetimeFigureOut">
-              <a:t>2018/10/7</a:t>
+              <a:t>2018/10/8</a:t>
             </a:fld>
             <a:endParaRPr kumimoji="1" lang="ja-JP" altLang="en-US"/>
           </a:p>
@@ -2582,7 +2584,7 @@
           <a:lstStyle/>
           <a:p>
             <a:fld id="{ACB7CCA1-9DD8-A242-AF72-AF27A73B7972}" type="datetimeFigureOut">
-              <a:t>2018/10/7</a:t>
+              <a:t>2018/10/8</a:t>
             </a:fld>
             <a:endParaRPr kumimoji="1" lang="ja-JP" altLang="en-US"/>
           </a:p>
@@ -2801,7 +2803,7 @@
           </a:lstStyle>
           <a:p>
             <a:fld id="{ACB7CCA1-9DD8-A242-AF72-AF27A73B7972}" type="datetimeFigureOut">
-              <a:t>2018/10/7</a:t>
+              <a:t>2018/10/8</a:t>
             </a:fld>
             <a:endParaRPr kumimoji="1" lang="ja-JP" altLang="en-US"/>
           </a:p>
@@ -4760,6 +4762,949 @@
 </p:sld>
 </file>
 
+<file path=ppt/slides/slide3.xml><?xml version="1.0" encoding="utf-8"?>
+<p:sld xmlns:a="http://schemas.openxmlformats.org/drawingml/2006/main" xmlns:r="http://schemas.openxmlformats.org/officeDocument/2006/relationships" xmlns:p="http://schemas.openxmlformats.org/presentationml/2006/main">
+  <p:cSld>
+    <p:spTree>
+      <p:nvGrpSpPr>
+        <p:cNvPr id="1" name=""/>
+        <p:cNvGrpSpPr/>
+        <p:nvPr/>
+      </p:nvGrpSpPr>
+      <p:grpSpPr>
+        <a:xfrm>
+          <a:off x="0" y="0"/>
+          <a:ext cx="0" cy="0"/>
+          <a:chOff x="0" y="0"/>
+          <a:chExt cx="0" cy="0"/>
+        </a:xfrm>
+      </p:grpSpPr>
+      <p:pic>
+        <p:nvPicPr>
+          <p:cNvPr id="5" name="図 4">
+            <a:extLst>
+              <a:ext uri="{FF2B5EF4-FFF2-40B4-BE49-F238E27FC236}">
+                <a16:creationId xmlns:a16="http://schemas.microsoft.com/office/drawing/2014/main" id="{26786070-C76E-DE4F-B364-60E85DFC93A3}"/>
+              </a:ext>
+            </a:extLst>
+          </p:cNvPr>
+          <p:cNvPicPr>
+            <a:picLocks noChangeAspect="1"/>
+          </p:cNvPicPr>
+          <p:nvPr/>
+        </p:nvPicPr>
+        <p:blipFill>
+          <a:blip r:embed="rId2"/>
+          <a:stretch>
+            <a:fillRect/>
+          </a:stretch>
+        </p:blipFill>
+        <p:spPr>
+          <a:xfrm>
+            <a:off x="2694940" y="1158240"/>
+            <a:ext cx="3598333" cy="2936240"/>
+          </a:xfrm>
+          <a:prstGeom prst="rect">
+            <a:avLst/>
+          </a:prstGeom>
+        </p:spPr>
+      </p:pic>
+      <p:sp>
+        <p:nvSpPr>
+          <p:cNvPr id="6" name="テキスト ボックス 5">
+            <a:extLst>
+              <a:ext uri="{FF2B5EF4-FFF2-40B4-BE49-F238E27FC236}">
+                <a16:creationId xmlns:a16="http://schemas.microsoft.com/office/drawing/2014/main" id="{5BFA365A-8B3B-CB44-8CDD-6A25805F3A29}"/>
+              </a:ext>
+            </a:extLst>
+          </p:cNvPr>
+          <p:cNvSpPr txBox="1"/>
+          <p:nvPr/>
+        </p:nvSpPr>
+        <p:spPr>
+          <a:xfrm>
+            <a:off x="3241040" y="731520"/>
+            <a:ext cx="2492990" cy="369332"/>
+          </a:xfrm>
+          <a:prstGeom prst="rect">
+            <a:avLst/>
+          </a:prstGeom>
+          <a:noFill/>
+        </p:spPr>
+        <p:txBody>
+          <a:bodyPr wrap="none" rtlCol="0">
+            <a:spAutoFit/>
+          </a:bodyPr>
+          <a:lstStyle/>
+          <a:p>
+            <a:r>
+              <a:rPr kumimoji="1" lang="ja-JP" altLang="en-US"/>
+              <a:t>大規模計算は大縄跳び</a:t>
+            </a:r>
+          </a:p>
+        </p:txBody>
+      </p:sp>
+      <p:sp>
+        <p:nvSpPr>
+          <p:cNvPr id="7" name="テキスト ボックス 6">
+            <a:extLst>
+              <a:ext uri="{FF2B5EF4-FFF2-40B4-BE49-F238E27FC236}">
+                <a16:creationId xmlns:a16="http://schemas.microsoft.com/office/drawing/2014/main" id="{4EE553D5-892C-7D44-AE51-5BD807EE1E5A}"/>
+              </a:ext>
+            </a:extLst>
+          </p:cNvPr>
+          <p:cNvSpPr txBox="1"/>
+          <p:nvPr/>
+        </p:nvSpPr>
+        <p:spPr>
+          <a:xfrm>
+            <a:off x="2458720" y="4145280"/>
+            <a:ext cx="4339650" cy="369332"/>
+          </a:xfrm>
+          <a:prstGeom prst="rect">
+            <a:avLst/>
+          </a:prstGeom>
+          <a:noFill/>
+        </p:spPr>
+        <p:txBody>
+          <a:bodyPr wrap="none" rtlCol="0">
+            <a:spAutoFit/>
+          </a:bodyPr>
+          <a:lstStyle/>
+          <a:p>
+            <a:r>
+              <a:rPr kumimoji="1" lang="ja-JP" altLang="en-US"/>
+              <a:t>一人でもこけたら全体が失敗してしまう</a:t>
+            </a:r>
+          </a:p>
+        </p:txBody>
+      </p:sp>
+    </p:spTree>
+    <p:extLst>
+      <p:ext uri="{BB962C8B-B14F-4D97-AF65-F5344CB8AC3E}">
+        <p14:creationId xmlns:p14="http://schemas.microsoft.com/office/powerpoint/2010/main" val="1240371636"/>
+      </p:ext>
+    </p:extLst>
+  </p:cSld>
+  <p:clrMapOvr>
+    <a:masterClrMapping/>
+  </p:clrMapOvr>
+</p:sld>
+</file>
+
+<file path=ppt/slides/slide4.xml><?xml version="1.0" encoding="utf-8"?>
+<p:sld xmlns:a="http://schemas.openxmlformats.org/drawingml/2006/main" xmlns:r="http://schemas.openxmlformats.org/officeDocument/2006/relationships" xmlns:p="http://schemas.openxmlformats.org/presentationml/2006/main">
+  <p:cSld>
+    <p:spTree>
+      <p:nvGrpSpPr>
+        <p:cNvPr id="1" name=""/>
+        <p:cNvGrpSpPr/>
+        <p:nvPr/>
+      </p:nvGrpSpPr>
+      <p:grpSpPr>
+        <a:xfrm>
+          <a:off x="0" y="0"/>
+          <a:ext cx="0" cy="0"/>
+          <a:chOff x="0" y="0"/>
+          <a:chExt cx="0" cy="0"/>
+        </a:xfrm>
+      </p:grpSpPr>
+      <p:pic>
+        <p:nvPicPr>
+          <p:cNvPr id="4" name="図 3">
+            <a:extLst>
+              <a:ext uri="{FF2B5EF4-FFF2-40B4-BE49-F238E27FC236}">
+                <a16:creationId xmlns:a16="http://schemas.microsoft.com/office/drawing/2014/main" id="{3B58739E-8FB0-3446-9FB2-6BF6A2E21AE1}"/>
+              </a:ext>
+            </a:extLst>
+          </p:cNvPr>
+          <p:cNvPicPr>
+            <a:picLocks noChangeAspect="1"/>
+          </p:cNvPicPr>
+          <p:nvPr/>
+        </p:nvPicPr>
+        <p:blipFill>
+          <a:blip r:embed="rId2"/>
+          <a:stretch>
+            <a:fillRect/>
+          </a:stretch>
+        </p:blipFill>
+        <p:spPr>
+          <a:xfrm>
+            <a:off x="2481580" y="2306320"/>
+            <a:ext cx="1003300" cy="1003300"/>
+          </a:xfrm>
+          <a:prstGeom prst="rect">
+            <a:avLst/>
+          </a:prstGeom>
+        </p:spPr>
+      </p:pic>
+      <p:pic>
+        <p:nvPicPr>
+          <p:cNvPr id="5" name="図 4">
+            <a:extLst>
+              <a:ext uri="{FF2B5EF4-FFF2-40B4-BE49-F238E27FC236}">
+                <a16:creationId xmlns:a16="http://schemas.microsoft.com/office/drawing/2014/main" id="{0AA94684-0FD7-6F42-AEFD-EE15D18F22B3}"/>
+              </a:ext>
+            </a:extLst>
+          </p:cNvPr>
+          <p:cNvPicPr>
+            <a:picLocks noChangeAspect="1"/>
+          </p:cNvPicPr>
+          <p:nvPr/>
+        </p:nvPicPr>
+        <p:blipFill>
+          <a:blip r:embed="rId3"/>
+          <a:stretch>
+            <a:fillRect/>
+          </a:stretch>
+        </p:blipFill>
+        <p:spPr>
+          <a:xfrm>
+            <a:off x="3202940" y="3690620"/>
+            <a:ext cx="1143000" cy="1143000"/>
+          </a:xfrm>
+          <a:prstGeom prst="rect">
+            <a:avLst/>
+          </a:prstGeom>
+        </p:spPr>
+      </p:pic>
+      <p:pic>
+        <p:nvPicPr>
+          <p:cNvPr id="6" name="図 5">
+            <a:extLst>
+              <a:ext uri="{FF2B5EF4-FFF2-40B4-BE49-F238E27FC236}">
+                <a16:creationId xmlns:a16="http://schemas.microsoft.com/office/drawing/2014/main" id="{408AD18A-8F6A-664D-8426-E63F035CF71F}"/>
+              </a:ext>
+            </a:extLst>
+          </p:cNvPr>
+          <p:cNvPicPr>
+            <a:picLocks noChangeAspect="1"/>
+          </p:cNvPicPr>
+          <p:nvPr/>
+        </p:nvPicPr>
+        <p:blipFill>
+          <a:blip r:embed="rId3"/>
+          <a:stretch>
+            <a:fillRect/>
+          </a:stretch>
+        </p:blipFill>
+        <p:spPr>
+          <a:xfrm>
+            <a:off x="4655820" y="3721100"/>
+            <a:ext cx="1143000" cy="1143000"/>
+          </a:xfrm>
+          <a:prstGeom prst="rect">
+            <a:avLst/>
+          </a:prstGeom>
+        </p:spPr>
+      </p:pic>
+      <p:pic>
+        <p:nvPicPr>
+          <p:cNvPr id="7" name="図 6">
+            <a:extLst>
+              <a:ext uri="{FF2B5EF4-FFF2-40B4-BE49-F238E27FC236}">
+                <a16:creationId xmlns:a16="http://schemas.microsoft.com/office/drawing/2014/main" id="{89A9CEA8-95CE-5C4D-B6DC-E16F1127EE6C}"/>
+              </a:ext>
+            </a:extLst>
+          </p:cNvPr>
+          <p:cNvPicPr>
+            <a:picLocks noChangeAspect="1"/>
+          </p:cNvPicPr>
+          <p:nvPr/>
+        </p:nvPicPr>
+        <p:blipFill>
+          <a:blip r:embed="rId3"/>
+          <a:stretch>
+            <a:fillRect/>
+          </a:stretch>
+        </p:blipFill>
+        <p:spPr>
+          <a:xfrm>
+            <a:off x="6047740" y="3721100"/>
+            <a:ext cx="1143000" cy="1143000"/>
+          </a:xfrm>
+          <a:prstGeom prst="rect">
+            <a:avLst/>
+          </a:prstGeom>
+        </p:spPr>
+      </p:pic>
+      <p:pic>
+        <p:nvPicPr>
+          <p:cNvPr id="8" name="図 7">
+            <a:extLst>
+              <a:ext uri="{FF2B5EF4-FFF2-40B4-BE49-F238E27FC236}">
+                <a16:creationId xmlns:a16="http://schemas.microsoft.com/office/drawing/2014/main" id="{5D49BED8-CC85-B743-A5C0-3AF08D3A66CB}"/>
+              </a:ext>
+            </a:extLst>
+          </p:cNvPr>
+          <p:cNvPicPr>
+            <a:picLocks noChangeAspect="1"/>
+          </p:cNvPicPr>
+          <p:nvPr/>
+        </p:nvPicPr>
+        <p:blipFill>
+          <a:blip r:embed="rId3"/>
+          <a:stretch>
+            <a:fillRect/>
+          </a:stretch>
+        </p:blipFill>
+        <p:spPr>
+          <a:xfrm>
+            <a:off x="7480300" y="3649980"/>
+            <a:ext cx="1143000" cy="1143000"/>
+          </a:xfrm>
+          <a:prstGeom prst="rect">
+            <a:avLst/>
+          </a:prstGeom>
+        </p:spPr>
+      </p:pic>
+      <p:pic>
+        <p:nvPicPr>
+          <p:cNvPr id="9" name="図 8">
+            <a:extLst>
+              <a:ext uri="{FF2B5EF4-FFF2-40B4-BE49-F238E27FC236}">
+                <a16:creationId xmlns:a16="http://schemas.microsoft.com/office/drawing/2014/main" id="{BB463A90-520F-CE4C-8FAC-617DE69EC75B}"/>
+              </a:ext>
+            </a:extLst>
+          </p:cNvPr>
+          <p:cNvPicPr>
+            <a:picLocks noChangeAspect="1"/>
+          </p:cNvPicPr>
+          <p:nvPr/>
+        </p:nvPicPr>
+        <p:blipFill>
+          <a:blip r:embed="rId4"/>
+          <a:stretch>
+            <a:fillRect/>
+          </a:stretch>
+        </p:blipFill>
+        <p:spPr>
+          <a:xfrm>
+            <a:off x="4391660" y="662940"/>
+            <a:ext cx="1328420" cy="1328420"/>
+          </a:xfrm>
+          <a:prstGeom prst="rect">
+            <a:avLst/>
+          </a:prstGeom>
+        </p:spPr>
+      </p:pic>
+      <p:pic>
+        <p:nvPicPr>
+          <p:cNvPr id="10" name="図 9">
+            <a:extLst>
+              <a:ext uri="{FF2B5EF4-FFF2-40B4-BE49-F238E27FC236}">
+                <a16:creationId xmlns:a16="http://schemas.microsoft.com/office/drawing/2014/main" id="{4DBEA7AC-1122-314A-899A-1A0EDBF0665A}"/>
+              </a:ext>
+            </a:extLst>
+          </p:cNvPr>
+          <p:cNvPicPr>
+            <a:picLocks noChangeAspect="1"/>
+          </p:cNvPicPr>
+          <p:nvPr/>
+        </p:nvPicPr>
+        <p:blipFill>
+          <a:blip r:embed="rId5"/>
+          <a:stretch>
+            <a:fillRect/>
+          </a:stretch>
+        </p:blipFill>
+        <p:spPr>
+          <a:xfrm>
+            <a:off x="408940" y="2326640"/>
+            <a:ext cx="972820" cy="972820"/>
+          </a:xfrm>
+          <a:prstGeom prst="rect">
+            <a:avLst/>
+          </a:prstGeom>
+        </p:spPr>
+      </p:pic>
+      <p:sp>
+        <p:nvSpPr>
+          <p:cNvPr id="11" name="テキスト ボックス 10">
+            <a:extLst>
+              <a:ext uri="{FF2B5EF4-FFF2-40B4-BE49-F238E27FC236}">
+                <a16:creationId xmlns:a16="http://schemas.microsoft.com/office/drawing/2014/main" id="{1910495A-B7FF-F740-817D-4258EE3C17B9}"/>
+              </a:ext>
+            </a:extLst>
+          </p:cNvPr>
+          <p:cNvSpPr txBox="1"/>
+          <p:nvPr/>
+        </p:nvSpPr>
+        <p:spPr>
+          <a:xfrm>
+            <a:off x="406400" y="1879600"/>
+            <a:ext cx="877163" cy="369332"/>
+          </a:xfrm>
+          <a:prstGeom prst="rect">
+            <a:avLst/>
+          </a:prstGeom>
+          <a:noFill/>
+        </p:spPr>
+        <p:txBody>
+          <a:bodyPr wrap="none" rtlCol="0">
+            <a:spAutoFit/>
+          </a:bodyPr>
+          <a:lstStyle/>
+          <a:p>
+            <a:r>
+              <a:rPr kumimoji="1" lang="ja-JP" altLang="en-US"/>
+              <a:t>ユーザ</a:t>
+            </a:r>
+          </a:p>
+        </p:txBody>
+      </p:sp>
+      <p:cxnSp>
+        <p:nvCxnSpPr>
+          <p:cNvPr id="13" name="直線コネクタ 12">
+            <a:extLst>
+              <a:ext uri="{FF2B5EF4-FFF2-40B4-BE49-F238E27FC236}">
+                <a16:creationId xmlns:a16="http://schemas.microsoft.com/office/drawing/2014/main" id="{1F278A57-A367-2C47-9940-3AD91F1834D8}"/>
+              </a:ext>
+            </a:extLst>
+          </p:cNvPr>
+          <p:cNvCxnSpPr>
+            <a:stCxn id="10" idx="3"/>
+            <a:endCxn id="4" idx="1"/>
+          </p:cNvCxnSpPr>
+          <p:nvPr/>
+        </p:nvCxnSpPr>
+        <p:spPr>
+          <a:xfrm flipV="1">
+            <a:off x="1381760" y="2807970"/>
+            <a:ext cx="1099820" cy="5080"/>
+          </a:xfrm>
+          <a:prstGeom prst="line">
+            <a:avLst/>
+          </a:prstGeom>
+        </p:spPr>
+        <p:style>
+          <a:lnRef idx="1">
+            <a:schemeClr val="accent1"/>
+          </a:lnRef>
+          <a:fillRef idx="0">
+            <a:schemeClr val="accent1"/>
+          </a:fillRef>
+          <a:effectRef idx="0">
+            <a:schemeClr val="accent1"/>
+          </a:effectRef>
+          <a:fontRef idx="minor">
+            <a:schemeClr val="tx1"/>
+          </a:fontRef>
+        </p:style>
+      </p:cxnSp>
+      <p:sp>
+        <p:nvSpPr>
+          <p:cNvPr id="15" name="テキスト ボックス 14">
+            <a:extLst>
+              <a:ext uri="{FF2B5EF4-FFF2-40B4-BE49-F238E27FC236}">
+                <a16:creationId xmlns:a16="http://schemas.microsoft.com/office/drawing/2014/main" id="{C24186AE-5FB8-D140-A3FD-F23CE18D8883}"/>
+              </a:ext>
+            </a:extLst>
+          </p:cNvPr>
+          <p:cNvSpPr txBox="1"/>
+          <p:nvPr/>
+        </p:nvSpPr>
+        <p:spPr>
+          <a:xfrm>
+            <a:off x="2153920" y="1767840"/>
+            <a:ext cx="1800493" cy="369332"/>
+          </a:xfrm>
+          <a:prstGeom prst="rect">
+            <a:avLst/>
+          </a:prstGeom>
+          <a:noFill/>
+        </p:spPr>
+        <p:txBody>
+          <a:bodyPr wrap="none" rtlCol="0">
+            <a:spAutoFit/>
+          </a:bodyPr>
+          <a:lstStyle/>
+          <a:p>
+            <a:r>
+              <a:rPr kumimoji="1" lang="ja-JP" altLang="en-US"/>
+              <a:t>ログインノード</a:t>
+            </a:r>
+          </a:p>
+        </p:txBody>
+      </p:sp>
+      <p:sp>
+        <p:nvSpPr>
+          <p:cNvPr id="16" name="テキスト ボックス 15">
+            <a:extLst>
+              <a:ext uri="{FF2B5EF4-FFF2-40B4-BE49-F238E27FC236}">
+                <a16:creationId xmlns:a16="http://schemas.microsoft.com/office/drawing/2014/main" id="{6A723A02-CE05-A749-A6B5-A338E6E53D7C}"/>
+              </a:ext>
+            </a:extLst>
+          </p:cNvPr>
+          <p:cNvSpPr txBox="1"/>
+          <p:nvPr/>
+        </p:nvSpPr>
+        <p:spPr>
+          <a:xfrm>
+            <a:off x="4135120" y="355600"/>
+            <a:ext cx="2031325" cy="369332"/>
+          </a:xfrm>
+          <a:prstGeom prst="rect">
+            <a:avLst/>
+          </a:prstGeom>
+          <a:noFill/>
+        </p:spPr>
+        <p:txBody>
+          <a:bodyPr wrap="none" rtlCol="0">
+            <a:spAutoFit/>
+          </a:bodyPr>
+          <a:lstStyle/>
+          <a:p>
+            <a:r>
+              <a:rPr kumimoji="1" lang="ja-JP" altLang="en-US"/>
+              <a:t>ファイルシステム</a:t>
+            </a:r>
+          </a:p>
+        </p:txBody>
+      </p:sp>
+      <p:cxnSp>
+        <p:nvCxnSpPr>
+          <p:cNvPr id="18" name="カギ線コネクタ 17">
+            <a:extLst>
+              <a:ext uri="{FF2B5EF4-FFF2-40B4-BE49-F238E27FC236}">
+                <a16:creationId xmlns:a16="http://schemas.microsoft.com/office/drawing/2014/main" id="{8EDC82A6-2F74-3D4E-A4ED-7D5818C47387}"/>
+              </a:ext>
+            </a:extLst>
+          </p:cNvPr>
+          <p:cNvCxnSpPr>
+            <a:stCxn id="4" idx="3"/>
+            <a:endCxn id="9" idx="2"/>
+          </p:cNvCxnSpPr>
+          <p:nvPr/>
+        </p:nvCxnSpPr>
+        <p:spPr>
+          <a:xfrm flipV="1">
+            <a:off x="3484880" y="1991360"/>
+            <a:ext cx="1570990" cy="816610"/>
+          </a:xfrm>
+          <a:prstGeom prst="bentConnector2">
+            <a:avLst/>
+          </a:prstGeom>
+        </p:spPr>
+        <p:style>
+          <a:lnRef idx="1">
+            <a:schemeClr val="accent1"/>
+          </a:lnRef>
+          <a:fillRef idx="0">
+            <a:schemeClr val="accent1"/>
+          </a:fillRef>
+          <a:effectRef idx="0">
+            <a:schemeClr val="accent1"/>
+          </a:effectRef>
+          <a:fontRef idx="minor">
+            <a:schemeClr val="tx1"/>
+          </a:fontRef>
+        </p:style>
+      </p:cxnSp>
+      <p:sp>
+        <p:nvSpPr>
+          <p:cNvPr id="19" name="テキスト ボックス 18">
+            <a:extLst>
+              <a:ext uri="{FF2B5EF4-FFF2-40B4-BE49-F238E27FC236}">
+                <a16:creationId xmlns:a16="http://schemas.microsoft.com/office/drawing/2014/main" id="{0DF2C716-25E1-F245-A939-BA14BBEC4884}"/>
+              </a:ext>
+            </a:extLst>
+          </p:cNvPr>
+          <p:cNvSpPr txBox="1"/>
+          <p:nvPr/>
+        </p:nvSpPr>
+        <p:spPr>
+          <a:xfrm>
+            <a:off x="1402080" y="2499360"/>
+            <a:ext cx="1172116" cy="261610"/>
+          </a:xfrm>
+          <a:prstGeom prst="rect">
+            <a:avLst/>
+          </a:prstGeom>
+          <a:noFill/>
+        </p:spPr>
+        <p:txBody>
+          <a:bodyPr wrap="none" rtlCol="0">
+            <a:spAutoFit/>
+          </a:bodyPr>
+          <a:lstStyle/>
+          <a:p>
+            <a:r>
+              <a:rPr kumimoji="1" lang="ja-JP" altLang="en-US" sz="1050"/>
+              <a:t>インターネット</a:t>
+            </a:r>
+          </a:p>
+        </p:txBody>
+      </p:sp>
+      <p:cxnSp>
+        <p:nvCxnSpPr>
+          <p:cNvPr id="21" name="カギ線コネクタ 20">
+            <a:extLst>
+              <a:ext uri="{FF2B5EF4-FFF2-40B4-BE49-F238E27FC236}">
+                <a16:creationId xmlns:a16="http://schemas.microsoft.com/office/drawing/2014/main" id="{C42D4010-7A3A-1845-B1EA-84E6C91A4191}"/>
+              </a:ext>
+            </a:extLst>
+          </p:cNvPr>
+          <p:cNvCxnSpPr>
+            <a:stCxn id="9" idx="2"/>
+            <a:endCxn id="5" idx="0"/>
+          </p:cNvCxnSpPr>
+          <p:nvPr/>
+        </p:nvCxnSpPr>
+        <p:spPr>
+          <a:xfrm rot="5400000">
+            <a:off x="3565525" y="2200275"/>
+            <a:ext cx="1699260" cy="1281430"/>
+          </a:xfrm>
+          <a:prstGeom prst="bentConnector3">
+            <a:avLst>
+              <a:gd name="adj1" fmla="val 47608"/>
+            </a:avLst>
+          </a:prstGeom>
+        </p:spPr>
+        <p:style>
+          <a:lnRef idx="1">
+            <a:schemeClr val="accent1"/>
+          </a:lnRef>
+          <a:fillRef idx="0">
+            <a:schemeClr val="accent1"/>
+          </a:fillRef>
+          <a:effectRef idx="0">
+            <a:schemeClr val="accent1"/>
+          </a:effectRef>
+          <a:fontRef idx="minor">
+            <a:schemeClr val="tx1"/>
+          </a:fontRef>
+        </p:style>
+      </p:cxnSp>
+      <p:cxnSp>
+        <p:nvCxnSpPr>
+          <p:cNvPr id="23" name="カギ線コネクタ 22">
+            <a:extLst>
+              <a:ext uri="{FF2B5EF4-FFF2-40B4-BE49-F238E27FC236}">
+                <a16:creationId xmlns:a16="http://schemas.microsoft.com/office/drawing/2014/main" id="{201215D8-255F-FA45-ADA7-B0EEBBDE02BE}"/>
+              </a:ext>
+            </a:extLst>
+          </p:cNvPr>
+          <p:cNvCxnSpPr>
+            <a:stCxn id="9" idx="2"/>
+            <a:endCxn id="6" idx="0"/>
+          </p:cNvCxnSpPr>
+          <p:nvPr/>
+        </p:nvCxnSpPr>
+        <p:spPr>
+          <a:xfrm rot="16200000" flipH="1">
+            <a:off x="4276725" y="2770505"/>
+            <a:ext cx="1729740" cy="171450"/>
+          </a:xfrm>
+          <a:prstGeom prst="bentConnector3">
+            <a:avLst>
+              <a:gd name="adj1" fmla="val 47651"/>
+            </a:avLst>
+          </a:prstGeom>
+        </p:spPr>
+        <p:style>
+          <a:lnRef idx="1">
+            <a:schemeClr val="accent1"/>
+          </a:lnRef>
+          <a:fillRef idx="0">
+            <a:schemeClr val="accent1"/>
+          </a:fillRef>
+          <a:effectRef idx="0">
+            <a:schemeClr val="accent1"/>
+          </a:effectRef>
+          <a:fontRef idx="minor">
+            <a:schemeClr val="tx1"/>
+          </a:fontRef>
+        </p:style>
+      </p:cxnSp>
+      <p:cxnSp>
+        <p:nvCxnSpPr>
+          <p:cNvPr id="25" name="カギ線コネクタ 24">
+            <a:extLst>
+              <a:ext uri="{FF2B5EF4-FFF2-40B4-BE49-F238E27FC236}">
+                <a16:creationId xmlns:a16="http://schemas.microsoft.com/office/drawing/2014/main" id="{0C243222-9F42-9B45-9F59-679338DE3744}"/>
+              </a:ext>
+            </a:extLst>
+          </p:cNvPr>
+          <p:cNvCxnSpPr>
+            <a:stCxn id="9" idx="2"/>
+            <a:endCxn id="7" idx="0"/>
+          </p:cNvCxnSpPr>
+          <p:nvPr/>
+        </p:nvCxnSpPr>
+        <p:spPr>
+          <a:xfrm rot="16200000" flipH="1">
+            <a:off x="4972685" y="2074545"/>
+            <a:ext cx="1729740" cy="1563370"/>
+          </a:xfrm>
+          <a:prstGeom prst="bentConnector3">
+            <a:avLst>
+              <a:gd name="adj1" fmla="val 47651"/>
+            </a:avLst>
+          </a:prstGeom>
+        </p:spPr>
+        <p:style>
+          <a:lnRef idx="1">
+            <a:schemeClr val="accent1"/>
+          </a:lnRef>
+          <a:fillRef idx="0">
+            <a:schemeClr val="accent1"/>
+          </a:fillRef>
+          <a:effectRef idx="0">
+            <a:schemeClr val="accent1"/>
+          </a:effectRef>
+          <a:fontRef idx="minor">
+            <a:schemeClr val="tx1"/>
+          </a:fontRef>
+        </p:style>
+      </p:cxnSp>
+      <p:cxnSp>
+        <p:nvCxnSpPr>
+          <p:cNvPr id="27" name="カギ線コネクタ 26">
+            <a:extLst>
+              <a:ext uri="{FF2B5EF4-FFF2-40B4-BE49-F238E27FC236}">
+                <a16:creationId xmlns:a16="http://schemas.microsoft.com/office/drawing/2014/main" id="{A813AB10-1DD3-C94B-968A-C5D64454DC00}"/>
+              </a:ext>
+            </a:extLst>
+          </p:cNvPr>
+          <p:cNvCxnSpPr>
+            <a:stCxn id="9" idx="2"/>
+            <a:endCxn id="8" idx="0"/>
+          </p:cNvCxnSpPr>
+          <p:nvPr/>
+        </p:nvCxnSpPr>
+        <p:spPr>
+          <a:xfrm rot="16200000" flipH="1">
+            <a:off x="5724525" y="1322705"/>
+            <a:ext cx="1658620" cy="2995930"/>
+          </a:xfrm>
+          <a:prstGeom prst="bentConnector3">
+            <a:avLst>
+              <a:gd name="adj1" fmla="val 49387"/>
+            </a:avLst>
+          </a:prstGeom>
+        </p:spPr>
+        <p:style>
+          <a:lnRef idx="1">
+            <a:schemeClr val="accent1"/>
+          </a:lnRef>
+          <a:fillRef idx="0">
+            <a:schemeClr val="accent1"/>
+          </a:fillRef>
+          <a:effectRef idx="0">
+            <a:schemeClr val="accent1"/>
+          </a:effectRef>
+          <a:fontRef idx="minor">
+            <a:schemeClr val="tx1"/>
+          </a:fontRef>
+        </p:style>
+      </p:cxnSp>
+      <p:sp>
+        <p:nvSpPr>
+          <p:cNvPr id="32" name="テキスト ボックス 31">
+            <a:extLst>
+              <a:ext uri="{FF2B5EF4-FFF2-40B4-BE49-F238E27FC236}">
+                <a16:creationId xmlns:a16="http://schemas.microsoft.com/office/drawing/2014/main" id="{79418976-2C94-B546-B641-599016C154A7}"/>
+              </a:ext>
+            </a:extLst>
+          </p:cNvPr>
+          <p:cNvSpPr txBox="1"/>
+          <p:nvPr/>
+        </p:nvSpPr>
+        <p:spPr>
+          <a:xfrm>
+            <a:off x="3078480" y="4795520"/>
+            <a:ext cx="1338828" cy="369332"/>
+          </a:xfrm>
+          <a:prstGeom prst="rect">
+            <a:avLst/>
+          </a:prstGeom>
+          <a:noFill/>
+        </p:spPr>
+        <p:txBody>
+          <a:bodyPr wrap="none" rtlCol="0">
+            <a:spAutoFit/>
+          </a:bodyPr>
+          <a:lstStyle/>
+          <a:p>
+            <a:r>
+              <a:rPr kumimoji="1" lang="ja-JP" altLang="en-US"/>
+              <a:t>計算ノード</a:t>
+            </a:r>
+          </a:p>
+        </p:txBody>
+      </p:sp>
+      <p:sp>
+        <p:nvSpPr>
+          <p:cNvPr id="33" name="テキスト ボックス 32">
+            <a:extLst>
+              <a:ext uri="{FF2B5EF4-FFF2-40B4-BE49-F238E27FC236}">
+                <a16:creationId xmlns:a16="http://schemas.microsoft.com/office/drawing/2014/main" id="{057D6DDE-91AD-884E-B0B6-C65D618545E8}"/>
+              </a:ext>
+            </a:extLst>
+          </p:cNvPr>
+          <p:cNvSpPr txBox="1"/>
+          <p:nvPr/>
+        </p:nvSpPr>
+        <p:spPr>
+          <a:xfrm>
+            <a:off x="4612640" y="4826000"/>
+            <a:ext cx="1338828" cy="369332"/>
+          </a:xfrm>
+          <a:prstGeom prst="rect">
+            <a:avLst/>
+          </a:prstGeom>
+          <a:noFill/>
+        </p:spPr>
+        <p:txBody>
+          <a:bodyPr wrap="none" rtlCol="0">
+            <a:spAutoFit/>
+          </a:bodyPr>
+          <a:lstStyle/>
+          <a:p>
+            <a:r>
+              <a:rPr kumimoji="1" lang="ja-JP" altLang="en-US"/>
+              <a:t>計算ノード</a:t>
+            </a:r>
+          </a:p>
+        </p:txBody>
+      </p:sp>
+      <p:sp>
+        <p:nvSpPr>
+          <p:cNvPr id="34" name="テキスト ボックス 33">
+            <a:extLst>
+              <a:ext uri="{FF2B5EF4-FFF2-40B4-BE49-F238E27FC236}">
+                <a16:creationId xmlns:a16="http://schemas.microsoft.com/office/drawing/2014/main" id="{D34A5800-A521-6140-93E8-8E0E1538C3ED}"/>
+              </a:ext>
+            </a:extLst>
+          </p:cNvPr>
+          <p:cNvSpPr txBox="1"/>
+          <p:nvPr/>
+        </p:nvSpPr>
+        <p:spPr>
+          <a:xfrm>
+            <a:off x="6045200" y="4826000"/>
+            <a:ext cx="1338828" cy="369332"/>
+          </a:xfrm>
+          <a:prstGeom prst="rect">
+            <a:avLst/>
+          </a:prstGeom>
+          <a:noFill/>
+        </p:spPr>
+        <p:txBody>
+          <a:bodyPr wrap="none" rtlCol="0">
+            <a:spAutoFit/>
+          </a:bodyPr>
+          <a:lstStyle/>
+          <a:p>
+            <a:r>
+              <a:rPr kumimoji="1" lang="ja-JP" altLang="en-US"/>
+              <a:t>計算ノード</a:t>
+            </a:r>
+          </a:p>
+        </p:txBody>
+      </p:sp>
+      <p:sp>
+        <p:nvSpPr>
+          <p:cNvPr id="35" name="テキスト ボックス 34">
+            <a:extLst>
+              <a:ext uri="{FF2B5EF4-FFF2-40B4-BE49-F238E27FC236}">
+                <a16:creationId xmlns:a16="http://schemas.microsoft.com/office/drawing/2014/main" id="{AE9DE022-50A4-EA4A-ABEC-648CD08F68C8}"/>
+              </a:ext>
+            </a:extLst>
+          </p:cNvPr>
+          <p:cNvSpPr txBox="1"/>
+          <p:nvPr/>
+        </p:nvSpPr>
+        <p:spPr>
+          <a:xfrm>
+            <a:off x="7437120" y="4775200"/>
+            <a:ext cx="1338828" cy="369332"/>
+          </a:xfrm>
+          <a:prstGeom prst="rect">
+            <a:avLst/>
+          </a:prstGeom>
+          <a:noFill/>
+        </p:spPr>
+        <p:txBody>
+          <a:bodyPr wrap="none" rtlCol="0">
+            <a:spAutoFit/>
+          </a:bodyPr>
+          <a:lstStyle/>
+          <a:p>
+            <a:r>
+              <a:rPr kumimoji="1" lang="ja-JP" altLang="en-US"/>
+              <a:t>計算ノード</a:t>
+            </a:r>
+          </a:p>
+        </p:txBody>
+      </p:sp>
+      <p:sp>
+        <p:nvSpPr>
+          <p:cNvPr id="36" name="テキスト ボックス 35">
+            <a:extLst>
+              <a:ext uri="{FF2B5EF4-FFF2-40B4-BE49-F238E27FC236}">
+                <a16:creationId xmlns:a16="http://schemas.microsoft.com/office/drawing/2014/main" id="{E6E786F9-8A9E-B343-B804-96704FF21479}"/>
+              </a:ext>
+            </a:extLst>
+          </p:cNvPr>
+          <p:cNvSpPr txBox="1"/>
+          <p:nvPr/>
+        </p:nvSpPr>
+        <p:spPr>
+          <a:xfrm>
+            <a:off x="5699760" y="2174240"/>
+            <a:ext cx="2031325" cy="646331"/>
+          </a:xfrm>
+          <a:prstGeom prst="rect">
+            <a:avLst/>
+          </a:prstGeom>
+          <a:noFill/>
+        </p:spPr>
+        <p:txBody>
+          <a:bodyPr wrap="none" rtlCol="0">
+            <a:spAutoFit/>
+          </a:bodyPr>
+          <a:lstStyle/>
+          <a:p>
+            <a:r>
+              <a:rPr kumimoji="1" lang="ja-JP" altLang="en-US"/>
+              <a:t>高速ネットワーク</a:t>
+            </a:r>
+            <a:endParaRPr kumimoji="1" lang="en-US" altLang="ja-JP"/>
+          </a:p>
+          <a:p>
+            <a:r>
+              <a:rPr lang="en-US" altLang="ja-JP"/>
+              <a:t>(InfiniBand</a:t>
+            </a:r>
+            <a:r>
+              <a:rPr lang="ja-JP" altLang="en-US"/>
+              <a:t>等</a:t>
+            </a:r>
+            <a:r>
+              <a:rPr lang="en-US" altLang="ja-JP"/>
+              <a:t>)</a:t>
+            </a:r>
+            <a:endParaRPr kumimoji="1" lang="ja-JP" altLang="en-US"/>
+          </a:p>
+        </p:txBody>
+      </p:sp>
+    </p:spTree>
+    <p:extLst>
+      <p:ext uri="{BB962C8B-B14F-4D97-AF65-F5344CB8AC3E}">
+        <p14:creationId xmlns:p14="http://schemas.microsoft.com/office/powerpoint/2010/main" val="664993026"/>
+      </p:ext>
+    </p:extLst>
+  </p:cSld>
+  <p:clrMapOvr>
+    <a:masterClrMapping/>
+  </p:clrMapOvr>
+</p:sld>
+</file>
+
 <file path=ppt/theme/theme1.xml><?xml version="1.0" encoding="utf-8"?>
 <a:theme xmlns:a="http://schemas.openxmlformats.org/drawingml/2006/main" name="Office テーマ">
   <a:themeElements>

--- a/day2/fig/fig.pptx
+++ b/day2/fig/fig.pptx
@@ -9,6 +9,8 @@
     <p:sldId id="257" r:id="rId3"/>
     <p:sldId id="258" r:id="rId4"/>
     <p:sldId id="259" r:id="rId5"/>
+    <p:sldId id="260" r:id="rId6"/>
+    <p:sldId id="261" r:id="rId7"/>
   </p:sldIdLst>
   <p:sldSz cx="9906000" cy="6858000" type="A4"/>
   <p:notesSz cx="6858000" cy="9144000"/>
@@ -245,7 +247,7 @@
           <a:lstStyle/>
           <a:p>
             <a:fld id="{ACB7CCA1-9DD8-A242-AF72-AF27A73B7972}" type="datetimeFigureOut">
-              <a:t>2018/10/8</a:t>
+              <a:t>2018/10/14</a:t>
             </a:fld>
             <a:endParaRPr kumimoji="1" lang="ja-JP" altLang="en-US"/>
           </a:p>
@@ -421,7 +423,7 @@
           <a:lstStyle/>
           <a:p>
             <a:fld id="{ACB7CCA1-9DD8-A242-AF72-AF27A73B7972}" type="datetimeFigureOut">
-              <a:t>2018/10/8</a:t>
+              <a:t>2018/10/14</a:t>
             </a:fld>
             <a:endParaRPr kumimoji="1" lang="ja-JP" altLang="en-US"/>
           </a:p>
@@ -607,7 +609,7 @@
           <a:lstStyle/>
           <a:p>
             <a:fld id="{ACB7CCA1-9DD8-A242-AF72-AF27A73B7972}" type="datetimeFigureOut">
-              <a:t>2018/10/8</a:t>
+              <a:t>2018/10/14</a:t>
             </a:fld>
             <a:endParaRPr kumimoji="1" lang="ja-JP" altLang="en-US"/>
           </a:p>
@@ -783,7 +785,7 @@
           <a:lstStyle/>
           <a:p>
             <a:fld id="{ACB7CCA1-9DD8-A242-AF72-AF27A73B7972}" type="datetimeFigureOut">
-              <a:t>2018/10/8</a:t>
+              <a:t>2018/10/14</a:t>
             </a:fld>
             <a:endParaRPr kumimoji="1" lang="ja-JP" altLang="en-US"/>
           </a:p>
@@ -1062,7 +1064,7 @@
           <a:lstStyle/>
           <a:p>
             <a:fld id="{ACB7CCA1-9DD8-A242-AF72-AF27A73B7972}" type="datetimeFigureOut">
-              <a:t>2018/10/8</a:t>
+              <a:t>2018/10/14</a:t>
             </a:fld>
             <a:endParaRPr kumimoji="1" lang="ja-JP" altLang="en-US"/>
           </a:p>
@@ -1308,7 +1310,7 @@
           <a:lstStyle/>
           <a:p>
             <a:fld id="{ACB7CCA1-9DD8-A242-AF72-AF27A73B7972}" type="datetimeFigureOut">
-              <a:t>2018/10/8</a:t>
+              <a:t>2018/10/14</a:t>
             </a:fld>
             <a:endParaRPr kumimoji="1" lang="ja-JP" altLang="en-US"/>
           </a:p>
@@ -1763,7 +1765,7 @@
           <a:lstStyle/>
           <a:p>
             <a:fld id="{ACB7CCA1-9DD8-A242-AF72-AF27A73B7972}" type="datetimeFigureOut">
-              <a:t>2018/10/8</a:t>
+              <a:t>2018/10/14</a:t>
             </a:fld>
             <a:endParaRPr kumimoji="1" lang="ja-JP" altLang="en-US"/>
           </a:p>
@@ -1879,7 +1881,7 @@
           <a:lstStyle/>
           <a:p>
             <a:fld id="{ACB7CCA1-9DD8-A242-AF72-AF27A73B7972}" type="datetimeFigureOut">
-              <a:t>2018/10/8</a:t>
+              <a:t>2018/10/14</a:t>
             </a:fld>
             <a:endParaRPr kumimoji="1" lang="ja-JP" altLang="en-US"/>
           </a:p>
@@ -1972,7 +1974,7 @@
           <a:lstStyle/>
           <a:p>
             <a:fld id="{ACB7CCA1-9DD8-A242-AF72-AF27A73B7972}" type="datetimeFigureOut">
-              <a:t>2018/10/8</a:t>
+              <a:t>2018/10/14</a:t>
             </a:fld>
             <a:endParaRPr kumimoji="1" lang="ja-JP" altLang="en-US"/>
           </a:p>
@@ -2292,7 +2294,7 @@
           <a:lstStyle/>
           <a:p>
             <a:fld id="{ACB7CCA1-9DD8-A242-AF72-AF27A73B7972}" type="datetimeFigureOut">
-              <a:t>2018/10/8</a:t>
+              <a:t>2018/10/14</a:t>
             </a:fld>
             <a:endParaRPr kumimoji="1" lang="ja-JP" altLang="en-US"/>
           </a:p>
@@ -2584,7 +2586,7 @@
           <a:lstStyle/>
           <a:p>
             <a:fld id="{ACB7CCA1-9DD8-A242-AF72-AF27A73B7972}" type="datetimeFigureOut">
-              <a:t>2018/10/8</a:t>
+              <a:t>2018/10/14</a:t>
             </a:fld>
             <a:endParaRPr kumimoji="1" lang="ja-JP" altLang="en-US"/>
           </a:p>
@@ -2803,7 +2805,7 @@
           </a:lstStyle>
           <a:p>
             <a:fld id="{ACB7CCA1-9DD8-A242-AF72-AF27A73B7972}" type="datetimeFigureOut">
-              <a:t>2018/10/8</a:t>
+              <a:t>2018/10/14</a:t>
             </a:fld>
             <a:endParaRPr kumimoji="1" lang="ja-JP" altLang="en-US"/>
           </a:p>
@@ -5705,6 +5707,1444 @@
 </p:sld>
 </file>
 
+<file path=ppt/slides/slide5.xml><?xml version="1.0" encoding="utf-8"?>
+<p:sld xmlns:a="http://schemas.openxmlformats.org/drawingml/2006/main" xmlns:r="http://schemas.openxmlformats.org/officeDocument/2006/relationships" xmlns:p="http://schemas.openxmlformats.org/presentationml/2006/main">
+  <p:cSld>
+    <p:spTree>
+      <p:nvGrpSpPr>
+        <p:cNvPr id="1" name=""/>
+        <p:cNvGrpSpPr/>
+        <p:nvPr/>
+      </p:nvGrpSpPr>
+      <p:grpSpPr>
+        <a:xfrm>
+          <a:off x="0" y="0"/>
+          <a:ext cx="0" cy="0"/>
+          <a:chOff x="0" y="0"/>
+          <a:chExt cx="0" cy="0"/>
+        </a:xfrm>
+      </p:grpSpPr>
+      <p:pic>
+        <p:nvPicPr>
+          <p:cNvPr id="5" name="図 4"/>
+          <p:cNvPicPr>
+            <a:picLocks noChangeAspect="1"/>
+          </p:cNvPicPr>
+          <p:nvPr/>
+        </p:nvPicPr>
+        <p:blipFill>
+          <a:blip r:embed="rId2">
+            <a:extLst>
+              <a:ext uri="{28A0092B-C50C-407E-A947-70E740481C1C}">
+                <a14:useLocalDpi xmlns:a14="http://schemas.microsoft.com/office/drawing/2010/main" val="0"/>
+              </a:ext>
+            </a:extLst>
+          </a:blip>
+          <a:stretch>
+            <a:fillRect/>
+          </a:stretch>
+        </p:blipFill>
+        <p:spPr>
+          <a:xfrm>
+            <a:off x="1583119" y="1056999"/>
+            <a:ext cx="879830" cy="813842"/>
+          </a:xfrm>
+          <a:prstGeom prst="rect">
+            <a:avLst/>
+          </a:prstGeom>
+        </p:spPr>
+      </p:pic>
+      <p:pic>
+        <p:nvPicPr>
+          <p:cNvPr id="6" name="図 5"/>
+          <p:cNvPicPr>
+            <a:picLocks noChangeAspect="1"/>
+          </p:cNvPicPr>
+          <p:nvPr/>
+        </p:nvPicPr>
+        <p:blipFill>
+          <a:blip r:embed="rId3">
+            <a:extLst>
+              <a:ext uri="{28A0092B-C50C-407E-A947-70E740481C1C}">
+                <a14:useLocalDpi xmlns:a14="http://schemas.microsoft.com/office/drawing/2010/main" val="0"/>
+              </a:ext>
+            </a:extLst>
+          </a:blip>
+          <a:stretch>
+            <a:fillRect/>
+          </a:stretch>
+        </p:blipFill>
+        <p:spPr>
+          <a:xfrm>
+            <a:off x="7087363" y="883521"/>
+            <a:ext cx="843744" cy="1102934"/>
+          </a:xfrm>
+          <a:prstGeom prst="rect">
+            <a:avLst/>
+          </a:prstGeom>
+        </p:spPr>
+      </p:pic>
+      <p:sp>
+        <p:nvSpPr>
+          <p:cNvPr id="7" name="テキスト ボックス 6"/>
+          <p:cNvSpPr txBox="1"/>
+          <p:nvPr/>
+        </p:nvSpPr>
+        <p:spPr>
+          <a:xfrm>
+            <a:off x="168660" y="369826"/>
+            <a:ext cx="3185488" cy="369332"/>
+          </a:xfrm>
+          <a:prstGeom prst="rect">
+            <a:avLst/>
+          </a:prstGeom>
+          <a:noFill/>
+        </p:spPr>
+        <p:txBody>
+          <a:bodyPr wrap="none" rtlCol="0">
+            <a:spAutoFit/>
+          </a:bodyPr>
+          <a:lstStyle/>
+          <a:p>
+            <a:pPr algn="ctr"/>
+            <a:r>
+              <a:rPr lang="ja-JP" altLang="en-US" dirty="0" smtClean="0"/>
+              <a:t>グローバルファイルシステム</a:t>
+            </a:r>
+            <a:endParaRPr lang="en-US" altLang="ja-JP" dirty="0"/>
+          </a:p>
+        </p:txBody>
+      </p:sp>
+      <p:sp>
+        <p:nvSpPr>
+          <p:cNvPr id="8" name="テキスト ボックス 7"/>
+          <p:cNvSpPr txBox="1"/>
+          <p:nvPr/>
+        </p:nvSpPr>
+        <p:spPr>
+          <a:xfrm>
+            <a:off x="6734740" y="306993"/>
+            <a:ext cx="1338828" cy="369332"/>
+          </a:xfrm>
+          <a:prstGeom prst="rect">
+            <a:avLst/>
+          </a:prstGeom>
+          <a:noFill/>
+        </p:spPr>
+        <p:txBody>
+          <a:bodyPr wrap="none" rtlCol="0">
+            <a:spAutoFit/>
+          </a:bodyPr>
+          <a:lstStyle/>
+          <a:p>
+            <a:pPr algn="ctr"/>
+            <a:r>
+              <a:rPr lang="ja-JP" altLang="en-US" dirty="0" smtClean="0"/>
+              <a:t>計算ノード</a:t>
+            </a:r>
+            <a:endParaRPr lang="en-US" altLang="ja-JP" dirty="0"/>
+          </a:p>
+        </p:txBody>
+      </p:sp>
+      <p:cxnSp>
+        <p:nvCxnSpPr>
+          <p:cNvPr id="10" name="直線コネクタ 9"/>
+          <p:cNvCxnSpPr>
+            <a:stCxn id="5" idx="3"/>
+            <a:endCxn id="6" idx="1"/>
+          </p:cNvCxnSpPr>
+          <p:nvPr/>
+        </p:nvCxnSpPr>
+        <p:spPr>
+          <a:xfrm flipV="1">
+            <a:off x="2462949" y="1434988"/>
+            <a:ext cx="4624414" cy="28932"/>
+          </a:xfrm>
+          <a:prstGeom prst="line">
+            <a:avLst/>
+          </a:prstGeom>
+          <a:ln>
+            <a:solidFill>
+              <a:schemeClr val="tx1"/>
+            </a:solidFill>
+            <a:headEnd type="arrow" w="med" len="med"/>
+            <a:tailEnd type="arrow" w="med" len="med"/>
+          </a:ln>
+        </p:spPr>
+        <p:style>
+          <a:lnRef idx="1">
+            <a:schemeClr val="dk1"/>
+          </a:lnRef>
+          <a:fillRef idx="0">
+            <a:schemeClr val="dk1"/>
+          </a:fillRef>
+          <a:effectRef idx="0">
+            <a:schemeClr val="dk1"/>
+          </a:effectRef>
+          <a:fontRef idx="minor">
+            <a:schemeClr val="tx1"/>
+          </a:fontRef>
+        </p:style>
+      </p:cxnSp>
+      <p:pic>
+        <p:nvPicPr>
+          <p:cNvPr id="24" name="図 23"/>
+          <p:cNvPicPr>
+            <a:picLocks noChangeAspect="1"/>
+          </p:cNvPicPr>
+          <p:nvPr/>
+        </p:nvPicPr>
+        <p:blipFill>
+          <a:blip r:embed="rId3">
+            <a:extLst>
+              <a:ext uri="{28A0092B-C50C-407E-A947-70E740481C1C}">
+                <a14:useLocalDpi xmlns:a14="http://schemas.microsoft.com/office/drawing/2010/main" val="0"/>
+              </a:ext>
+            </a:extLst>
+          </a:blip>
+          <a:stretch>
+            <a:fillRect/>
+          </a:stretch>
+        </p:blipFill>
+        <p:spPr>
+          <a:xfrm>
+            <a:off x="7087363" y="2349714"/>
+            <a:ext cx="843744" cy="1102934"/>
+          </a:xfrm>
+          <a:prstGeom prst="rect">
+            <a:avLst/>
+          </a:prstGeom>
+        </p:spPr>
+      </p:pic>
+      <p:pic>
+        <p:nvPicPr>
+          <p:cNvPr id="25" name="図 24"/>
+          <p:cNvPicPr>
+            <a:picLocks noChangeAspect="1"/>
+          </p:cNvPicPr>
+          <p:nvPr/>
+        </p:nvPicPr>
+        <p:blipFill>
+          <a:blip r:embed="rId3">
+            <a:extLst>
+              <a:ext uri="{28A0092B-C50C-407E-A947-70E740481C1C}">
+                <a14:useLocalDpi xmlns:a14="http://schemas.microsoft.com/office/drawing/2010/main" val="0"/>
+              </a:ext>
+            </a:extLst>
+          </a:blip>
+          <a:stretch>
+            <a:fillRect/>
+          </a:stretch>
+        </p:blipFill>
+        <p:spPr>
+          <a:xfrm>
+            <a:off x="7087363" y="3889479"/>
+            <a:ext cx="843744" cy="1102934"/>
+          </a:xfrm>
+          <a:prstGeom prst="rect">
+            <a:avLst/>
+          </a:prstGeom>
+        </p:spPr>
+      </p:pic>
+      <p:cxnSp>
+        <p:nvCxnSpPr>
+          <p:cNvPr id="27" name="カギ線コネクタ 26"/>
+          <p:cNvCxnSpPr>
+            <a:stCxn id="5" idx="3"/>
+            <a:endCxn id="24" idx="1"/>
+          </p:cNvCxnSpPr>
+          <p:nvPr/>
+        </p:nvCxnSpPr>
+        <p:spPr>
+          <a:xfrm>
+            <a:off x="2462949" y="1463920"/>
+            <a:ext cx="4624414" cy="1437261"/>
+          </a:xfrm>
+          <a:prstGeom prst="bentConnector3">
+            <a:avLst/>
+          </a:prstGeom>
+          <a:ln>
+            <a:solidFill>
+              <a:schemeClr val="tx1"/>
+            </a:solidFill>
+            <a:tailEnd type="triangle"/>
+          </a:ln>
+        </p:spPr>
+        <p:style>
+          <a:lnRef idx="1">
+            <a:schemeClr val="accent1"/>
+          </a:lnRef>
+          <a:fillRef idx="0">
+            <a:schemeClr val="accent1"/>
+          </a:fillRef>
+          <a:effectRef idx="0">
+            <a:schemeClr val="accent1"/>
+          </a:effectRef>
+          <a:fontRef idx="minor">
+            <a:schemeClr val="tx1"/>
+          </a:fontRef>
+        </p:style>
+      </p:cxnSp>
+      <p:cxnSp>
+        <p:nvCxnSpPr>
+          <p:cNvPr id="29" name="カギ線コネクタ 28"/>
+          <p:cNvCxnSpPr>
+            <a:stCxn id="5" idx="3"/>
+            <a:endCxn id="25" idx="1"/>
+          </p:cNvCxnSpPr>
+          <p:nvPr/>
+        </p:nvCxnSpPr>
+        <p:spPr>
+          <a:xfrm>
+            <a:off x="2462949" y="1463920"/>
+            <a:ext cx="4624414" cy="2977026"/>
+          </a:xfrm>
+          <a:prstGeom prst="bentConnector3">
+            <a:avLst/>
+          </a:prstGeom>
+          <a:ln>
+            <a:solidFill>
+              <a:schemeClr val="tx1"/>
+            </a:solidFill>
+            <a:tailEnd type="triangle"/>
+          </a:ln>
+        </p:spPr>
+        <p:style>
+          <a:lnRef idx="1">
+            <a:schemeClr val="accent1"/>
+          </a:lnRef>
+          <a:fillRef idx="0">
+            <a:schemeClr val="accent1"/>
+          </a:fillRef>
+          <a:effectRef idx="0">
+            <a:schemeClr val="accent1"/>
+          </a:effectRef>
+          <a:fontRef idx="minor">
+            <a:schemeClr val="tx1"/>
+          </a:fontRef>
+        </p:style>
+      </p:cxnSp>
+      <p:pic>
+        <p:nvPicPr>
+          <p:cNvPr id="30" name="図 29"/>
+          <p:cNvPicPr>
+            <a:picLocks noChangeAspect="1"/>
+          </p:cNvPicPr>
+          <p:nvPr/>
+        </p:nvPicPr>
+        <p:blipFill>
+          <a:blip r:embed="rId2">
+            <a:extLst>
+              <a:ext uri="{28A0092B-C50C-407E-A947-70E740481C1C}">
+                <a14:useLocalDpi xmlns:a14="http://schemas.microsoft.com/office/drawing/2010/main" val="0"/>
+              </a:ext>
+            </a:extLst>
+          </a:blip>
+          <a:stretch>
+            <a:fillRect/>
+          </a:stretch>
+        </p:blipFill>
+        <p:spPr>
+          <a:xfrm>
+            <a:off x="534698" y="1056999"/>
+            <a:ext cx="879830" cy="813842"/>
+          </a:xfrm>
+          <a:prstGeom prst="rect">
+            <a:avLst/>
+          </a:prstGeom>
+        </p:spPr>
+      </p:pic>
+      <p:pic>
+        <p:nvPicPr>
+          <p:cNvPr id="31" name="図 30"/>
+          <p:cNvPicPr>
+            <a:picLocks noChangeAspect="1"/>
+          </p:cNvPicPr>
+          <p:nvPr/>
+        </p:nvPicPr>
+        <p:blipFill>
+          <a:blip r:embed="rId2">
+            <a:extLst>
+              <a:ext uri="{28A0092B-C50C-407E-A947-70E740481C1C}">
+                <a14:useLocalDpi xmlns:a14="http://schemas.microsoft.com/office/drawing/2010/main" val="0"/>
+              </a:ext>
+            </a:extLst>
+          </a:blip>
+          <a:stretch>
+            <a:fillRect/>
+          </a:stretch>
+        </p:blipFill>
+        <p:spPr>
+          <a:xfrm>
+            <a:off x="534698" y="1986455"/>
+            <a:ext cx="879830" cy="813842"/>
+          </a:xfrm>
+          <a:prstGeom prst="rect">
+            <a:avLst/>
+          </a:prstGeom>
+        </p:spPr>
+      </p:pic>
+      <p:pic>
+        <p:nvPicPr>
+          <p:cNvPr id="32" name="図 31"/>
+          <p:cNvPicPr>
+            <a:picLocks noChangeAspect="1"/>
+          </p:cNvPicPr>
+          <p:nvPr/>
+        </p:nvPicPr>
+        <p:blipFill>
+          <a:blip r:embed="rId2">
+            <a:extLst>
+              <a:ext uri="{28A0092B-C50C-407E-A947-70E740481C1C}">
+                <a14:useLocalDpi xmlns:a14="http://schemas.microsoft.com/office/drawing/2010/main" val="0"/>
+              </a:ext>
+            </a:extLst>
+          </a:blip>
+          <a:stretch>
+            <a:fillRect/>
+          </a:stretch>
+        </p:blipFill>
+        <p:spPr>
+          <a:xfrm>
+            <a:off x="1566928" y="1986455"/>
+            <a:ext cx="879830" cy="813842"/>
+          </a:xfrm>
+          <a:prstGeom prst="rect">
+            <a:avLst/>
+          </a:prstGeom>
+        </p:spPr>
+      </p:pic>
+      <p:sp>
+        <p:nvSpPr>
+          <p:cNvPr id="33" name="爆発 2 32"/>
+          <p:cNvSpPr/>
+          <p:nvPr/>
+        </p:nvSpPr>
+        <p:spPr>
+          <a:xfrm>
+            <a:off x="2780520" y="739158"/>
+            <a:ext cx="1486681" cy="1362156"/>
+          </a:xfrm>
+          <a:prstGeom prst="irregularSeal2">
+            <a:avLst/>
+          </a:prstGeom>
+          <a:solidFill>
+            <a:srgbClr val="FF0000"/>
+          </a:solidFill>
+        </p:spPr>
+        <p:style>
+          <a:lnRef idx="2">
+            <a:schemeClr val="accent1">
+              <a:shade val="50000"/>
+            </a:schemeClr>
+          </a:lnRef>
+          <a:fillRef idx="1">
+            <a:schemeClr val="accent1"/>
+          </a:fillRef>
+          <a:effectRef idx="0">
+            <a:schemeClr val="accent1"/>
+          </a:effectRef>
+          <a:fontRef idx="minor">
+            <a:schemeClr val="lt1"/>
+          </a:fontRef>
+        </p:style>
+        <p:txBody>
+          <a:bodyPr rtlCol="0" anchor="ctr"/>
+          <a:lstStyle/>
+          <a:p>
+            <a:pPr algn="ctr"/>
+            <a:endParaRPr kumimoji="1" lang="ja-JP" altLang="en-US"/>
+          </a:p>
+        </p:txBody>
+      </p:sp>
+      <p:pic>
+        <p:nvPicPr>
+          <p:cNvPr id="4" name="図 3"/>
+          <p:cNvPicPr>
+            <a:picLocks noChangeAspect="1"/>
+          </p:cNvPicPr>
+          <p:nvPr/>
+        </p:nvPicPr>
+        <p:blipFill>
+          <a:blip r:embed="rId4">
+            <a:extLst>
+              <a:ext uri="{28A0092B-C50C-407E-A947-70E740481C1C}">
+                <a14:useLocalDpi xmlns:a14="http://schemas.microsoft.com/office/drawing/2010/main" val="0"/>
+              </a:ext>
+            </a:extLst>
+          </a:blip>
+          <a:stretch>
+            <a:fillRect/>
+          </a:stretch>
+        </p:blipFill>
+        <p:spPr>
+          <a:xfrm>
+            <a:off x="2967532" y="915769"/>
+            <a:ext cx="1057931" cy="1096302"/>
+          </a:xfrm>
+          <a:prstGeom prst="rect">
+            <a:avLst/>
+          </a:prstGeom>
+        </p:spPr>
+      </p:pic>
+      <p:sp>
+        <p:nvSpPr>
+          <p:cNvPr id="34" name="テキスト ボックス 33"/>
+          <p:cNvSpPr txBox="1"/>
+          <p:nvPr/>
+        </p:nvSpPr>
+        <p:spPr>
+          <a:xfrm>
+            <a:off x="2697541" y="2165048"/>
+            <a:ext cx="1569660" cy="369332"/>
+          </a:xfrm>
+          <a:prstGeom prst="rect">
+            <a:avLst/>
+          </a:prstGeom>
+          <a:noFill/>
+        </p:spPr>
+        <p:txBody>
+          <a:bodyPr wrap="none" rtlCol="0">
+            <a:spAutoFit/>
+          </a:bodyPr>
+          <a:lstStyle/>
+          <a:p>
+            <a:r>
+              <a:rPr lang="ja-JP" altLang="en-US" dirty="0" smtClean="0"/>
+              <a:t>ここが大混雑</a:t>
+            </a:r>
+            <a:endParaRPr kumimoji="1" lang="ja-JP" altLang="en-US" dirty="0"/>
+          </a:p>
+        </p:txBody>
+      </p:sp>
+    </p:spTree>
+    <p:extLst>
+      <p:ext uri="{BB962C8B-B14F-4D97-AF65-F5344CB8AC3E}">
+        <p14:creationId xmlns:p14="http://schemas.microsoft.com/office/powerpoint/2010/main" val="2505956423"/>
+      </p:ext>
+    </p:extLst>
+  </p:cSld>
+  <p:clrMapOvr>
+    <a:masterClrMapping/>
+  </p:clrMapOvr>
+</p:sld>
+</file>
+
+<file path=ppt/slides/slide6.xml><?xml version="1.0" encoding="utf-8"?>
+<p:sld xmlns:a="http://schemas.openxmlformats.org/drawingml/2006/main" xmlns:r="http://schemas.openxmlformats.org/officeDocument/2006/relationships" xmlns:p="http://schemas.openxmlformats.org/presentationml/2006/main">
+  <p:cSld>
+    <p:spTree>
+      <p:nvGrpSpPr>
+        <p:cNvPr id="1" name=""/>
+        <p:cNvGrpSpPr/>
+        <p:nvPr/>
+      </p:nvGrpSpPr>
+      <p:grpSpPr>
+        <a:xfrm>
+          <a:off x="0" y="0"/>
+          <a:ext cx="0" cy="0"/>
+          <a:chOff x="0" y="0"/>
+          <a:chExt cx="0" cy="0"/>
+        </a:xfrm>
+      </p:grpSpPr>
+      <p:cxnSp>
+        <p:nvCxnSpPr>
+          <p:cNvPr id="23" name="直線矢印コネクタ 22"/>
+          <p:cNvCxnSpPr>
+            <a:stCxn id="19" idx="3"/>
+            <a:endCxn id="18" idx="1"/>
+          </p:cNvCxnSpPr>
+          <p:nvPr/>
+        </p:nvCxnSpPr>
+        <p:spPr>
+          <a:xfrm>
+            <a:off x="6082334" y="3582753"/>
+            <a:ext cx="2349838" cy="0"/>
+          </a:xfrm>
+          <a:prstGeom prst="straightConnector1">
+            <a:avLst/>
+          </a:prstGeom>
+          <a:ln>
+            <a:solidFill>
+              <a:schemeClr val="tx1"/>
+            </a:solidFill>
+            <a:headEnd type="arrow" w="med" len="med"/>
+            <a:tailEnd type="arrow" w="med" len="med"/>
+          </a:ln>
+        </p:spPr>
+        <p:style>
+          <a:lnRef idx="1">
+            <a:schemeClr val="accent1"/>
+          </a:lnRef>
+          <a:fillRef idx="0">
+            <a:schemeClr val="accent1"/>
+          </a:fillRef>
+          <a:effectRef idx="0">
+            <a:schemeClr val="accent1"/>
+          </a:effectRef>
+          <a:fontRef idx="minor">
+            <a:schemeClr val="tx1"/>
+          </a:fontRef>
+        </p:style>
+      </p:cxnSp>
+      <p:pic>
+        <p:nvPicPr>
+          <p:cNvPr id="4" name="図 3"/>
+          <p:cNvPicPr>
+            <a:picLocks noChangeAspect="1"/>
+          </p:cNvPicPr>
+          <p:nvPr/>
+        </p:nvPicPr>
+        <p:blipFill>
+          <a:blip r:embed="rId2">
+            <a:extLst>
+              <a:ext uri="{28A0092B-C50C-407E-A947-70E740481C1C}">
+                <a14:useLocalDpi xmlns:a14="http://schemas.microsoft.com/office/drawing/2010/main" val="0"/>
+              </a:ext>
+            </a:extLst>
+          </a:blip>
+          <a:stretch>
+            <a:fillRect/>
+          </a:stretch>
+        </p:blipFill>
+        <p:spPr>
+          <a:xfrm>
+            <a:off x="2123279" y="1135053"/>
+            <a:ext cx="879830" cy="813842"/>
+          </a:xfrm>
+          <a:prstGeom prst="rect">
+            <a:avLst/>
+          </a:prstGeom>
+        </p:spPr>
+      </p:pic>
+      <p:pic>
+        <p:nvPicPr>
+          <p:cNvPr id="5" name="図 4"/>
+          <p:cNvPicPr>
+            <a:picLocks noChangeAspect="1"/>
+          </p:cNvPicPr>
+          <p:nvPr/>
+        </p:nvPicPr>
+        <p:blipFill>
+          <a:blip r:embed="rId3">
+            <a:extLst>
+              <a:ext uri="{28A0092B-C50C-407E-A947-70E740481C1C}">
+                <a14:useLocalDpi xmlns:a14="http://schemas.microsoft.com/office/drawing/2010/main" val="0"/>
+              </a:ext>
+            </a:extLst>
+          </a:blip>
+          <a:stretch>
+            <a:fillRect/>
+          </a:stretch>
+        </p:blipFill>
+        <p:spPr>
+          <a:xfrm>
+            <a:off x="8432172" y="990507"/>
+            <a:ext cx="843744" cy="1102934"/>
+          </a:xfrm>
+          <a:prstGeom prst="rect">
+            <a:avLst/>
+          </a:prstGeom>
+        </p:spPr>
+      </p:pic>
+      <p:pic>
+        <p:nvPicPr>
+          <p:cNvPr id="6" name="図 5"/>
+          <p:cNvPicPr>
+            <a:picLocks noChangeAspect="1"/>
+          </p:cNvPicPr>
+          <p:nvPr/>
+        </p:nvPicPr>
+        <p:blipFill>
+          <a:blip r:embed="rId4">
+            <a:extLst>
+              <a:ext uri="{28A0092B-C50C-407E-A947-70E740481C1C}">
+                <a14:useLocalDpi xmlns:a14="http://schemas.microsoft.com/office/drawing/2010/main" val="0"/>
+              </a:ext>
+            </a:extLst>
+          </a:blip>
+          <a:stretch>
+            <a:fillRect/>
+          </a:stretch>
+        </p:blipFill>
+        <p:spPr>
+          <a:xfrm>
+            <a:off x="5183043" y="1055871"/>
+            <a:ext cx="899291" cy="972206"/>
+          </a:xfrm>
+          <a:prstGeom prst="rect">
+            <a:avLst/>
+          </a:prstGeom>
+        </p:spPr>
+      </p:pic>
+      <p:sp>
+        <p:nvSpPr>
+          <p:cNvPr id="7" name="テキスト ボックス 6"/>
+          <p:cNvSpPr txBox="1"/>
+          <p:nvPr/>
+        </p:nvSpPr>
+        <p:spPr>
+          <a:xfrm>
+            <a:off x="2550404" y="2217585"/>
+            <a:ext cx="3416320" cy="646331"/>
+          </a:xfrm>
+          <a:prstGeom prst="rect">
+            <a:avLst/>
+          </a:prstGeom>
+          <a:noFill/>
+        </p:spPr>
+        <p:txBody>
+          <a:bodyPr wrap="none" rtlCol="0">
+            <a:spAutoFit/>
+          </a:bodyPr>
+          <a:lstStyle/>
+          <a:p>
+            <a:pPr algn="ctr"/>
+            <a:r>
+              <a:rPr kumimoji="1" lang="ja-JP" altLang="en-US" dirty="0" smtClean="0"/>
+              <a:t>まず出向先近くのホテルに</a:t>
+            </a:r>
+            <a:r>
+              <a:rPr lang="ja-JP" altLang="en-US" dirty="0" smtClean="0"/>
+              <a:t>行く</a:t>
+            </a:r>
+            <a:endParaRPr lang="en-US" altLang="ja-JP" dirty="0" smtClean="0"/>
+          </a:p>
+          <a:p>
+            <a:pPr algn="ctr"/>
+            <a:r>
+              <a:rPr kumimoji="1" lang="en-US" altLang="ja-JP" dirty="0" smtClean="0"/>
+              <a:t>(</a:t>
+            </a:r>
+            <a:r>
+              <a:rPr kumimoji="1" lang="ja-JP" altLang="en-US" dirty="0" smtClean="0"/>
+              <a:t>ステージイン</a:t>
+            </a:r>
+            <a:r>
+              <a:rPr kumimoji="1" lang="en-US" altLang="ja-JP" dirty="0" smtClean="0"/>
+              <a:t>)</a:t>
+            </a:r>
+          </a:p>
+        </p:txBody>
+      </p:sp>
+      <p:cxnSp>
+        <p:nvCxnSpPr>
+          <p:cNvPr id="8" name="直線矢印コネクタ 7"/>
+          <p:cNvCxnSpPr>
+            <a:stCxn id="4" idx="3"/>
+            <a:endCxn id="6" idx="1"/>
+          </p:cNvCxnSpPr>
+          <p:nvPr/>
+        </p:nvCxnSpPr>
+        <p:spPr>
+          <a:xfrm>
+            <a:off x="3003109" y="1541974"/>
+            <a:ext cx="2179934" cy="0"/>
+          </a:xfrm>
+          <a:prstGeom prst="straightConnector1">
+            <a:avLst/>
+          </a:prstGeom>
+          <a:ln>
+            <a:solidFill>
+              <a:schemeClr val="tx1"/>
+            </a:solidFill>
+            <a:tailEnd type="triangle"/>
+          </a:ln>
+        </p:spPr>
+        <p:style>
+          <a:lnRef idx="1">
+            <a:schemeClr val="accent1"/>
+          </a:lnRef>
+          <a:fillRef idx="0">
+            <a:schemeClr val="accent1"/>
+          </a:fillRef>
+          <a:effectRef idx="0">
+            <a:schemeClr val="accent1"/>
+          </a:effectRef>
+          <a:fontRef idx="minor">
+            <a:schemeClr val="tx1"/>
+          </a:fontRef>
+        </p:style>
+      </p:cxnSp>
+      <p:pic>
+        <p:nvPicPr>
+          <p:cNvPr id="9" name="図 8"/>
+          <p:cNvPicPr>
+            <a:picLocks noChangeAspect="1"/>
+          </p:cNvPicPr>
+          <p:nvPr/>
+        </p:nvPicPr>
+        <p:blipFill>
+          <a:blip r:embed="rId5">
+            <a:extLst>
+              <a:ext uri="{28A0092B-C50C-407E-A947-70E740481C1C}">
+                <a14:useLocalDpi xmlns:a14="http://schemas.microsoft.com/office/drawing/2010/main" val="0"/>
+              </a:ext>
+            </a:extLst>
+          </a:blip>
+          <a:stretch>
+            <a:fillRect/>
+          </a:stretch>
+        </p:blipFill>
+        <p:spPr>
+          <a:xfrm flipH="1">
+            <a:off x="3086098" y="1080150"/>
+            <a:ext cx="773087" cy="947927"/>
+          </a:xfrm>
+          <a:prstGeom prst="rect">
+            <a:avLst/>
+          </a:prstGeom>
+        </p:spPr>
+      </p:pic>
+      <p:sp>
+        <p:nvSpPr>
+          <p:cNvPr id="10" name="テキスト ボックス 9"/>
+          <p:cNvSpPr txBox="1"/>
+          <p:nvPr/>
+        </p:nvSpPr>
+        <p:spPr>
+          <a:xfrm>
+            <a:off x="4567635" y="299629"/>
+            <a:ext cx="2124299" cy="553998"/>
+          </a:xfrm>
+          <a:prstGeom prst="rect">
+            <a:avLst/>
+          </a:prstGeom>
+          <a:noFill/>
+        </p:spPr>
+        <p:txBody>
+          <a:bodyPr wrap="none" rtlCol="0">
+            <a:spAutoFit/>
+          </a:bodyPr>
+          <a:lstStyle/>
+          <a:p>
+            <a:pPr algn="ctr"/>
+            <a:r>
+              <a:rPr lang="ja-JP" altLang="en-US" dirty="0" smtClean="0"/>
+              <a:t>ホテル</a:t>
+            </a:r>
+            <a:endParaRPr lang="en-US" altLang="ja-JP" dirty="0" smtClean="0"/>
+          </a:p>
+          <a:p>
+            <a:pPr algn="ctr"/>
+            <a:r>
+              <a:rPr lang="en-US" altLang="ja-JP" sz="1200" dirty="0" smtClean="0"/>
+              <a:t>(</a:t>
+            </a:r>
+            <a:r>
+              <a:rPr lang="ja-JP" altLang="en-US" sz="1200" dirty="0" smtClean="0"/>
+              <a:t>ローカルファイルシステム</a:t>
+            </a:r>
+            <a:r>
+              <a:rPr lang="en-US" altLang="ja-JP" sz="1200" dirty="0" smtClean="0"/>
+              <a:t>)</a:t>
+            </a:r>
+          </a:p>
+        </p:txBody>
+      </p:sp>
+      <p:sp>
+        <p:nvSpPr>
+          <p:cNvPr id="14" name="テキスト ボックス 13"/>
+          <p:cNvSpPr txBox="1"/>
+          <p:nvPr/>
+        </p:nvSpPr>
+        <p:spPr>
+          <a:xfrm>
+            <a:off x="1460938" y="299629"/>
+            <a:ext cx="2278188" cy="553998"/>
+          </a:xfrm>
+          <a:prstGeom prst="rect">
+            <a:avLst/>
+          </a:prstGeom>
+          <a:noFill/>
+        </p:spPr>
+        <p:txBody>
+          <a:bodyPr wrap="none" rtlCol="0">
+            <a:spAutoFit/>
+          </a:bodyPr>
+          <a:lstStyle/>
+          <a:p>
+            <a:pPr algn="ctr"/>
+            <a:r>
+              <a:rPr lang="ja-JP" altLang="en-US" dirty="0" smtClean="0"/>
+              <a:t>自宅</a:t>
+            </a:r>
+            <a:endParaRPr lang="en-US" altLang="ja-JP" dirty="0" smtClean="0"/>
+          </a:p>
+          <a:p>
+            <a:pPr algn="ctr"/>
+            <a:r>
+              <a:rPr lang="en-US" altLang="ja-JP" sz="1200" dirty="0" smtClean="0"/>
+              <a:t>(</a:t>
+            </a:r>
+            <a:r>
+              <a:rPr lang="ja-JP" altLang="en-US" sz="1200" dirty="0" smtClean="0"/>
+              <a:t>グローバルファイルシステム</a:t>
+            </a:r>
+            <a:r>
+              <a:rPr lang="en-US" altLang="ja-JP" sz="1200" dirty="0" smtClean="0"/>
+              <a:t>)</a:t>
+            </a:r>
+            <a:endParaRPr lang="en-US" altLang="ja-JP" dirty="0"/>
+          </a:p>
+        </p:txBody>
+      </p:sp>
+      <p:sp>
+        <p:nvSpPr>
+          <p:cNvPr id="16" name="テキスト ボックス 15"/>
+          <p:cNvSpPr txBox="1"/>
+          <p:nvPr/>
+        </p:nvSpPr>
+        <p:spPr>
+          <a:xfrm>
+            <a:off x="8309099" y="299629"/>
+            <a:ext cx="1047082" cy="553998"/>
+          </a:xfrm>
+          <a:prstGeom prst="rect">
+            <a:avLst/>
+          </a:prstGeom>
+          <a:noFill/>
+        </p:spPr>
+        <p:txBody>
+          <a:bodyPr wrap="none" rtlCol="0">
+            <a:spAutoFit/>
+          </a:bodyPr>
+          <a:lstStyle/>
+          <a:p>
+            <a:pPr algn="ctr"/>
+            <a:r>
+              <a:rPr lang="ja-JP" altLang="en-US" dirty="0" smtClean="0"/>
+              <a:t>出向先</a:t>
+            </a:r>
+            <a:endParaRPr lang="en-US" altLang="ja-JP" dirty="0" smtClean="0"/>
+          </a:p>
+          <a:p>
+            <a:pPr algn="ctr"/>
+            <a:r>
+              <a:rPr lang="en-US" altLang="ja-JP" sz="1200" dirty="0" smtClean="0"/>
+              <a:t>(</a:t>
+            </a:r>
+            <a:r>
+              <a:rPr lang="ja-JP" altLang="en-US" sz="1200" dirty="0" smtClean="0"/>
+              <a:t>計算ノード</a:t>
+            </a:r>
+            <a:r>
+              <a:rPr lang="en-US" altLang="ja-JP" sz="1200" dirty="0" smtClean="0"/>
+              <a:t>)</a:t>
+            </a:r>
+            <a:endParaRPr lang="en-US" altLang="ja-JP" dirty="0"/>
+          </a:p>
+        </p:txBody>
+      </p:sp>
+      <p:pic>
+        <p:nvPicPr>
+          <p:cNvPr id="18" name="図 17"/>
+          <p:cNvPicPr>
+            <a:picLocks noChangeAspect="1"/>
+          </p:cNvPicPr>
+          <p:nvPr/>
+        </p:nvPicPr>
+        <p:blipFill>
+          <a:blip r:embed="rId3">
+            <a:extLst>
+              <a:ext uri="{28A0092B-C50C-407E-A947-70E740481C1C}">
+                <a14:useLocalDpi xmlns:a14="http://schemas.microsoft.com/office/drawing/2010/main" val="0"/>
+              </a:ext>
+            </a:extLst>
+          </a:blip>
+          <a:stretch>
+            <a:fillRect/>
+          </a:stretch>
+        </p:blipFill>
+        <p:spPr>
+          <a:xfrm>
+            <a:off x="8432172" y="3031286"/>
+            <a:ext cx="843744" cy="1102934"/>
+          </a:xfrm>
+          <a:prstGeom prst="rect">
+            <a:avLst/>
+          </a:prstGeom>
+        </p:spPr>
+      </p:pic>
+      <p:pic>
+        <p:nvPicPr>
+          <p:cNvPr id="19" name="図 18"/>
+          <p:cNvPicPr>
+            <a:picLocks noChangeAspect="1"/>
+          </p:cNvPicPr>
+          <p:nvPr/>
+        </p:nvPicPr>
+        <p:blipFill>
+          <a:blip r:embed="rId4">
+            <a:extLst>
+              <a:ext uri="{28A0092B-C50C-407E-A947-70E740481C1C}">
+                <a14:useLocalDpi xmlns:a14="http://schemas.microsoft.com/office/drawing/2010/main" val="0"/>
+              </a:ext>
+            </a:extLst>
+          </a:blip>
+          <a:stretch>
+            <a:fillRect/>
+          </a:stretch>
+        </p:blipFill>
+        <p:spPr>
+          <a:xfrm>
+            <a:off x="5183043" y="3096650"/>
+            <a:ext cx="899291" cy="972206"/>
+          </a:xfrm>
+          <a:prstGeom prst="rect">
+            <a:avLst/>
+          </a:prstGeom>
+        </p:spPr>
+      </p:pic>
+      <p:pic>
+        <p:nvPicPr>
+          <p:cNvPr id="20" name="図 19"/>
+          <p:cNvPicPr>
+            <a:picLocks noChangeAspect="1"/>
+          </p:cNvPicPr>
+          <p:nvPr/>
+        </p:nvPicPr>
+        <p:blipFill>
+          <a:blip r:embed="rId5">
+            <a:extLst>
+              <a:ext uri="{28A0092B-C50C-407E-A947-70E740481C1C}">
+                <a14:useLocalDpi xmlns:a14="http://schemas.microsoft.com/office/drawing/2010/main" val="0"/>
+              </a:ext>
+            </a:extLst>
+          </a:blip>
+          <a:stretch>
+            <a:fillRect/>
+          </a:stretch>
+        </p:blipFill>
+        <p:spPr>
+          <a:xfrm flipH="1">
+            <a:off x="7358554" y="3162014"/>
+            <a:ext cx="792888" cy="972206"/>
+          </a:xfrm>
+          <a:prstGeom prst="rect">
+            <a:avLst/>
+          </a:prstGeom>
+        </p:spPr>
+      </p:pic>
+      <p:pic>
+        <p:nvPicPr>
+          <p:cNvPr id="22" name="図 21"/>
+          <p:cNvPicPr>
+            <a:picLocks noChangeAspect="1"/>
+          </p:cNvPicPr>
+          <p:nvPr/>
+        </p:nvPicPr>
+        <p:blipFill>
+          <a:blip r:embed="rId5">
+            <a:extLst>
+              <a:ext uri="{28A0092B-C50C-407E-A947-70E740481C1C}">
+                <a14:useLocalDpi xmlns:a14="http://schemas.microsoft.com/office/drawing/2010/main" val="0"/>
+              </a:ext>
+            </a:extLst>
+          </a:blip>
+          <a:stretch>
+            <a:fillRect/>
+          </a:stretch>
+        </p:blipFill>
+        <p:spPr>
+          <a:xfrm>
+            <a:off x="6450054" y="3162014"/>
+            <a:ext cx="792888" cy="972206"/>
+          </a:xfrm>
+          <a:prstGeom prst="rect">
+            <a:avLst/>
+          </a:prstGeom>
+        </p:spPr>
+      </p:pic>
+      <p:pic>
+        <p:nvPicPr>
+          <p:cNvPr id="26" name="図 25"/>
+          <p:cNvPicPr>
+            <a:picLocks noChangeAspect="1"/>
+          </p:cNvPicPr>
+          <p:nvPr/>
+        </p:nvPicPr>
+        <p:blipFill>
+          <a:blip r:embed="rId2">
+            <a:extLst>
+              <a:ext uri="{28A0092B-C50C-407E-A947-70E740481C1C}">
+                <a14:useLocalDpi xmlns:a14="http://schemas.microsoft.com/office/drawing/2010/main" val="0"/>
+              </a:ext>
+            </a:extLst>
+          </a:blip>
+          <a:stretch>
+            <a:fillRect/>
+          </a:stretch>
+        </p:blipFill>
+        <p:spPr>
+          <a:xfrm>
+            <a:off x="2123279" y="3162014"/>
+            <a:ext cx="879830" cy="813842"/>
+          </a:xfrm>
+          <a:prstGeom prst="rect">
+            <a:avLst/>
+          </a:prstGeom>
+        </p:spPr>
+      </p:pic>
+      <p:sp>
+        <p:nvSpPr>
+          <p:cNvPr id="28" name="テキスト ボックス 27"/>
+          <p:cNvSpPr txBox="1"/>
+          <p:nvPr/>
+        </p:nvSpPr>
+        <p:spPr>
+          <a:xfrm>
+            <a:off x="5681532" y="4240828"/>
+            <a:ext cx="3185487" cy="553998"/>
+          </a:xfrm>
+          <a:prstGeom prst="rect">
+            <a:avLst/>
+          </a:prstGeom>
+          <a:noFill/>
+        </p:spPr>
+        <p:txBody>
+          <a:bodyPr wrap="none" rtlCol="0">
+            <a:spAutoFit/>
+          </a:bodyPr>
+          <a:lstStyle/>
+          <a:p>
+            <a:pPr algn="ctr"/>
+            <a:r>
+              <a:rPr kumimoji="1" lang="ja-JP" altLang="en-US" dirty="0" smtClean="0"/>
+              <a:t>出向中はホテルと会社の往復</a:t>
+            </a:r>
+            <a:endParaRPr kumimoji="1" lang="en-US" altLang="ja-JP" dirty="0" smtClean="0"/>
+          </a:p>
+          <a:p>
+            <a:pPr algn="ctr"/>
+            <a:r>
+              <a:rPr lang="en-US" altLang="ja-JP" sz="1200" dirty="0" smtClean="0"/>
+              <a:t>(</a:t>
+            </a:r>
+            <a:r>
+              <a:rPr lang="ja-JP" altLang="en-US" sz="1200" dirty="0" smtClean="0"/>
+              <a:t>ローカルファイルにのみアクセス</a:t>
+            </a:r>
+            <a:r>
+              <a:rPr lang="en-US" altLang="ja-JP" sz="1200" dirty="0" smtClean="0"/>
+              <a:t>)</a:t>
+            </a:r>
+            <a:endParaRPr kumimoji="1" lang="en-US" altLang="ja-JP" dirty="0" smtClean="0"/>
+          </a:p>
+        </p:txBody>
+      </p:sp>
+      <p:pic>
+        <p:nvPicPr>
+          <p:cNvPr id="29" name="図 28"/>
+          <p:cNvPicPr>
+            <a:picLocks noChangeAspect="1"/>
+          </p:cNvPicPr>
+          <p:nvPr/>
+        </p:nvPicPr>
+        <p:blipFill>
+          <a:blip r:embed="rId2">
+            <a:extLst>
+              <a:ext uri="{28A0092B-C50C-407E-A947-70E740481C1C}">
+                <a14:useLocalDpi xmlns:a14="http://schemas.microsoft.com/office/drawing/2010/main" val="0"/>
+              </a:ext>
+            </a:extLst>
+          </a:blip>
+          <a:stretch>
+            <a:fillRect/>
+          </a:stretch>
+        </p:blipFill>
+        <p:spPr>
+          <a:xfrm>
+            <a:off x="2123279" y="5262964"/>
+            <a:ext cx="879830" cy="813842"/>
+          </a:xfrm>
+          <a:prstGeom prst="rect">
+            <a:avLst/>
+          </a:prstGeom>
+        </p:spPr>
+      </p:pic>
+      <p:pic>
+        <p:nvPicPr>
+          <p:cNvPr id="30" name="図 29"/>
+          <p:cNvPicPr>
+            <a:picLocks noChangeAspect="1"/>
+          </p:cNvPicPr>
+          <p:nvPr/>
+        </p:nvPicPr>
+        <p:blipFill>
+          <a:blip r:embed="rId3">
+            <a:extLst>
+              <a:ext uri="{28A0092B-C50C-407E-A947-70E740481C1C}">
+                <a14:useLocalDpi xmlns:a14="http://schemas.microsoft.com/office/drawing/2010/main" val="0"/>
+              </a:ext>
+            </a:extLst>
+          </a:blip>
+          <a:stretch>
+            <a:fillRect/>
+          </a:stretch>
+        </p:blipFill>
+        <p:spPr>
+          <a:xfrm>
+            <a:off x="8432172" y="5118418"/>
+            <a:ext cx="843744" cy="1102934"/>
+          </a:xfrm>
+          <a:prstGeom prst="rect">
+            <a:avLst/>
+          </a:prstGeom>
+        </p:spPr>
+      </p:pic>
+      <p:pic>
+        <p:nvPicPr>
+          <p:cNvPr id="31" name="図 30"/>
+          <p:cNvPicPr>
+            <a:picLocks noChangeAspect="1"/>
+          </p:cNvPicPr>
+          <p:nvPr/>
+        </p:nvPicPr>
+        <p:blipFill>
+          <a:blip r:embed="rId4">
+            <a:extLst>
+              <a:ext uri="{28A0092B-C50C-407E-A947-70E740481C1C}">
+                <a14:useLocalDpi xmlns:a14="http://schemas.microsoft.com/office/drawing/2010/main" val="0"/>
+              </a:ext>
+            </a:extLst>
+          </a:blip>
+          <a:stretch>
+            <a:fillRect/>
+          </a:stretch>
+        </p:blipFill>
+        <p:spPr>
+          <a:xfrm>
+            <a:off x="5183043" y="5183782"/>
+            <a:ext cx="899291" cy="972206"/>
+          </a:xfrm>
+          <a:prstGeom prst="rect">
+            <a:avLst/>
+          </a:prstGeom>
+        </p:spPr>
+      </p:pic>
+      <p:cxnSp>
+        <p:nvCxnSpPr>
+          <p:cNvPr id="32" name="直線矢印コネクタ 31"/>
+          <p:cNvCxnSpPr>
+            <a:stCxn id="29" idx="3"/>
+            <a:endCxn id="31" idx="1"/>
+          </p:cNvCxnSpPr>
+          <p:nvPr/>
+        </p:nvCxnSpPr>
+        <p:spPr>
+          <a:xfrm>
+            <a:off x="3003109" y="5669885"/>
+            <a:ext cx="2179934" cy="0"/>
+          </a:xfrm>
+          <a:prstGeom prst="straightConnector1">
+            <a:avLst/>
+          </a:prstGeom>
+          <a:ln>
+            <a:solidFill>
+              <a:schemeClr val="tx1"/>
+            </a:solidFill>
+            <a:tailEnd type="triangle"/>
+          </a:ln>
+        </p:spPr>
+        <p:style>
+          <a:lnRef idx="1">
+            <a:schemeClr val="accent1"/>
+          </a:lnRef>
+          <a:fillRef idx="0">
+            <a:schemeClr val="accent1"/>
+          </a:fillRef>
+          <a:effectRef idx="0">
+            <a:schemeClr val="accent1"/>
+          </a:effectRef>
+          <a:fontRef idx="minor">
+            <a:schemeClr val="tx1"/>
+          </a:fontRef>
+        </p:style>
+      </p:cxnSp>
+      <p:pic>
+        <p:nvPicPr>
+          <p:cNvPr id="34" name="図 33"/>
+          <p:cNvPicPr>
+            <a:picLocks noChangeAspect="1"/>
+          </p:cNvPicPr>
+          <p:nvPr/>
+        </p:nvPicPr>
+        <p:blipFill>
+          <a:blip r:embed="rId5">
+            <a:extLst>
+              <a:ext uri="{28A0092B-C50C-407E-A947-70E740481C1C}">
+                <a14:useLocalDpi xmlns:a14="http://schemas.microsoft.com/office/drawing/2010/main" val="0"/>
+              </a:ext>
+            </a:extLst>
+          </a:blip>
+          <a:stretch>
+            <a:fillRect/>
+          </a:stretch>
+        </p:blipFill>
+        <p:spPr>
+          <a:xfrm>
+            <a:off x="4171191" y="5183782"/>
+            <a:ext cx="792888" cy="972206"/>
+          </a:xfrm>
+          <a:prstGeom prst="rect">
+            <a:avLst/>
+          </a:prstGeom>
+        </p:spPr>
+      </p:pic>
+      <p:sp>
+        <p:nvSpPr>
+          <p:cNvPr id="35" name="テキスト ボックス 34"/>
+          <p:cNvSpPr txBox="1"/>
+          <p:nvPr/>
+        </p:nvSpPr>
+        <p:spPr>
+          <a:xfrm>
+            <a:off x="2781237" y="6155988"/>
+            <a:ext cx="2954655" cy="646331"/>
+          </a:xfrm>
+          <a:prstGeom prst="rect">
+            <a:avLst/>
+          </a:prstGeom>
+          <a:noFill/>
+        </p:spPr>
+        <p:txBody>
+          <a:bodyPr wrap="none" rtlCol="0">
+            <a:spAutoFit/>
+          </a:bodyPr>
+          <a:lstStyle/>
+          <a:p>
+            <a:pPr algn="ctr"/>
+            <a:r>
+              <a:rPr lang="ja-JP" altLang="en-US" dirty="0" smtClean="0"/>
+              <a:t>出向が終わったら家に帰る</a:t>
+            </a:r>
+            <a:endParaRPr lang="en-US" altLang="ja-JP" dirty="0" smtClean="0"/>
+          </a:p>
+          <a:p>
+            <a:pPr algn="ctr"/>
+            <a:r>
+              <a:rPr kumimoji="1" lang="en-US" altLang="ja-JP" dirty="0" smtClean="0"/>
+              <a:t>(</a:t>
+            </a:r>
+            <a:r>
+              <a:rPr kumimoji="1" lang="ja-JP" altLang="en-US" dirty="0" smtClean="0"/>
+              <a:t>ステージアウト</a:t>
+            </a:r>
+            <a:r>
+              <a:rPr kumimoji="1" lang="en-US" altLang="ja-JP" dirty="0" smtClean="0"/>
+              <a:t>)</a:t>
+            </a:r>
+          </a:p>
+        </p:txBody>
+      </p:sp>
+      <p:sp>
+        <p:nvSpPr>
+          <p:cNvPr id="36" name="テキスト ボックス 35"/>
+          <p:cNvSpPr txBox="1"/>
+          <p:nvPr/>
+        </p:nvSpPr>
+        <p:spPr>
+          <a:xfrm>
+            <a:off x="262759" y="1409857"/>
+            <a:ext cx="1569660" cy="369332"/>
+          </a:xfrm>
+          <a:prstGeom prst="rect">
+            <a:avLst/>
+          </a:prstGeom>
+          <a:noFill/>
+        </p:spPr>
+        <p:txBody>
+          <a:bodyPr wrap="none" rtlCol="0">
+            <a:spAutoFit/>
+          </a:bodyPr>
+          <a:lstStyle/>
+          <a:p>
+            <a:r>
+              <a:rPr kumimoji="1" lang="ja-JP" altLang="en-US" dirty="0" smtClean="0"/>
+              <a:t>ジョブ開始時</a:t>
+            </a:r>
+            <a:endParaRPr kumimoji="1" lang="ja-JP" altLang="en-US" dirty="0"/>
+          </a:p>
+        </p:txBody>
+      </p:sp>
+      <p:sp>
+        <p:nvSpPr>
+          <p:cNvPr id="37" name="テキスト ボックス 36"/>
+          <p:cNvSpPr txBox="1"/>
+          <p:nvPr/>
+        </p:nvSpPr>
+        <p:spPr>
+          <a:xfrm>
+            <a:off x="262759" y="3306974"/>
+            <a:ext cx="1569660" cy="369332"/>
+          </a:xfrm>
+          <a:prstGeom prst="rect">
+            <a:avLst/>
+          </a:prstGeom>
+          <a:noFill/>
+        </p:spPr>
+        <p:txBody>
+          <a:bodyPr wrap="none" rtlCol="0">
+            <a:spAutoFit/>
+          </a:bodyPr>
+          <a:lstStyle/>
+          <a:p>
+            <a:r>
+              <a:rPr kumimoji="1" lang="ja-JP" altLang="en-US" dirty="0" smtClean="0"/>
+              <a:t>ジョブ実行中</a:t>
+            </a:r>
+            <a:endParaRPr kumimoji="1" lang="ja-JP" altLang="en-US" dirty="0"/>
+          </a:p>
+        </p:txBody>
+      </p:sp>
+      <p:sp>
+        <p:nvSpPr>
+          <p:cNvPr id="38" name="テキスト ボックス 37"/>
+          <p:cNvSpPr txBox="1"/>
+          <p:nvPr/>
+        </p:nvSpPr>
+        <p:spPr>
+          <a:xfrm>
+            <a:off x="262759" y="5485219"/>
+            <a:ext cx="1569660" cy="369332"/>
+          </a:xfrm>
+          <a:prstGeom prst="rect">
+            <a:avLst/>
+          </a:prstGeom>
+          <a:noFill/>
+        </p:spPr>
+        <p:txBody>
+          <a:bodyPr wrap="none" rtlCol="0">
+            <a:spAutoFit/>
+          </a:bodyPr>
+          <a:lstStyle/>
+          <a:p>
+            <a:r>
+              <a:rPr kumimoji="1" lang="ja-JP" altLang="en-US" dirty="0" smtClean="0"/>
+              <a:t>ジョブ</a:t>
+            </a:r>
+            <a:r>
+              <a:rPr lang="ja-JP" altLang="en-US" dirty="0"/>
+              <a:t>終了時</a:t>
+            </a:r>
+            <a:endParaRPr kumimoji="1" lang="ja-JP" altLang="en-US" dirty="0"/>
+          </a:p>
+        </p:txBody>
+      </p:sp>
+    </p:spTree>
+    <p:extLst>
+      <p:ext uri="{BB962C8B-B14F-4D97-AF65-F5344CB8AC3E}">
+        <p14:creationId xmlns:p14="http://schemas.microsoft.com/office/powerpoint/2010/main" val="3716849445"/>
+      </p:ext>
+    </p:extLst>
+  </p:cSld>
+  <p:clrMapOvr>
+    <a:masterClrMapping/>
+  </p:clrMapOvr>
+</p:sld>
+</file>
+
 <file path=ppt/theme/theme1.xml><?xml version="1.0" encoding="utf-8"?>
 <a:theme xmlns:a="http://schemas.openxmlformats.org/drawingml/2006/main" name="Office テーマ">
   <a:themeElements>

--- a/day2/fig/fig.pptx
+++ b/day2/fig/fig.pptx
@@ -6927,13 +6927,13 @@
         <p:nvCxnSpPr>
           <p:cNvPr id="32" name="直線矢印コネクタ 31"/>
           <p:cNvCxnSpPr>
-            <a:stCxn id="29" idx="3"/>
-            <a:endCxn id="31" idx="1"/>
+            <a:stCxn id="31" idx="1"/>
+            <a:endCxn id="29" idx="3"/>
           </p:cNvCxnSpPr>
           <p:nvPr/>
         </p:nvCxnSpPr>
         <p:spPr>
-          <a:xfrm>
+          <a:xfrm flipH="1">
             <a:off x="3003109" y="5669885"/>
             <a:ext cx="2179934" cy="0"/>
           </a:xfrm>

--- a/day2/fig/fig.pptx
+++ b/day2/fig/fig.pptx
@@ -11,6 +11,7 @@
     <p:sldId id="259" r:id="rId5"/>
     <p:sldId id="260" r:id="rId6"/>
     <p:sldId id="261" r:id="rId7"/>
+    <p:sldId id="262" r:id="rId8"/>
   </p:sldIdLst>
   <p:sldSz cx="9906000" cy="6858000" type="A4"/>
   <p:notesSz cx="6858000" cy="9144000"/>
@@ -247,7 +248,7 @@
           <a:lstStyle/>
           <a:p>
             <a:fld id="{ACB7CCA1-9DD8-A242-AF72-AF27A73B7972}" type="datetimeFigureOut">
-              <a:t>2018/10/14</a:t>
+              <a:t>2018/10/16</a:t>
             </a:fld>
             <a:endParaRPr kumimoji="1" lang="ja-JP" altLang="en-US"/>
           </a:p>
@@ -423,7 +424,7 @@
           <a:lstStyle/>
           <a:p>
             <a:fld id="{ACB7CCA1-9DD8-A242-AF72-AF27A73B7972}" type="datetimeFigureOut">
-              <a:t>2018/10/14</a:t>
+              <a:t>2018/10/16</a:t>
             </a:fld>
             <a:endParaRPr kumimoji="1" lang="ja-JP" altLang="en-US"/>
           </a:p>
@@ -609,7 +610,7 @@
           <a:lstStyle/>
           <a:p>
             <a:fld id="{ACB7CCA1-9DD8-A242-AF72-AF27A73B7972}" type="datetimeFigureOut">
-              <a:t>2018/10/14</a:t>
+              <a:t>2018/10/16</a:t>
             </a:fld>
             <a:endParaRPr kumimoji="1" lang="ja-JP" altLang="en-US"/>
           </a:p>
@@ -785,7 +786,7 @@
           <a:lstStyle/>
           <a:p>
             <a:fld id="{ACB7CCA1-9DD8-A242-AF72-AF27A73B7972}" type="datetimeFigureOut">
-              <a:t>2018/10/14</a:t>
+              <a:t>2018/10/16</a:t>
             </a:fld>
             <a:endParaRPr kumimoji="1" lang="ja-JP" altLang="en-US"/>
           </a:p>
@@ -1064,7 +1065,7 @@
           <a:lstStyle/>
           <a:p>
             <a:fld id="{ACB7CCA1-9DD8-A242-AF72-AF27A73B7972}" type="datetimeFigureOut">
-              <a:t>2018/10/14</a:t>
+              <a:t>2018/10/16</a:t>
             </a:fld>
             <a:endParaRPr kumimoji="1" lang="ja-JP" altLang="en-US"/>
           </a:p>
@@ -1310,7 +1311,7 @@
           <a:lstStyle/>
           <a:p>
             <a:fld id="{ACB7CCA1-9DD8-A242-AF72-AF27A73B7972}" type="datetimeFigureOut">
-              <a:t>2018/10/14</a:t>
+              <a:t>2018/10/16</a:t>
             </a:fld>
             <a:endParaRPr kumimoji="1" lang="ja-JP" altLang="en-US"/>
           </a:p>
@@ -1765,7 +1766,7 @@
           <a:lstStyle/>
           <a:p>
             <a:fld id="{ACB7CCA1-9DD8-A242-AF72-AF27A73B7972}" type="datetimeFigureOut">
-              <a:t>2018/10/14</a:t>
+              <a:t>2018/10/16</a:t>
             </a:fld>
             <a:endParaRPr kumimoji="1" lang="ja-JP" altLang="en-US"/>
           </a:p>
@@ -1881,7 +1882,7 @@
           <a:lstStyle/>
           <a:p>
             <a:fld id="{ACB7CCA1-9DD8-A242-AF72-AF27A73B7972}" type="datetimeFigureOut">
-              <a:t>2018/10/14</a:t>
+              <a:t>2018/10/16</a:t>
             </a:fld>
             <a:endParaRPr kumimoji="1" lang="ja-JP" altLang="en-US"/>
           </a:p>
@@ -1974,7 +1975,7 @@
           <a:lstStyle/>
           <a:p>
             <a:fld id="{ACB7CCA1-9DD8-A242-AF72-AF27A73B7972}" type="datetimeFigureOut">
-              <a:t>2018/10/14</a:t>
+              <a:t>2018/10/16</a:t>
             </a:fld>
             <a:endParaRPr kumimoji="1" lang="ja-JP" altLang="en-US"/>
           </a:p>
@@ -2294,7 +2295,7 @@
           <a:lstStyle/>
           <a:p>
             <a:fld id="{ACB7CCA1-9DD8-A242-AF72-AF27A73B7972}" type="datetimeFigureOut">
-              <a:t>2018/10/14</a:t>
+              <a:t>2018/10/16</a:t>
             </a:fld>
             <a:endParaRPr kumimoji="1" lang="ja-JP" altLang="en-US"/>
           </a:p>
@@ -2586,7 +2587,7 @@
           <a:lstStyle/>
           <a:p>
             <a:fld id="{ACB7CCA1-9DD8-A242-AF72-AF27A73B7972}" type="datetimeFigureOut">
-              <a:t>2018/10/14</a:t>
+              <a:t>2018/10/16</a:t>
             </a:fld>
             <a:endParaRPr kumimoji="1" lang="ja-JP" altLang="en-US"/>
           </a:p>
@@ -2805,7 +2806,7 @@
           </a:lstStyle>
           <a:p>
             <a:fld id="{ACB7CCA1-9DD8-A242-AF72-AF27A73B7972}" type="datetimeFigureOut">
-              <a:t>2018/10/14</a:t>
+              <a:t>2018/10/16</a:t>
             </a:fld>
             <a:endParaRPr kumimoji="1" lang="ja-JP" altLang="en-US"/>
           </a:p>
@@ -5808,7 +5809,7 @@
           <a:p>
             <a:pPr algn="ctr"/>
             <a:r>
-              <a:rPr lang="ja-JP" altLang="en-US" dirty="0" smtClean="0"/>
+              <a:rPr lang="ja-JP" altLang="en-US" dirty="0"/>
               <a:t>グローバルファイルシステム</a:t>
             </a:r>
             <a:endParaRPr lang="en-US" altLang="ja-JP" dirty="0"/>
@@ -5839,7 +5840,7 @@
           <a:p>
             <a:pPr algn="ctr"/>
             <a:r>
-              <a:rPr lang="ja-JP" altLang="en-US" dirty="0" smtClean="0"/>
+              <a:rPr lang="ja-JP" altLang="en-US" dirty="0"/>
               <a:t>計算ノード</a:t>
             </a:r>
             <a:endParaRPr lang="en-US" altLang="ja-JP" dirty="0"/>
@@ -6210,7 +6211,7 @@
           <a:lstStyle/>
           <a:p>
             <a:r>
-              <a:rPr lang="ja-JP" altLang="en-US" dirty="0" smtClean="0"/>
+              <a:rPr lang="ja-JP" altLang="en-US" dirty="0"/>
               <a:t>ここが大混雑</a:t>
             </a:r>
             <a:endParaRPr kumimoji="1" lang="ja-JP" altLang="en-US" dirty="0"/>
@@ -6401,27 +6402,27 @@
           <a:p>
             <a:pPr algn="ctr"/>
             <a:r>
-              <a:rPr kumimoji="1" lang="ja-JP" altLang="en-US" dirty="0" smtClean="0"/>
+              <a:rPr kumimoji="1" lang="ja-JP" altLang="en-US" dirty="0"/>
               <a:t>まず出向先近くのホテルに</a:t>
             </a:r>
             <a:r>
-              <a:rPr lang="ja-JP" altLang="en-US" dirty="0" smtClean="0"/>
+              <a:rPr lang="ja-JP" altLang="en-US" dirty="0"/>
               <a:t>行く</a:t>
             </a:r>
-            <a:endParaRPr lang="en-US" altLang="ja-JP" dirty="0" smtClean="0"/>
+            <a:endParaRPr lang="en-US" altLang="ja-JP" dirty="0"/>
           </a:p>
           <a:p>
             <a:pPr algn="ctr"/>
             <a:r>
-              <a:rPr kumimoji="1" lang="en-US" altLang="ja-JP" dirty="0" smtClean="0"/>
+              <a:rPr kumimoji="1" lang="en-US" altLang="ja-JP" dirty="0"/>
               <a:t>(</a:t>
             </a:r>
             <a:r>
-              <a:rPr kumimoji="1" lang="ja-JP" altLang="en-US" dirty="0" smtClean="0"/>
+              <a:rPr kumimoji="1" lang="ja-JP" altLang="en-US" dirty="0"/>
               <a:t>ステージイン</a:t>
             </a:r>
             <a:r>
-              <a:rPr kumimoji="1" lang="en-US" altLang="ja-JP" dirty="0" smtClean="0"/>
+              <a:rPr kumimoji="1" lang="en-US" altLang="ja-JP" dirty="0"/>
               <a:t>)</a:t>
             </a:r>
           </a:p>
@@ -6520,23 +6521,23 @@
           <a:p>
             <a:pPr algn="ctr"/>
             <a:r>
-              <a:rPr lang="ja-JP" altLang="en-US" dirty="0" smtClean="0"/>
+              <a:rPr lang="ja-JP" altLang="en-US" dirty="0"/>
               <a:t>ホテル</a:t>
             </a:r>
-            <a:endParaRPr lang="en-US" altLang="ja-JP" dirty="0" smtClean="0"/>
+            <a:endParaRPr lang="en-US" altLang="ja-JP" dirty="0"/>
           </a:p>
           <a:p>
             <a:pPr algn="ctr"/>
             <a:r>
-              <a:rPr lang="en-US" altLang="ja-JP" sz="1200" dirty="0" smtClean="0"/>
+              <a:rPr lang="en-US" altLang="ja-JP" sz="1200" dirty="0"/>
               <a:t>(</a:t>
             </a:r>
             <a:r>
-              <a:rPr lang="ja-JP" altLang="en-US" sz="1200" dirty="0" smtClean="0"/>
+              <a:rPr lang="ja-JP" altLang="en-US" sz="1200" dirty="0"/>
               <a:t>ローカルファイルシステム</a:t>
             </a:r>
             <a:r>
-              <a:rPr lang="en-US" altLang="ja-JP" sz="1200" dirty="0" smtClean="0"/>
+              <a:rPr lang="en-US" altLang="ja-JP" sz="1200" dirty="0"/>
               <a:t>)</a:t>
             </a:r>
           </a:p>
@@ -6566,23 +6567,23 @@
           <a:p>
             <a:pPr algn="ctr"/>
             <a:r>
-              <a:rPr lang="ja-JP" altLang="en-US" dirty="0" smtClean="0"/>
+              <a:rPr lang="ja-JP" altLang="en-US" dirty="0"/>
               <a:t>自宅</a:t>
             </a:r>
-            <a:endParaRPr lang="en-US" altLang="ja-JP" dirty="0" smtClean="0"/>
+            <a:endParaRPr lang="en-US" altLang="ja-JP" dirty="0"/>
           </a:p>
           <a:p>
             <a:pPr algn="ctr"/>
             <a:r>
-              <a:rPr lang="en-US" altLang="ja-JP" sz="1200" dirty="0" smtClean="0"/>
+              <a:rPr lang="en-US" altLang="ja-JP" sz="1200" dirty="0"/>
               <a:t>(</a:t>
             </a:r>
             <a:r>
-              <a:rPr lang="ja-JP" altLang="en-US" sz="1200" dirty="0" smtClean="0"/>
+              <a:rPr lang="ja-JP" altLang="en-US" sz="1200" dirty="0"/>
               <a:t>グローバルファイルシステム</a:t>
             </a:r>
             <a:r>
-              <a:rPr lang="en-US" altLang="ja-JP" sz="1200" dirty="0" smtClean="0"/>
+              <a:rPr lang="en-US" altLang="ja-JP" sz="1200" dirty="0"/>
               <a:t>)</a:t>
             </a:r>
             <a:endParaRPr lang="en-US" altLang="ja-JP" dirty="0"/>
@@ -6613,23 +6614,23 @@
           <a:p>
             <a:pPr algn="ctr"/>
             <a:r>
-              <a:rPr lang="ja-JP" altLang="en-US" dirty="0" smtClean="0"/>
+              <a:rPr lang="ja-JP" altLang="en-US" dirty="0"/>
               <a:t>出向先</a:t>
             </a:r>
-            <a:endParaRPr lang="en-US" altLang="ja-JP" dirty="0" smtClean="0"/>
+            <a:endParaRPr lang="en-US" altLang="ja-JP" dirty="0"/>
           </a:p>
           <a:p>
             <a:pPr algn="ctr"/>
             <a:r>
-              <a:rPr lang="en-US" altLang="ja-JP" sz="1200" dirty="0" smtClean="0"/>
+              <a:rPr lang="en-US" altLang="ja-JP" sz="1200" dirty="0"/>
               <a:t>(</a:t>
             </a:r>
             <a:r>
-              <a:rPr lang="ja-JP" altLang="en-US" sz="1200" dirty="0" smtClean="0"/>
+              <a:rPr lang="ja-JP" altLang="en-US" sz="1200" dirty="0"/>
               <a:t>計算ノード</a:t>
             </a:r>
             <a:r>
-              <a:rPr lang="en-US" altLang="ja-JP" sz="1200" dirty="0" smtClean="0"/>
+              <a:rPr lang="en-US" altLang="ja-JP" sz="1200" dirty="0"/>
               <a:t>)</a:t>
             </a:r>
             <a:endParaRPr lang="en-US" altLang="ja-JP" dirty="0"/>
@@ -6810,26 +6811,26 @@
           <a:p>
             <a:pPr algn="ctr"/>
             <a:r>
-              <a:rPr kumimoji="1" lang="ja-JP" altLang="en-US" dirty="0" smtClean="0"/>
+              <a:rPr kumimoji="1" lang="ja-JP" altLang="en-US" dirty="0"/>
               <a:t>出向中はホテルと会社の往復</a:t>
             </a:r>
-            <a:endParaRPr kumimoji="1" lang="en-US" altLang="ja-JP" dirty="0" smtClean="0"/>
+            <a:endParaRPr kumimoji="1" lang="en-US" altLang="ja-JP" dirty="0"/>
           </a:p>
           <a:p>
             <a:pPr algn="ctr"/>
             <a:r>
-              <a:rPr lang="en-US" altLang="ja-JP" sz="1200" dirty="0" smtClean="0"/>
+              <a:rPr lang="en-US" altLang="ja-JP" sz="1200" dirty="0"/>
               <a:t>(</a:t>
             </a:r>
             <a:r>
-              <a:rPr lang="ja-JP" altLang="en-US" sz="1200" dirty="0" smtClean="0"/>
+              <a:rPr lang="ja-JP" altLang="en-US" sz="1200" dirty="0"/>
               <a:t>ローカルファイルにのみアクセス</a:t>
             </a:r>
             <a:r>
-              <a:rPr lang="en-US" altLang="ja-JP" sz="1200" dirty="0" smtClean="0"/>
+              <a:rPr lang="en-US" altLang="ja-JP" sz="1200" dirty="0"/>
               <a:t>)</a:t>
             </a:r>
-            <a:endParaRPr kumimoji="1" lang="en-US" altLang="ja-JP" dirty="0" smtClean="0"/>
+            <a:endParaRPr kumimoji="1" lang="en-US" altLang="ja-JP" dirty="0"/>
           </a:p>
         </p:txBody>
       </p:sp>
@@ -7016,23 +7017,23 @@
           <a:p>
             <a:pPr algn="ctr"/>
             <a:r>
-              <a:rPr lang="ja-JP" altLang="en-US" dirty="0" smtClean="0"/>
+              <a:rPr lang="ja-JP" altLang="en-US" dirty="0"/>
               <a:t>出向が終わったら家に帰る</a:t>
             </a:r>
-            <a:endParaRPr lang="en-US" altLang="ja-JP" dirty="0" smtClean="0"/>
+            <a:endParaRPr lang="en-US" altLang="ja-JP" dirty="0"/>
           </a:p>
           <a:p>
             <a:pPr algn="ctr"/>
             <a:r>
-              <a:rPr kumimoji="1" lang="en-US" altLang="ja-JP" dirty="0" smtClean="0"/>
+              <a:rPr kumimoji="1" lang="en-US" altLang="ja-JP" dirty="0"/>
               <a:t>(</a:t>
             </a:r>
             <a:r>
-              <a:rPr kumimoji="1" lang="ja-JP" altLang="en-US" dirty="0" smtClean="0"/>
+              <a:rPr kumimoji="1" lang="ja-JP" altLang="en-US" dirty="0"/>
               <a:t>ステージアウト</a:t>
             </a:r>
             <a:r>
-              <a:rPr kumimoji="1" lang="en-US" altLang="ja-JP" dirty="0" smtClean="0"/>
+              <a:rPr kumimoji="1" lang="en-US" altLang="ja-JP" dirty="0"/>
               <a:t>)</a:t>
             </a:r>
           </a:p>
@@ -7061,10 +7062,9 @@
           <a:lstStyle/>
           <a:p>
             <a:r>
-              <a:rPr kumimoji="1" lang="ja-JP" altLang="en-US" dirty="0" smtClean="0"/>
+              <a:rPr kumimoji="1" lang="ja-JP" altLang="en-US" dirty="0"/>
               <a:t>ジョブ開始時</a:t>
             </a:r>
-            <a:endParaRPr kumimoji="1" lang="ja-JP" altLang="en-US" dirty="0"/>
           </a:p>
         </p:txBody>
       </p:sp>
@@ -7091,10 +7091,9 @@
           <a:lstStyle/>
           <a:p>
             <a:r>
-              <a:rPr kumimoji="1" lang="ja-JP" altLang="en-US" dirty="0" smtClean="0"/>
+              <a:rPr kumimoji="1" lang="ja-JP" altLang="en-US" dirty="0"/>
               <a:t>ジョブ実行中</a:t>
             </a:r>
-            <a:endParaRPr kumimoji="1" lang="ja-JP" altLang="en-US" dirty="0"/>
           </a:p>
         </p:txBody>
       </p:sp>
@@ -7121,7 +7120,7 @@
           <a:lstStyle/>
           <a:p>
             <a:r>
-              <a:rPr kumimoji="1" lang="ja-JP" altLang="en-US" dirty="0" smtClean="0"/>
+              <a:rPr kumimoji="1" lang="ja-JP" altLang="en-US" dirty="0"/>
               <a:t>ジョブ</a:t>
             </a:r>
             <a:r>
@@ -7136,6 +7135,1947 @@
     <p:extLst>
       <p:ext uri="{BB962C8B-B14F-4D97-AF65-F5344CB8AC3E}">
         <p14:creationId xmlns:p14="http://schemas.microsoft.com/office/powerpoint/2010/main" val="3716849445"/>
+      </p:ext>
+    </p:extLst>
+  </p:cSld>
+  <p:clrMapOvr>
+    <a:masterClrMapping/>
+  </p:clrMapOvr>
+</p:sld>
+</file>
+
+<file path=ppt/slides/slide7.xml><?xml version="1.0" encoding="utf-8"?>
+<p:sld xmlns:a="http://schemas.openxmlformats.org/drawingml/2006/main" xmlns:r="http://schemas.openxmlformats.org/officeDocument/2006/relationships" xmlns:p="http://schemas.openxmlformats.org/presentationml/2006/main">
+  <p:cSld>
+    <p:spTree>
+      <p:nvGrpSpPr>
+        <p:cNvPr id="1" name=""/>
+        <p:cNvGrpSpPr/>
+        <p:nvPr/>
+      </p:nvGrpSpPr>
+      <p:grpSpPr>
+        <a:xfrm>
+          <a:off x="0" y="0"/>
+          <a:ext cx="0" cy="0"/>
+          <a:chOff x="0" y="0"/>
+          <a:chExt cx="0" cy="0"/>
+        </a:xfrm>
+      </p:grpSpPr>
+      <p:pic>
+        <p:nvPicPr>
+          <p:cNvPr id="4" name="図 3">
+            <a:extLst>
+              <a:ext uri="{FF2B5EF4-FFF2-40B4-BE49-F238E27FC236}">
+                <a16:creationId xmlns:a16="http://schemas.microsoft.com/office/drawing/2014/main" id="{1F4295F5-754C-CD4F-934E-96724EDB09D3}"/>
+              </a:ext>
+            </a:extLst>
+          </p:cNvPr>
+          <p:cNvPicPr>
+            <a:picLocks noChangeAspect="1"/>
+          </p:cNvPicPr>
+          <p:nvPr/>
+        </p:nvPicPr>
+        <p:blipFill>
+          <a:blip r:embed="rId2"/>
+          <a:stretch>
+            <a:fillRect/>
+          </a:stretch>
+        </p:blipFill>
+        <p:spPr>
+          <a:xfrm>
+            <a:off x="744220" y="654941"/>
+            <a:ext cx="705594" cy="705594"/>
+          </a:xfrm>
+          <a:prstGeom prst="rect">
+            <a:avLst/>
+          </a:prstGeom>
+        </p:spPr>
+      </p:pic>
+      <p:pic>
+        <p:nvPicPr>
+          <p:cNvPr id="5" name="図 4">
+            <a:extLst>
+              <a:ext uri="{FF2B5EF4-FFF2-40B4-BE49-F238E27FC236}">
+                <a16:creationId xmlns:a16="http://schemas.microsoft.com/office/drawing/2014/main" id="{5704F79F-0FD4-4F4B-8225-75165CCC4919}"/>
+              </a:ext>
+            </a:extLst>
+          </p:cNvPr>
+          <p:cNvPicPr>
+            <a:picLocks noChangeAspect="1"/>
+          </p:cNvPicPr>
+          <p:nvPr/>
+        </p:nvPicPr>
+        <p:blipFill>
+          <a:blip r:embed="rId2"/>
+          <a:stretch>
+            <a:fillRect/>
+          </a:stretch>
+        </p:blipFill>
+        <p:spPr>
+          <a:xfrm>
+            <a:off x="744220" y="1319030"/>
+            <a:ext cx="705594" cy="705594"/>
+          </a:xfrm>
+          <a:prstGeom prst="rect">
+            <a:avLst/>
+          </a:prstGeom>
+        </p:spPr>
+      </p:pic>
+      <p:pic>
+        <p:nvPicPr>
+          <p:cNvPr id="6" name="図 5">
+            <a:extLst>
+              <a:ext uri="{FF2B5EF4-FFF2-40B4-BE49-F238E27FC236}">
+                <a16:creationId xmlns:a16="http://schemas.microsoft.com/office/drawing/2014/main" id="{50E66589-CED3-7F43-8E09-E23300A4AEB9}"/>
+              </a:ext>
+            </a:extLst>
+          </p:cNvPr>
+          <p:cNvPicPr>
+            <a:picLocks noChangeAspect="1"/>
+          </p:cNvPicPr>
+          <p:nvPr/>
+        </p:nvPicPr>
+        <p:blipFill>
+          <a:blip r:embed="rId2"/>
+          <a:stretch>
+            <a:fillRect/>
+          </a:stretch>
+        </p:blipFill>
+        <p:spPr>
+          <a:xfrm>
+            <a:off x="744220" y="1983118"/>
+            <a:ext cx="705594" cy="705594"/>
+          </a:xfrm>
+          <a:prstGeom prst="rect">
+            <a:avLst/>
+          </a:prstGeom>
+        </p:spPr>
+      </p:pic>
+      <p:pic>
+        <p:nvPicPr>
+          <p:cNvPr id="7" name="図 6">
+            <a:extLst>
+              <a:ext uri="{FF2B5EF4-FFF2-40B4-BE49-F238E27FC236}">
+                <a16:creationId xmlns:a16="http://schemas.microsoft.com/office/drawing/2014/main" id="{CF96D2BD-4DF7-2447-9197-9E863B373D4C}"/>
+              </a:ext>
+            </a:extLst>
+          </p:cNvPr>
+          <p:cNvPicPr>
+            <a:picLocks noChangeAspect="1"/>
+          </p:cNvPicPr>
+          <p:nvPr/>
+        </p:nvPicPr>
+        <p:blipFill>
+          <a:blip r:embed="rId2"/>
+          <a:stretch>
+            <a:fillRect/>
+          </a:stretch>
+        </p:blipFill>
+        <p:spPr>
+          <a:xfrm>
+            <a:off x="744220" y="2647206"/>
+            <a:ext cx="705594" cy="705594"/>
+          </a:xfrm>
+          <a:prstGeom prst="rect">
+            <a:avLst/>
+          </a:prstGeom>
+        </p:spPr>
+      </p:pic>
+      <p:cxnSp>
+        <p:nvCxnSpPr>
+          <p:cNvPr id="10" name="直線コネクタ 9">
+            <a:extLst>
+              <a:ext uri="{FF2B5EF4-FFF2-40B4-BE49-F238E27FC236}">
+                <a16:creationId xmlns:a16="http://schemas.microsoft.com/office/drawing/2014/main" id="{728E7E55-7E09-CA43-9A73-17574E8D3150}"/>
+              </a:ext>
+            </a:extLst>
+          </p:cNvPr>
+          <p:cNvCxnSpPr/>
+          <p:nvPr/>
+        </p:nvCxnSpPr>
+        <p:spPr>
+          <a:xfrm>
+            <a:off x="1668264" y="689893"/>
+            <a:ext cx="4569976" cy="0"/>
+          </a:xfrm>
+          <a:prstGeom prst="line">
+            <a:avLst/>
+          </a:prstGeom>
+          <a:ln>
+            <a:solidFill>
+              <a:schemeClr val="tx1"/>
+            </a:solidFill>
+            <a:prstDash val="dash"/>
+          </a:ln>
+        </p:spPr>
+        <p:style>
+          <a:lnRef idx="1">
+            <a:schemeClr val="accent1"/>
+          </a:lnRef>
+          <a:fillRef idx="0">
+            <a:schemeClr val="accent1"/>
+          </a:fillRef>
+          <a:effectRef idx="0">
+            <a:schemeClr val="accent1"/>
+          </a:effectRef>
+          <a:fontRef idx="minor">
+            <a:schemeClr val="tx1"/>
+          </a:fontRef>
+        </p:style>
+      </p:cxnSp>
+      <p:cxnSp>
+        <p:nvCxnSpPr>
+          <p:cNvPr id="11" name="直線コネクタ 10">
+            <a:extLst>
+              <a:ext uri="{FF2B5EF4-FFF2-40B4-BE49-F238E27FC236}">
+                <a16:creationId xmlns:a16="http://schemas.microsoft.com/office/drawing/2014/main" id="{BCBE9ABC-0198-9447-8937-A103F7F6E768}"/>
+              </a:ext>
+            </a:extLst>
+          </p:cNvPr>
+          <p:cNvCxnSpPr/>
+          <p:nvPr/>
+        </p:nvCxnSpPr>
+        <p:spPr>
+          <a:xfrm>
+            <a:off x="1668264" y="1325583"/>
+            <a:ext cx="4569976" cy="0"/>
+          </a:xfrm>
+          <a:prstGeom prst="line">
+            <a:avLst/>
+          </a:prstGeom>
+          <a:ln>
+            <a:solidFill>
+              <a:schemeClr val="tx1"/>
+            </a:solidFill>
+            <a:prstDash val="dash"/>
+          </a:ln>
+        </p:spPr>
+        <p:style>
+          <a:lnRef idx="1">
+            <a:schemeClr val="accent1"/>
+          </a:lnRef>
+          <a:fillRef idx="0">
+            <a:schemeClr val="accent1"/>
+          </a:fillRef>
+          <a:effectRef idx="0">
+            <a:schemeClr val="accent1"/>
+          </a:effectRef>
+          <a:fontRef idx="minor">
+            <a:schemeClr val="tx1"/>
+          </a:fontRef>
+        </p:style>
+      </p:cxnSp>
+      <p:cxnSp>
+        <p:nvCxnSpPr>
+          <p:cNvPr id="12" name="直線コネクタ 11">
+            <a:extLst>
+              <a:ext uri="{FF2B5EF4-FFF2-40B4-BE49-F238E27FC236}">
+                <a16:creationId xmlns:a16="http://schemas.microsoft.com/office/drawing/2014/main" id="{B434F30B-EFF3-574B-8879-AEF5ABC5B7B5}"/>
+              </a:ext>
+            </a:extLst>
+          </p:cNvPr>
+          <p:cNvCxnSpPr/>
+          <p:nvPr/>
+        </p:nvCxnSpPr>
+        <p:spPr>
+          <a:xfrm>
+            <a:off x="1668264" y="1961273"/>
+            <a:ext cx="4569976" cy="0"/>
+          </a:xfrm>
+          <a:prstGeom prst="line">
+            <a:avLst/>
+          </a:prstGeom>
+          <a:ln>
+            <a:solidFill>
+              <a:schemeClr val="tx1"/>
+            </a:solidFill>
+            <a:prstDash val="dash"/>
+          </a:ln>
+        </p:spPr>
+        <p:style>
+          <a:lnRef idx="1">
+            <a:schemeClr val="accent1"/>
+          </a:lnRef>
+          <a:fillRef idx="0">
+            <a:schemeClr val="accent1"/>
+          </a:fillRef>
+          <a:effectRef idx="0">
+            <a:schemeClr val="accent1"/>
+          </a:effectRef>
+          <a:fontRef idx="minor">
+            <a:schemeClr val="tx1"/>
+          </a:fontRef>
+        </p:style>
+      </p:cxnSp>
+      <p:cxnSp>
+        <p:nvCxnSpPr>
+          <p:cNvPr id="13" name="直線コネクタ 12">
+            <a:extLst>
+              <a:ext uri="{FF2B5EF4-FFF2-40B4-BE49-F238E27FC236}">
+                <a16:creationId xmlns:a16="http://schemas.microsoft.com/office/drawing/2014/main" id="{1DBA23BE-2810-D048-8B0E-BD75D97AF17D}"/>
+              </a:ext>
+            </a:extLst>
+          </p:cNvPr>
+          <p:cNvCxnSpPr/>
+          <p:nvPr/>
+        </p:nvCxnSpPr>
+        <p:spPr>
+          <a:xfrm>
+            <a:off x="1668264" y="2596963"/>
+            <a:ext cx="4569976" cy="0"/>
+          </a:xfrm>
+          <a:prstGeom prst="line">
+            <a:avLst/>
+          </a:prstGeom>
+          <a:ln>
+            <a:solidFill>
+              <a:schemeClr val="tx1"/>
+            </a:solidFill>
+            <a:prstDash val="dash"/>
+          </a:ln>
+        </p:spPr>
+        <p:style>
+          <a:lnRef idx="1">
+            <a:schemeClr val="accent1"/>
+          </a:lnRef>
+          <a:fillRef idx="0">
+            <a:schemeClr val="accent1"/>
+          </a:fillRef>
+          <a:effectRef idx="0">
+            <a:schemeClr val="accent1"/>
+          </a:effectRef>
+          <a:fontRef idx="minor">
+            <a:schemeClr val="tx1"/>
+          </a:fontRef>
+        </p:style>
+      </p:cxnSp>
+      <p:cxnSp>
+        <p:nvCxnSpPr>
+          <p:cNvPr id="14" name="直線コネクタ 13">
+            <a:extLst>
+              <a:ext uri="{FF2B5EF4-FFF2-40B4-BE49-F238E27FC236}">
+                <a16:creationId xmlns:a16="http://schemas.microsoft.com/office/drawing/2014/main" id="{DA25BF67-4C32-8243-8BBB-EC89268EFD84}"/>
+              </a:ext>
+            </a:extLst>
+          </p:cNvPr>
+          <p:cNvCxnSpPr/>
+          <p:nvPr/>
+        </p:nvCxnSpPr>
+        <p:spPr>
+          <a:xfrm>
+            <a:off x="1668264" y="3232652"/>
+            <a:ext cx="4569976" cy="0"/>
+          </a:xfrm>
+          <a:prstGeom prst="line">
+            <a:avLst/>
+          </a:prstGeom>
+          <a:ln>
+            <a:solidFill>
+              <a:schemeClr val="tx1"/>
+            </a:solidFill>
+            <a:prstDash val="dash"/>
+          </a:ln>
+        </p:spPr>
+        <p:style>
+          <a:lnRef idx="1">
+            <a:schemeClr val="accent1"/>
+          </a:lnRef>
+          <a:fillRef idx="0">
+            <a:schemeClr val="accent1"/>
+          </a:fillRef>
+          <a:effectRef idx="0">
+            <a:schemeClr val="accent1"/>
+          </a:effectRef>
+          <a:fontRef idx="minor">
+            <a:schemeClr val="tx1"/>
+          </a:fontRef>
+        </p:style>
+      </p:cxnSp>
+      <p:sp>
+        <p:nvSpPr>
+          <p:cNvPr id="15" name="正方形/長方形 14">
+            <a:extLst>
+              <a:ext uri="{FF2B5EF4-FFF2-40B4-BE49-F238E27FC236}">
+                <a16:creationId xmlns:a16="http://schemas.microsoft.com/office/drawing/2014/main" id="{A6611DAA-B4C7-F543-B878-4EB235D6AE50}"/>
+              </a:ext>
+            </a:extLst>
+          </p:cNvPr>
+          <p:cNvSpPr/>
+          <p:nvPr/>
+        </p:nvSpPr>
+        <p:spPr>
+          <a:xfrm>
+            <a:off x="1694478" y="689893"/>
+            <a:ext cx="1267011" cy="629136"/>
+          </a:xfrm>
+          <a:prstGeom prst="rect">
+            <a:avLst/>
+          </a:prstGeom>
+          <a:solidFill>
+            <a:srgbClr val="FF0000"/>
+          </a:solidFill>
+        </p:spPr>
+        <p:style>
+          <a:lnRef idx="2">
+            <a:schemeClr val="accent1">
+              <a:shade val="50000"/>
+            </a:schemeClr>
+          </a:lnRef>
+          <a:fillRef idx="1">
+            <a:schemeClr val="accent1"/>
+          </a:fillRef>
+          <a:effectRef idx="0">
+            <a:schemeClr val="accent1"/>
+          </a:effectRef>
+          <a:fontRef idx="minor">
+            <a:schemeClr val="lt1"/>
+          </a:fontRef>
+        </p:style>
+        <p:txBody>
+          <a:bodyPr rtlCol="0" anchor="ctr"/>
+          <a:lstStyle/>
+          <a:p>
+            <a:pPr algn="ctr"/>
+            <a:r>
+              <a:rPr kumimoji="1" lang="en-US" altLang="ja-JP" sz="1200"/>
+              <a:t>1</a:t>
+            </a:r>
+            <a:r>
+              <a:rPr kumimoji="1" lang="ja-JP" altLang="en-US" sz="1200"/>
+              <a:t>ノードジョブ</a:t>
+            </a:r>
+            <a:endParaRPr kumimoji="1" lang="en-US" altLang="ja-JP" sz="1200"/>
+          </a:p>
+          <a:p>
+            <a:pPr algn="ctr"/>
+            <a:r>
+              <a:rPr lang="en-US" altLang="ja-JP" sz="1200"/>
+              <a:t>(</a:t>
+            </a:r>
+            <a:r>
+              <a:rPr lang="ja-JP" altLang="en-US" sz="1200"/>
+              <a:t>実行中</a:t>
+            </a:r>
+            <a:r>
+              <a:rPr lang="en-US" altLang="ja-JP" sz="1200"/>
+              <a:t>)</a:t>
+            </a:r>
+            <a:endParaRPr kumimoji="1" lang="ja-JP" altLang="en-US" sz="1200"/>
+          </a:p>
+        </p:txBody>
+      </p:sp>
+      <p:cxnSp>
+        <p:nvCxnSpPr>
+          <p:cNvPr id="17" name="直線矢印コネクタ 16">
+            <a:extLst>
+              <a:ext uri="{FF2B5EF4-FFF2-40B4-BE49-F238E27FC236}">
+                <a16:creationId xmlns:a16="http://schemas.microsoft.com/office/drawing/2014/main" id="{A06FC1E7-403F-3248-AC6E-15534A5209AD}"/>
+              </a:ext>
+            </a:extLst>
+          </p:cNvPr>
+          <p:cNvCxnSpPr/>
+          <p:nvPr/>
+        </p:nvCxnSpPr>
+        <p:spPr>
+          <a:xfrm>
+            <a:off x="1694478" y="471443"/>
+            <a:ext cx="0" cy="218450"/>
+          </a:xfrm>
+          <a:prstGeom prst="straightConnector1">
+            <a:avLst/>
+          </a:prstGeom>
+          <a:ln>
+            <a:solidFill>
+              <a:schemeClr val="tx1"/>
+            </a:solidFill>
+            <a:tailEnd type="triangle"/>
+          </a:ln>
+        </p:spPr>
+        <p:style>
+          <a:lnRef idx="1">
+            <a:schemeClr val="accent1"/>
+          </a:lnRef>
+          <a:fillRef idx="0">
+            <a:schemeClr val="accent1"/>
+          </a:fillRef>
+          <a:effectRef idx="0">
+            <a:schemeClr val="accent1"/>
+          </a:effectRef>
+          <a:fontRef idx="minor">
+            <a:schemeClr val="tx1"/>
+          </a:fontRef>
+        </p:style>
+      </p:cxnSp>
+      <p:sp>
+        <p:nvSpPr>
+          <p:cNvPr id="18" name="テキスト ボックス 17">
+            <a:extLst>
+              <a:ext uri="{FF2B5EF4-FFF2-40B4-BE49-F238E27FC236}">
+                <a16:creationId xmlns:a16="http://schemas.microsoft.com/office/drawing/2014/main" id="{8A07443A-D108-644A-AD56-80DFBD376544}"/>
+              </a:ext>
+            </a:extLst>
+          </p:cNvPr>
+          <p:cNvSpPr txBox="1"/>
+          <p:nvPr/>
+        </p:nvSpPr>
+        <p:spPr>
+          <a:xfrm>
+            <a:off x="1313056" y="177607"/>
+            <a:ext cx="776453" cy="264700"/>
+          </a:xfrm>
+          <a:prstGeom prst="rect">
+            <a:avLst/>
+          </a:prstGeom>
+          <a:noFill/>
+        </p:spPr>
+        <p:txBody>
+          <a:bodyPr wrap="none" rtlCol="0">
+            <a:spAutoFit/>
+          </a:bodyPr>
+          <a:lstStyle/>
+          <a:p>
+            <a:r>
+              <a:rPr kumimoji="1" lang="ja-JP" altLang="en-US" sz="1400"/>
+              <a:t>現在時刻</a:t>
+            </a:r>
+          </a:p>
+        </p:txBody>
+      </p:sp>
+      <p:cxnSp>
+        <p:nvCxnSpPr>
+          <p:cNvPr id="19" name="直線矢印コネクタ 18">
+            <a:extLst>
+              <a:ext uri="{FF2B5EF4-FFF2-40B4-BE49-F238E27FC236}">
+                <a16:creationId xmlns:a16="http://schemas.microsoft.com/office/drawing/2014/main" id="{6D1A35EA-F6DC-2240-9370-4F1E5E8DBCD8}"/>
+              </a:ext>
+            </a:extLst>
+          </p:cNvPr>
+          <p:cNvCxnSpPr/>
+          <p:nvPr/>
+        </p:nvCxnSpPr>
+        <p:spPr>
+          <a:xfrm>
+            <a:off x="2961489" y="471443"/>
+            <a:ext cx="0" cy="218450"/>
+          </a:xfrm>
+          <a:prstGeom prst="straightConnector1">
+            <a:avLst/>
+          </a:prstGeom>
+          <a:ln>
+            <a:solidFill>
+              <a:schemeClr val="tx1"/>
+            </a:solidFill>
+            <a:tailEnd type="triangle"/>
+          </a:ln>
+        </p:spPr>
+        <p:style>
+          <a:lnRef idx="1">
+            <a:schemeClr val="accent1"/>
+          </a:lnRef>
+          <a:fillRef idx="0">
+            <a:schemeClr val="accent1"/>
+          </a:fillRef>
+          <a:effectRef idx="0">
+            <a:schemeClr val="accent1"/>
+          </a:effectRef>
+          <a:fontRef idx="minor">
+            <a:schemeClr val="tx1"/>
+          </a:fontRef>
+        </p:style>
+      </p:cxnSp>
+      <p:sp>
+        <p:nvSpPr>
+          <p:cNvPr id="20" name="テキスト ボックス 19">
+            <a:extLst>
+              <a:ext uri="{FF2B5EF4-FFF2-40B4-BE49-F238E27FC236}">
+                <a16:creationId xmlns:a16="http://schemas.microsoft.com/office/drawing/2014/main" id="{919A85BC-3808-A540-A00E-C2FBA732F8D6}"/>
+              </a:ext>
+            </a:extLst>
+          </p:cNvPr>
+          <p:cNvSpPr txBox="1"/>
+          <p:nvPr/>
+        </p:nvSpPr>
+        <p:spPr>
+          <a:xfrm>
+            <a:off x="2407346" y="187767"/>
+            <a:ext cx="1085270" cy="264700"/>
+          </a:xfrm>
+          <a:prstGeom prst="rect">
+            <a:avLst/>
+          </a:prstGeom>
+          <a:noFill/>
+        </p:spPr>
+        <p:txBody>
+          <a:bodyPr wrap="none" rtlCol="0">
+            <a:spAutoFit/>
+          </a:bodyPr>
+          <a:lstStyle/>
+          <a:p>
+            <a:r>
+              <a:rPr kumimoji="1" lang="ja-JP" altLang="en-US" sz="1400"/>
+              <a:t>終了予定時刻</a:t>
+            </a:r>
+          </a:p>
+        </p:txBody>
+      </p:sp>
+      <p:sp>
+        <p:nvSpPr>
+          <p:cNvPr id="22" name="正方形/長方形 21">
+            <a:extLst>
+              <a:ext uri="{FF2B5EF4-FFF2-40B4-BE49-F238E27FC236}">
+                <a16:creationId xmlns:a16="http://schemas.microsoft.com/office/drawing/2014/main" id="{75AD8288-69B5-7E4A-A11A-9B547F4C5365}"/>
+              </a:ext>
+            </a:extLst>
+          </p:cNvPr>
+          <p:cNvSpPr/>
+          <p:nvPr/>
+        </p:nvSpPr>
+        <p:spPr>
+          <a:xfrm>
+            <a:off x="2970227" y="689893"/>
+            <a:ext cx="1511675" cy="2534021"/>
+          </a:xfrm>
+          <a:prstGeom prst="rect">
+            <a:avLst/>
+          </a:prstGeom>
+        </p:spPr>
+        <p:style>
+          <a:lnRef idx="2">
+            <a:schemeClr val="accent1">
+              <a:shade val="50000"/>
+            </a:schemeClr>
+          </a:lnRef>
+          <a:fillRef idx="1">
+            <a:schemeClr val="accent1"/>
+          </a:fillRef>
+          <a:effectRef idx="0">
+            <a:schemeClr val="accent1"/>
+          </a:effectRef>
+          <a:fontRef idx="minor">
+            <a:schemeClr val="lt1"/>
+          </a:fontRef>
+        </p:style>
+        <p:txBody>
+          <a:bodyPr rtlCol="0" anchor="ctr"/>
+          <a:lstStyle/>
+          <a:p>
+            <a:pPr algn="ctr"/>
+            <a:r>
+              <a:rPr kumimoji="1" lang="en-US" altLang="ja-JP" sz="1400"/>
+              <a:t>4</a:t>
+            </a:r>
+            <a:r>
+              <a:rPr kumimoji="1" lang="ja-JP" altLang="en-US" sz="1400"/>
+              <a:t>ノードジョブ</a:t>
+            </a:r>
+          </a:p>
+        </p:txBody>
+      </p:sp>
+      <p:sp>
+        <p:nvSpPr>
+          <p:cNvPr id="23" name="正方形/長方形 22">
+            <a:extLst>
+              <a:ext uri="{FF2B5EF4-FFF2-40B4-BE49-F238E27FC236}">
+                <a16:creationId xmlns:a16="http://schemas.microsoft.com/office/drawing/2014/main" id="{B81FDC73-142C-AA4C-8745-A9568B198EA6}"/>
+              </a:ext>
+            </a:extLst>
+          </p:cNvPr>
+          <p:cNvSpPr/>
+          <p:nvPr/>
+        </p:nvSpPr>
+        <p:spPr>
+          <a:xfrm>
+            <a:off x="4510959" y="689892"/>
+            <a:ext cx="926228" cy="1260827"/>
+          </a:xfrm>
+          <a:prstGeom prst="rect">
+            <a:avLst/>
+          </a:prstGeom>
+        </p:spPr>
+        <p:style>
+          <a:lnRef idx="2">
+            <a:schemeClr val="accent1">
+              <a:shade val="50000"/>
+            </a:schemeClr>
+          </a:lnRef>
+          <a:fillRef idx="1">
+            <a:schemeClr val="accent1"/>
+          </a:fillRef>
+          <a:effectRef idx="0">
+            <a:schemeClr val="accent1"/>
+          </a:effectRef>
+          <a:fontRef idx="minor">
+            <a:schemeClr val="lt1"/>
+          </a:fontRef>
+        </p:style>
+        <p:txBody>
+          <a:bodyPr rtlCol="0" anchor="ctr"/>
+          <a:lstStyle/>
+          <a:p>
+            <a:pPr algn="ctr"/>
+            <a:r>
+              <a:rPr kumimoji="1" lang="ja-JP" altLang="en-US" sz="1400"/>
+              <a:t>短い</a:t>
+            </a:r>
+            <a:endParaRPr lang="en-US" altLang="ja-JP" sz="1400"/>
+          </a:p>
+          <a:p>
+            <a:pPr algn="ctr"/>
+            <a:r>
+              <a:rPr lang="en-US" altLang="ja-JP" sz="1400"/>
+              <a:t>2</a:t>
+            </a:r>
+            <a:r>
+              <a:rPr kumimoji="1" lang="ja-JP" altLang="en-US" sz="1400"/>
+              <a:t>ノードジョブ</a:t>
+            </a:r>
+          </a:p>
+        </p:txBody>
+      </p:sp>
+      <p:sp>
+        <p:nvSpPr>
+          <p:cNvPr id="24" name="テキスト ボックス 23">
+            <a:extLst>
+              <a:ext uri="{FF2B5EF4-FFF2-40B4-BE49-F238E27FC236}">
+                <a16:creationId xmlns:a16="http://schemas.microsoft.com/office/drawing/2014/main" id="{AD36A392-9E30-694D-B9B8-666E7F7CFDF9}"/>
+              </a:ext>
+            </a:extLst>
+          </p:cNvPr>
+          <p:cNvSpPr txBox="1"/>
+          <p:nvPr/>
+        </p:nvSpPr>
+        <p:spPr>
+          <a:xfrm>
+            <a:off x="1808072" y="2122926"/>
+            <a:ext cx="952921" cy="317640"/>
+          </a:xfrm>
+          <a:prstGeom prst="rect">
+            <a:avLst/>
+          </a:prstGeom>
+          <a:noFill/>
+        </p:spPr>
+        <p:txBody>
+          <a:bodyPr wrap="none" rtlCol="0">
+            <a:spAutoFit/>
+          </a:bodyPr>
+          <a:lstStyle/>
+          <a:p>
+            <a:r>
+              <a:rPr lang="ja-JP" altLang="en-US"/>
+              <a:t>空き資源</a:t>
+            </a:r>
+            <a:endParaRPr kumimoji="1" lang="ja-JP" altLang="en-US"/>
+          </a:p>
+        </p:txBody>
+      </p:sp>
+      <p:sp>
+        <p:nvSpPr>
+          <p:cNvPr id="25" name="テキスト ボックス 24">
+            <a:extLst>
+              <a:ext uri="{FF2B5EF4-FFF2-40B4-BE49-F238E27FC236}">
+                <a16:creationId xmlns:a16="http://schemas.microsoft.com/office/drawing/2014/main" id="{43BC8232-0CA5-594A-A53B-E7F12834EF48}"/>
+              </a:ext>
+            </a:extLst>
+          </p:cNvPr>
+          <p:cNvSpPr txBox="1"/>
+          <p:nvPr/>
+        </p:nvSpPr>
+        <p:spPr>
+          <a:xfrm>
+            <a:off x="1799334" y="1537480"/>
+            <a:ext cx="952921" cy="317640"/>
+          </a:xfrm>
+          <a:prstGeom prst="rect">
+            <a:avLst/>
+          </a:prstGeom>
+          <a:noFill/>
+        </p:spPr>
+        <p:txBody>
+          <a:bodyPr wrap="none" rtlCol="0">
+            <a:spAutoFit/>
+          </a:bodyPr>
+          <a:lstStyle/>
+          <a:p>
+            <a:r>
+              <a:rPr lang="ja-JP" altLang="en-US"/>
+              <a:t>空き資源</a:t>
+            </a:r>
+            <a:endParaRPr kumimoji="1" lang="ja-JP" altLang="en-US"/>
+          </a:p>
+        </p:txBody>
+      </p:sp>
+      <p:sp>
+        <p:nvSpPr>
+          <p:cNvPr id="26" name="テキスト ボックス 25">
+            <a:extLst>
+              <a:ext uri="{FF2B5EF4-FFF2-40B4-BE49-F238E27FC236}">
+                <a16:creationId xmlns:a16="http://schemas.microsoft.com/office/drawing/2014/main" id="{690B50D8-1502-6142-9C37-DEBF7A10C91E}"/>
+              </a:ext>
+            </a:extLst>
+          </p:cNvPr>
+          <p:cNvSpPr txBox="1"/>
+          <p:nvPr/>
+        </p:nvSpPr>
+        <p:spPr>
+          <a:xfrm>
+            <a:off x="1808072" y="2734586"/>
+            <a:ext cx="952921" cy="317640"/>
+          </a:xfrm>
+          <a:prstGeom prst="rect">
+            <a:avLst/>
+          </a:prstGeom>
+          <a:noFill/>
+        </p:spPr>
+        <p:txBody>
+          <a:bodyPr wrap="none" rtlCol="0">
+            <a:spAutoFit/>
+          </a:bodyPr>
+          <a:lstStyle/>
+          <a:p>
+            <a:r>
+              <a:rPr lang="ja-JP" altLang="en-US"/>
+              <a:t>空き資源</a:t>
+            </a:r>
+            <a:endParaRPr kumimoji="1" lang="ja-JP" altLang="en-US"/>
+          </a:p>
+        </p:txBody>
+      </p:sp>
+      <p:pic>
+        <p:nvPicPr>
+          <p:cNvPr id="29" name="図 28">
+            <a:extLst>
+              <a:ext uri="{FF2B5EF4-FFF2-40B4-BE49-F238E27FC236}">
+                <a16:creationId xmlns:a16="http://schemas.microsoft.com/office/drawing/2014/main" id="{DA993C75-DE57-2B40-A549-661E8036DF27}"/>
+              </a:ext>
+            </a:extLst>
+          </p:cNvPr>
+          <p:cNvPicPr>
+            <a:picLocks noChangeAspect="1"/>
+          </p:cNvPicPr>
+          <p:nvPr/>
+        </p:nvPicPr>
+        <p:blipFill>
+          <a:blip r:embed="rId2"/>
+          <a:stretch>
+            <a:fillRect/>
+          </a:stretch>
+        </p:blipFill>
+        <p:spPr>
+          <a:xfrm>
+            <a:off x="734060" y="4058541"/>
+            <a:ext cx="705594" cy="705594"/>
+          </a:xfrm>
+          <a:prstGeom prst="rect">
+            <a:avLst/>
+          </a:prstGeom>
+        </p:spPr>
+      </p:pic>
+      <p:pic>
+        <p:nvPicPr>
+          <p:cNvPr id="30" name="図 29">
+            <a:extLst>
+              <a:ext uri="{FF2B5EF4-FFF2-40B4-BE49-F238E27FC236}">
+                <a16:creationId xmlns:a16="http://schemas.microsoft.com/office/drawing/2014/main" id="{0EF3956B-F851-7544-AEAF-2E729817AAEA}"/>
+              </a:ext>
+            </a:extLst>
+          </p:cNvPr>
+          <p:cNvPicPr>
+            <a:picLocks noChangeAspect="1"/>
+          </p:cNvPicPr>
+          <p:nvPr/>
+        </p:nvPicPr>
+        <p:blipFill>
+          <a:blip r:embed="rId2"/>
+          <a:stretch>
+            <a:fillRect/>
+          </a:stretch>
+        </p:blipFill>
+        <p:spPr>
+          <a:xfrm>
+            <a:off x="734060" y="4722630"/>
+            <a:ext cx="705594" cy="705594"/>
+          </a:xfrm>
+          <a:prstGeom prst="rect">
+            <a:avLst/>
+          </a:prstGeom>
+        </p:spPr>
+      </p:pic>
+      <p:pic>
+        <p:nvPicPr>
+          <p:cNvPr id="31" name="図 30">
+            <a:extLst>
+              <a:ext uri="{FF2B5EF4-FFF2-40B4-BE49-F238E27FC236}">
+                <a16:creationId xmlns:a16="http://schemas.microsoft.com/office/drawing/2014/main" id="{84D7C0A6-25CB-9040-B344-BEE8F51B8033}"/>
+              </a:ext>
+            </a:extLst>
+          </p:cNvPr>
+          <p:cNvPicPr>
+            <a:picLocks noChangeAspect="1"/>
+          </p:cNvPicPr>
+          <p:nvPr/>
+        </p:nvPicPr>
+        <p:blipFill>
+          <a:blip r:embed="rId2"/>
+          <a:stretch>
+            <a:fillRect/>
+          </a:stretch>
+        </p:blipFill>
+        <p:spPr>
+          <a:xfrm>
+            <a:off x="734060" y="5386718"/>
+            <a:ext cx="705594" cy="705594"/>
+          </a:xfrm>
+          <a:prstGeom prst="rect">
+            <a:avLst/>
+          </a:prstGeom>
+        </p:spPr>
+      </p:pic>
+      <p:pic>
+        <p:nvPicPr>
+          <p:cNvPr id="32" name="図 31">
+            <a:extLst>
+              <a:ext uri="{FF2B5EF4-FFF2-40B4-BE49-F238E27FC236}">
+                <a16:creationId xmlns:a16="http://schemas.microsoft.com/office/drawing/2014/main" id="{A88D207D-8CC1-364F-AEB4-65F761C8E0E7}"/>
+              </a:ext>
+            </a:extLst>
+          </p:cNvPr>
+          <p:cNvPicPr>
+            <a:picLocks noChangeAspect="1"/>
+          </p:cNvPicPr>
+          <p:nvPr/>
+        </p:nvPicPr>
+        <p:blipFill>
+          <a:blip r:embed="rId2"/>
+          <a:stretch>
+            <a:fillRect/>
+          </a:stretch>
+        </p:blipFill>
+        <p:spPr>
+          <a:xfrm>
+            <a:off x="734060" y="6050806"/>
+            <a:ext cx="705594" cy="705594"/>
+          </a:xfrm>
+          <a:prstGeom prst="rect">
+            <a:avLst/>
+          </a:prstGeom>
+        </p:spPr>
+      </p:pic>
+      <p:cxnSp>
+        <p:nvCxnSpPr>
+          <p:cNvPr id="33" name="直線コネクタ 32">
+            <a:extLst>
+              <a:ext uri="{FF2B5EF4-FFF2-40B4-BE49-F238E27FC236}">
+                <a16:creationId xmlns:a16="http://schemas.microsoft.com/office/drawing/2014/main" id="{DFEC743E-BFCA-3C48-91AB-5690EDB764A0}"/>
+              </a:ext>
+            </a:extLst>
+          </p:cNvPr>
+          <p:cNvCxnSpPr/>
+          <p:nvPr/>
+        </p:nvCxnSpPr>
+        <p:spPr>
+          <a:xfrm>
+            <a:off x="1658104" y="4093493"/>
+            <a:ext cx="4569976" cy="0"/>
+          </a:xfrm>
+          <a:prstGeom prst="line">
+            <a:avLst/>
+          </a:prstGeom>
+          <a:ln>
+            <a:solidFill>
+              <a:schemeClr val="tx1"/>
+            </a:solidFill>
+            <a:prstDash val="dash"/>
+          </a:ln>
+        </p:spPr>
+        <p:style>
+          <a:lnRef idx="1">
+            <a:schemeClr val="accent1"/>
+          </a:lnRef>
+          <a:fillRef idx="0">
+            <a:schemeClr val="accent1"/>
+          </a:fillRef>
+          <a:effectRef idx="0">
+            <a:schemeClr val="accent1"/>
+          </a:effectRef>
+          <a:fontRef idx="minor">
+            <a:schemeClr val="tx1"/>
+          </a:fontRef>
+        </p:style>
+      </p:cxnSp>
+      <p:cxnSp>
+        <p:nvCxnSpPr>
+          <p:cNvPr id="34" name="直線コネクタ 33">
+            <a:extLst>
+              <a:ext uri="{FF2B5EF4-FFF2-40B4-BE49-F238E27FC236}">
+                <a16:creationId xmlns:a16="http://schemas.microsoft.com/office/drawing/2014/main" id="{CF6EBBF6-7095-694B-A4C2-F358A5588FD1}"/>
+              </a:ext>
+            </a:extLst>
+          </p:cNvPr>
+          <p:cNvCxnSpPr/>
+          <p:nvPr/>
+        </p:nvCxnSpPr>
+        <p:spPr>
+          <a:xfrm>
+            <a:off x="1658104" y="4729183"/>
+            <a:ext cx="4569976" cy="0"/>
+          </a:xfrm>
+          <a:prstGeom prst="line">
+            <a:avLst/>
+          </a:prstGeom>
+          <a:ln>
+            <a:solidFill>
+              <a:schemeClr val="tx1"/>
+            </a:solidFill>
+            <a:prstDash val="dash"/>
+          </a:ln>
+        </p:spPr>
+        <p:style>
+          <a:lnRef idx="1">
+            <a:schemeClr val="accent1"/>
+          </a:lnRef>
+          <a:fillRef idx="0">
+            <a:schemeClr val="accent1"/>
+          </a:fillRef>
+          <a:effectRef idx="0">
+            <a:schemeClr val="accent1"/>
+          </a:effectRef>
+          <a:fontRef idx="minor">
+            <a:schemeClr val="tx1"/>
+          </a:fontRef>
+        </p:style>
+      </p:cxnSp>
+      <p:cxnSp>
+        <p:nvCxnSpPr>
+          <p:cNvPr id="35" name="直線コネクタ 34">
+            <a:extLst>
+              <a:ext uri="{FF2B5EF4-FFF2-40B4-BE49-F238E27FC236}">
+                <a16:creationId xmlns:a16="http://schemas.microsoft.com/office/drawing/2014/main" id="{49DE2C7B-FCD6-D74C-B3D9-93AEDAF5C114}"/>
+              </a:ext>
+            </a:extLst>
+          </p:cNvPr>
+          <p:cNvCxnSpPr/>
+          <p:nvPr/>
+        </p:nvCxnSpPr>
+        <p:spPr>
+          <a:xfrm>
+            <a:off x="1658104" y="5364873"/>
+            <a:ext cx="4569976" cy="0"/>
+          </a:xfrm>
+          <a:prstGeom prst="line">
+            <a:avLst/>
+          </a:prstGeom>
+          <a:ln>
+            <a:solidFill>
+              <a:schemeClr val="tx1"/>
+            </a:solidFill>
+            <a:prstDash val="dash"/>
+          </a:ln>
+        </p:spPr>
+        <p:style>
+          <a:lnRef idx="1">
+            <a:schemeClr val="accent1"/>
+          </a:lnRef>
+          <a:fillRef idx="0">
+            <a:schemeClr val="accent1"/>
+          </a:fillRef>
+          <a:effectRef idx="0">
+            <a:schemeClr val="accent1"/>
+          </a:effectRef>
+          <a:fontRef idx="minor">
+            <a:schemeClr val="tx1"/>
+          </a:fontRef>
+        </p:style>
+      </p:cxnSp>
+      <p:cxnSp>
+        <p:nvCxnSpPr>
+          <p:cNvPr id="36" name="直線コネクタ 35">
+            <a:extLst>
+              <a:ext uri="{FF2B5EF4-FFF2-40B4-BE49-F238E27FC236}">
+                <a16:creationId xmlns:a16="http://schemas.microsoft.com/office/drawing/2014/main" id="{A4BDABEB-656F-8A4D-81DB-B08A3AFE6939}"/>
+              </a:ext>
+            </a:extLst>
+          </p:cNvPr>
+          <p:cNvCxnSpPr/>
+          <p:nvPr/>
+        </p:nvCxnSpPr>
+        <p:spPr>
+          <a:xfrm>
+            <a:off x="1658104" y="6000563"/>
+            <a:ext cx="4569976" cy="0"/>
+          </a:xfrm>
+          <a:prstGeom prst="line">
+            <a:avLst/>
+          </a:prstGeom>
+          <a:ln>
+            <a:solidFill>
+              <a:schemeClr val="tx1"/>
+            </a:solidFill>
+            <a:prstDash val="dash"/>
+          </a:ln>
+        </p:spPr>
+        <p:style>
+          <a:lnRef idx="1">
+            <a:schemeClr val="accent1"/>
+          </a:lnRef>
+          <a:fillRef idx="0">
+            <a:schemeClr val="accent1"/>
+          </a:fillRef>
+          <a:effectRef idx="0">
+            <a:schemeClr val="accent1"/>
+          </a:effectRef>
+          <a:fontRef idx="minor">
+            <a:schemeClr val="tx1"/>
+          </a:fontRef>
+        </p:style>
+      </p:cxnSp>
+      <p:cxnSp>
+        <p:nvCxnSpPr>
+          <p:cNvPr id="37" name="直線コネクタ 36">
+            <a:extLst>
+              <a:ext uri="{FF2B5EF4-FFF2-40B4-BE49-F238E27FC236}">
+                <a16:creationId xmlns:a16="http://schemas.microsoft.com/office/drawing/2014/main" id="{607F0AEC-5AFA-E543-A53C-E12D13CB72E7}"/>
+              </a:ext>
+            </a:extLst>
+          </p:cNvPr>
+          <p:cNvCxnSpPr/>
+          <p:nvPr/>
+        </p:nvCxnSpPr>
+        <p:spPr>
+          <a:xfrm>
+            <a:off x="1658104" y="6636252"/>
+            <a:ext cx="4569976" cy="0"/>
+          </a:xfrm>
+          <a:prstGeom prst="line">
+            <a:avLst/>
+          </a:prstGeom>
+          <a:ln>
+            <a:solidFill>
+              <a:schemeClr val="tx1"/>
+            </a:solidFill>
+            <a:prstDash val="dash"/>
+          </a:ln>
+        </p:spPr>
+        <p:style>
+          <a:lnRef idx="1">
+            <a:schemeClr val="accent1"/>
+          </a:lnRef>
+          <a:fillRef idx="0">
+            <a:schemeClr val="accent1"/>
+          </a:fillRef>
+          <a:effectRef idx="0">
+            <a:schemeClr val="accent1"/>
+          </a:effectRef>
+          <a:fontRef idx="minor">
+            <a:schemeClr val="tx1"/>
+          </a:fontRef>
+        </p:style>
+      </p:cxnSp>
+      <p:sp>
+        <p:nvSpPr>
+          <p:cNvPr id="38" name="正方形/長方形 37">
+            <a:extLst>
+              <a:ext uri="{FF2B5EF4-FFF2-40B4-BE49-F238E27FC236}">
+                <a16:creationId xmlns:a16="http://schemas.microsoft.com/office/drawing/2014/main" id="{787A95A7-E02B-4C4A-97AC-67E5D892DA6A}"/>
+              </a:ext>
+            </a:extLst>
+          </p:cNvPr>
+          <p:cNvSpPr/>
+          <p:nvPr/>
+        </p:nvSpPr>
+        <p:spPr>
+          <a:xfrm>
+            <a:off x="1684318" y="4093493"/>
+            <a:ext cx="1267011" cy="629136"/>
+          </a:xfrm>
+          <a:prstGeom prst="rect">
+            <a:avLst/>
+          </a:prstGeom>
+          <a:solidFill>
+            <a:srgbClr val="FF0000"/>
+          </a:solidFill>
+        </p:spPr>
+        <p:style>
+          <a:lnRef idx="2">
+            <a:schemeClr val="accent1">
+              <a:shade val="50000"/>
+            </a:schemeClr>
+          </a:lnRef>
+          <a:fillRef idx="1">
+            <a:schemeClr val="accent1"/>
+          </a:fillRef>
+          <a:effectRef idx="0">
+            <a:schemeClr val="accent1"/>
+          </a:effectRef>
+          <a:fontRef idx="minor">
+            <a:schemeClr val="lt1"/>
+          </a:fontRef>
+        </p:style>
+        <p:txBody>
+          <a:bodyPr rtlCol="0" anchor="ctr"/>
+          <a:lstStyle/>
+          <a:p>
+            <a:pPr algn="ctr"/>
+            <a:r>
+              <a:rPr kumimoji="1" lang="en-US" altLang="ja-JP" sz="1200"/>
+              <a:t>1</a:t>
+            </a:r>
+            <a:r>
+              <a:rPr kumimoji="1" lang="ja-JP" altLang="en-US" sz="1200"/>
+              <a:t>ノードジョブ</a:t>
+            </a:r>
+            <a:endParaRPr kumimoji="1" lang="en-US" altLang="ja-JP" sz="1200"/>
+          </a:p>
+          <a:p>
+            <a:pPr algn="ctr"/>
+            <a:r>
+              <a:rPr kumimoji="1" lang="en-US" altLang="ja-JP" sz="1200"/>
+              <a:t>(</a:t>
+            </a:r>
+            <a:r>
+              <a:rPr kumimoji="1" lang="ja-JP" altLang="en-US" sz="1200"/>
+              <a:t>実行中</a:t>
+            </a:r>
+            <a:r>
+              <a:rPr kumimoji="1" lang="en-US" altLang="ja-JP" sz="1200"/>
+              <a:t>)</a:t>
+            </a:r>
+            <a:endParaRPr kumimoji="1" lang="ja-JP" altLang="en-US" sz="1200"/>
+          </a:p>
+        </p:txBody>
+      </p:sp>
+      <p:cxnSp>
+        <p:nvCxnSpPr>
+          <p:cNvPr id="39" name="直線矢印コネクタ 38">
+            <a:extLst>
+              <a:ext uri="{FF2B5EF4-FFF2-40B4-BE49-F238E27FC236}">
+                <a16:creationId xmlns:a16="http://schemas.microsoft.com/office/drawing/2014/main" id="{208F809C-B5DB-5343-B230-332C26ECDA36}"/>
+              </a:ext>
+            </a:extLst>
+          </p:cNvPr>
+          <p:cNvCxnSpPr/>
+          <p:nvPr/>
+        </p:nvCxnSpPr>
+        <p:spPr>
+          <a:xfrm>
+            <a:off x="1684318" y="3875043"/>
+            <a:ext cx="0" cy="218450"/>
+          </a:xfrm>
+          <a:prstGeom prst="straightConnector1">
+            <a:avLst/>
+          </a:prstGeom>
+          <a:ln>
+            <a:solidFill>
+              <a:schemeClr val="tx1"/>
+            </a:solidFill>
+            <a:tailEnd type="triangle"/>
+          </a:ln>
+        </p:spPr>
+        <p:style>
+          <a:lnRef idx="1">
+            <a:schemeClr val="accent1"/>
+          </a:lnRef>
+          <a:fillRef idx="0">
+            <a:schemeClr val="accent1"/>
+          </a:fillRef>
+          <a:effectRef idx="0">
+            <a:schemeClr val="accent1"/>
+          </a:effectRef>
+          <a:fontRef idx="minor">
+            <a:schemeClr val="tx1"/>
+          </a:fontRef>
+        </p:style>
+      </p:cxnSp>
+      <p:sp>
+        <p:nvSpPr>
+          <p:cNvPr id="40" name="テキスト ボックス 39">
+            <a:extLst>
+              <a:ext uri="{FF2B5EF4-FFF2-40B4-BE49-F238E27FC236}">
+                <a16:creationId xmlns:a16="http://schemas.microsoft.com/office/drawing/2014/main" id="{AA797177-1DE4-D04C-85FF-A7CC03354595}"/>
+              </a:ext>
+            </a:extLst>
+          </p:cNvPr>
+          <p:cNvSpPr txBox="1"/>
+          <p:nvPr/>
+        </p:nvSpPr>
+        <p:spPr>
+          <a:xfrm>
+            <a:off x="1282576" y="3591367"/>
+            <a:ext cx="776453" cy="264700"/>
+          </a:xfrm>
+          <a:prstGeom prst="rect">
+            <a:avLst/>
+          </a:prstGeom>
+          <a:noFill/>
+        </p:spPr>
+        <p:txBody>
+          <a:bodyPr wrap="none" rtlCol="0">
+            <a:spAutoFit/>
+          </a:bodyPr>
+          <a:lstStyle/>
+          <a:p>
+            <a:r>
+              <a:rPr kumimoji="1" lang="ja-JP" altLang="en-US" sz="1400"/>
+              <a:t>現在時刻</a:t>
+            </a:r>
+          </a:p>
+        </p:txBody>
+      </p:sp>
+      <p:cxnSp>
+        <p:nvCxnSpPr>
+          <p:cNvPr id="41" name="直線矢印コネクタ 40">
+            <a:extLst>
+              <a:ext uri="{FF2B5EF4-FFF2-40B4-BE49-F238E27FC236}">
+                <a16:creationId xmlns:a16="http://schemas.microsoft.com/office/drawing/2014/main" id="{56148B38-84F7-6C42-AFF0-DFF8E4BECF79}"/>
+              </a:ext>
+            </a:extLst>
+          </p:cNvPr>
+          <p:cNvCxnSpPr/>
+          <p:nvPr/>
+        </p:nvCxnSpPr>
+        <p:spPr>
+          <a:xfrm>
+            <a:off x="2951329" y="3875043"/>
+            <a:ext cx="0" cy="218450"/>
+          </a:xfrm>
+          <a:prstGeom prst="straightConnector1">
+            <a:avLst/>
+          </a:prstGeom>
+          <a:ln>
+            <a:solidFill>
+              <a:schemeClr val="tx1"/>
+            </a:solidFill>
+            <a:tailEnd type="triangle"/>
+          </a:ln>
+        </p:spPr>
+        <p:style>
+          <a:lnRef idx="1">
+            <a:schemeClr val="accent1"/>
+          </a:lnRef>
+          <a:fillRef idx="0">
+            <a:schemeClr val="accent1"/>
+          </a:fillRef>
+          <a:effectRef idx="0">
+            <a:schemeClr val="accent1"/>
+          </a:effectRef>
+          <a:fontRef idx="minor">
+            <a:schemeClr val="tx1"/>
+          </a:fontRef>
+        </p:style>
+      </p:cxnSp>
+      <p:sp>
+        <p:nvSpPr>
+          <p:cNvPr id="42" name="テキスト ボックス 41">
+            <a:extLst>
+              <a:ext uri="{FF2B5EF4-FFF2-40B4-BE49-F238E27FC236}">
+                <a16:creationId xmlns:a16="http://schemas.microsoft.com/office/drawing/2014/main" id="{11E2F8E0-E6D2-B14B-B009-504E0D519A34}"/>
+              </a:ext>
+            </a:extLst>
+          </p:cNvPr>
+          <p:cNvSpPr txBox="1"/>
+          <p:nvPr/>
+        </p:nvSpPr>
+        <p:spPr>
+          <a:xfrm>
+            <a:off x="2458146" y="3581207"/>
+            <a:ext cx="1085270" cy="264700"/>
+          </a:xfrm>
+          <a:prstGeom prst="rect">
+            <a:avLst/>
+          </a:prstGeom>
+          <a:noFill/>
+        </p:spPr>
+        <p:txBody>
+          <a:bodyPr wrap="none" rtlCol="0">
+            <a:spAutoFit/>
+          </a:bodyPr>
+          <a:lstStyle/>
+          <a:p>
+            <a:r>
+              <a:rPr kumimoji="1" lang="ja-JP" altLang="en-US" sz="1400"/>
+              <a:t>終了予定時刻</a:t>
+            </a:r>
+          </a:p>
+        </p:txBody>
+      </p:sp>
+      <p:sp>
+        <p:nvSpPr>
+          <p:cNvPr id="43" name="正方形/長方形 42">
+            <a:extLst>
+              <a:ext uri="{FF2B5EF4-FFF2-40B4-BE49-F238E27FC236}">
+                <a16:creationId xmlns:a16="http://schemas.microsoft.com/office/drawing/2014/main" id="{35A6C508-EB50-A140-8BAD-3FEF40D23990}"/>
+              </a:ext>
+            </a:extLst>
+          </p:cNvPr>
+          <p:cNvSpPr/>
+          <p:nvPr/>
+        </p:nvSpPr>
+        <p:spPr>
+          <a:xfrm>
+            <a:off x="2960067" y="4093493"/>
+            <a:ext cx="1511675" cy="2534021"/>
+          </a:xfrm>
+          <a:prstGeom prst="rect">
+            <a:avLst/>
+          </a:prstGeom>
+        </p:spPr>
+        <p:style>
+          <a:lnRef idx="2">
+            <a:schemeClr val="accent1">
+              <a:shade val="50000"/>
+            </a:schemeClr>
+          </a:lnRef>
+          <a:fillRef idx="1">
+            <a:schemeClr val="accent1"/>
+          </a:fillRef>
+          <a:effectRef idx="0">
+            <a:schemeClr val="accent1"/>
+          </a:effectRef>
+          <a:fontRef idx="minor">
+            <a:schemeClr val="lt1"/>
+          </a:fontRef>
+        </p:style>
+        <p:txBody>
+          <a:bodyPr rtlCol="0" anchor="ctr"/>
+          <a:lstStyle/>
+          <a:p>
+            <a:pPr algn="ctr"/>
+            <a:r>
+              <a:rPr kumimoji="1" lang="en-US" altLang="ja-JP" sz="1400"/>
+              <a:t>4</a:t>
+            </a:r>
+            <a:r>
+              <a:rPr kumimoji="1" lang="ja-JP" altLang="en-US" sz="1400"/>
+              <a:t>ノードジョブ</a:t>
+            </a:r>
+          </a:p>
+        </p:txBody>
+      </p:sp>
+      <p:sp>
+        <p:nvSpPr>
+          <p:cNvPr id="47" name="テキスト ボックス 46">
+            <a:extLst>
+              <a:ext uri="{FF2B5EF4-FFF2-40B4-BE49-F238E27FC236}">
+                <a16:creationId xmlns:a16="http://schemas.microsoft.com/office/drawing/2014/main" id="{CC5DDED7-AF12-1447-B0D6-648CED9C676C}"/>
+              </a:ext>
+            </a:extLst>
+          </p:cNvPr>
+          <p:cNvSpPr txBox="1"/>
+          <p:nvPr/>
+        </p:nvSpPr>
+        <p:spPr>
+          <a:xfrm>
+            <a:off x="1797912" y="6138186"/>
+            <a:ext cx="952921" cy="317640"/>
+          </a:xfrm>
+          <a:prstGeom prst="rect">
+            <a:avLst/>
+          </a:prstGeom>
+          <a:noFill/>
+        </p:spPr>
+        <p:txBody>
+          <a:bodyPr wrap="none" rtlCol="0">
+            <a:spAutoFit/>
+          </a:bodyPr>
+          <a:lstStyle/>
+          <a:p>
+            <a:r>
+              <a:rPr lang="ja-JP" altLang="en-US"/>
+              <a:t>空き資源</a:t>
+            </a:r>
+            <a:endParaRPr kumimoji="1" lang="ja-JP" altLang="en-US"/>
+          </a:p>
+        </p:txBody>
+      </p:sp>
+      <p:sp>
+        <p:nvSpPr>
+          <p:cNvPr id="48" name="正方形/長方形 47">
+            <a:extLst>
+              <a:ext uri="{FF2B5EF4-FFF2-40B4-BE49-F238E27FC236}">
+                <a16:creationId xmlns:a16="http://schemas.microsoft.com/office/drawing/2014/main" id="{15306B6C-D093-8349-9DF7-8DB63528A91A}"/>
+              </a:ext>
+            </a:extLst>
+          </p:cNvPr>
+          <p:cNvSpPr/>
+          <p:nvPr/>
+        </p:nvSpPr>
+        <p:spPr>
+          <a:xfrm>
+            <a:off x="4490638" y="1971041"/>
+            <a:ext cx="1564721" cy="619760"/>
+          </a:xfrm>
+          <a:prstGeom prst="rect">
+            <a:avLst/>
+          </a:prstGeom>
+        </p:spPr>
+        <p:style>
+          <a:lnRef idx="2">
+            <a:schemeClr val="accent1">
+              <a:shade val="50000"/>
+            </a:schemeClr>
+          </a:lnRef>
+          <a:fillRef idx="1">
+            <a:schemeClr val="accent1"/>
+          </a:fillRef>
+          <a:effectRef idx="0">
+            <a:schemeClr val="accent1"/>
+          </a:effectRef>
+          <a:fontRef idx="minor">
+            <a:schemeClr val="lt1"/>
+          </a:fontRef>
+        </p:style>
+        <p:txBody>
+          <a:bodyPr rtlCol="0" anchor="ctr"/>
+          <a:lstStyle/>
+          <a:p>
+            <a:pPr algn="ctr"/>
+            <a:r>
+              <a:rPr kumimoji="1" lang="ja-JP" altLang="en-US" sz="1400"/>
+              <a:t>長い</a:t>
+            </a:r>
+            <a:endParaRPr lang="en-US" altLang="ja-JP" sz="1400"/>
+          </a:p>
+          <a:p>
+            <a:pPr algn="ctr"/>
+            <a:r>
+              <a:rPr kumimoji="1" lang="en-US" altLang="ja-JP" sz="1400"/>
+              <a:t>1</a:t>
+            </a:r>
+            <a:r>
+              <a:rPr kumimoji="1" lang="ja-JP" altLang="en-US" sz="1400"/>
+              <a:t>ノードジョブ</a:t>
+            </a:r>
+          </a:p>
+        </p:txBody>
+      </p:sp>
+      <p:sp>
+        <p:nvSpPr>
+          <p:cNvPr id="49" name="正方形/長方形 48">
+            <a:extLst>
+              <a:ext uri="{FF2B5EF4-FFF2-40B4-BE49-F238E27FC236}">
+                <a16:creationId xmlns:a16="http://schemas.microsoft.com/office/drawing/2014/main" id="{F99CE9C8-4F5D-6B4A-86DD-CEFC3A06ED02}"/>
+              </a:ext>
+            </a:extLst>
+          </p:cNvPr>
+          <p:cNvSpPr/>
+          <p:nvPr/>
+        </p:nvSpPr>
+        <p:spPr>
+          <a:xfrm>
+            <a:off x="1676319" y="4743732"/>
+            <a:ext cx="926228" cy="1260827"/>
+          </a:xfrm>
+          <a:prstGeom prst="rect">
+            <a:avLst/>
+          </a:prstGeom>
+          <a:solidFill>
+            <a:srgbClr val="FF0000"/>
+          </a:solidFill>
+        </p:spPr>
+        <p:style>
+          <a:lnRef idx="2">
+            <a:schemeClr val="accent1">
+              <a:shade val="50000"/>
+            </a:schemeClr>
+          </a:lnRef>
+          <a:fillRef idx="1">
+            <a:schemeClr val="accent1"/>
+          </a:fillRef>
+          <a:effectRef idx="0">
+            <a:schemeClr val="accent1"/>
+          </a:effectRef>
+          <a:fontRef idx="minor">
+            <a:schemeClr val="lt1"/>
+          </a:fontRef>
+        </p:style>
+        <p:txBody>
+          <a:bodyPr rtlCol="0" anchor="ctr"/>
+          <a:lstStyle/>
+          <a:p>
+            <a:pPr algn="ctr"/>
+            <a:r>
+              <a:rPr kumimoji="1" lang="ja-JP" altLang="en-US" sz="1400"/>
+              <a:t>短い</a:t>
+            </a:r>
+            <a:endParaRPr lang="en-US" altLang="ja-JP" sz="1400"/>
+          </a:p>
+          <a:p>
+            <a:pPr algn="ctr"/>
+            <a:r>
+              <a:rPr lang="en-US" altLang="ja-JP" sz="1400"/>
+              <a:t>2</a:t>
+            </a:r>
+            <a:r>
+              <a:rPr kumimoji="1" lang="ja-JP" altLang="en-US" sz="1400"/>
+              <a:t>ノードジョブ</a:t>
+            </a:r>
+          </a:p>
+        </p:txBody>
+      </p:sp>
+      <p:sp>
+        <p:nvSpPr>
+          <p:cNvPr id="50" name="正方形/長方形 49">
+            <a:extLst>
+              <a:ext uri="{FF2B5EF4-FFF2-40B4-BE49-F238E27FC236}">
+                <a16:creationId xmlns:a16="http://schemas.microsoft.com/office/drawing/2014/main" id="{257F6C84-7F0D-6546-A5AB-5DF8A6D6DAA3}"/>
+              </a:ext>
+            </a:extLst>
+          </p:cNvPr>
+          <p:cNvSpPr/>
+          <p:nvPr/>
+        </p:nvSpPr>
+        <p:spPr>
+          <a:xfrm>
+            <a:off x="4480478" y="5374641"/>
+            <a:ext cx="1564721" cy="619760"/>
+          </a:xfrm>
+          <a:prstGeom prst="rect">
+            <a:avLst/>
+          </a:prstGeom>
+        </p:spPr>
+        <p:style>
+          <a:lnRef idx="2">
+            <a:schemeClr val="accent1">
+              <a:shade val="50000"/>
+            </a:schemeClr>
+          </a:lnRef>
+          <a:fillRef idx="1">
+            <a:schemeClr val="accent1"/>
+          </a:fillRef>
+          <a:effectRef idx="0">
+            <a:schemeClr val="accent1"/>
+          </a:effectRef>
+          <a:fontRef idx="minor">
+            <a:schemeClr val="lt1"/>
+          </a:fontRef>
+        </p:style>
+        <p:txBody>
+          <a:bodyPr rtlCol="0" anchor="ctr"/>
+          <a:lstStyle/>
+          <a:p>
+            <a:pPr algn="ctr"/>
+            <a:r>
+              <a:rPr kumimoji="1" lang="ja-JP" altLang="en-US" sz="1400"/>
+              <a:t>長い</a:t>
+            </a:r>
+            <a:endParaRPr lang="en-US" altLang="ja-JP" sz="1400"/>
+          </a:p>
+          <a:p>
+            <a:pPr algn="ctr"/>
+            <a:r>
+              <a:rPr kumimoji="1" lang="en-US" altLang="ja-JP" sz="1400"/>
+              <a:t>1</a:t>
+            </a:r>
+            <a:r>
+              <a:rPr kumimoji="1" lang="ja-JP" altLang="en-US" sz="1400"/>
+              <a:t>ノードジョブ</a:t>
+            </a:r>
+          </a:p>
+        </p:txBody>
+      </p:sp>
+      <p:sp>
+        <p:nvSpPr>
+          <p:cNvPr id="51" name="正方形/長方形 50">
+            <a:extLst>
+              <a:ext uri="{FF2B5EF4-FFF2-40B4-BE49-F238E27FC236}">
+                <a16:creationId xmlns:a16="http://schemas.microsoft.com/office/drawing/2014/main" id="{8F9CCB10-A425-C44F-AD9B-60178ED63DAD}"/>
+              </a:ext>
+            </a:extLst>
+          </p:cNvPr>
+          <p:cNvSpPr/>
+          <p:nvPr/>
+        </p:nvSpPr>
+        <p:spPr>
+          <a:xfrm>
+            <a:off x="4490639" y="4103652"/>
+            <a:ext cx="926228" cy="1260827"/>
+          </a:xfrm>
+          <a:prstGeom prst="rect">
+            <a:avLst/>
+          </a:prstGeom>
+          <a:noFill/>
+          <a:ln w="38100">
+            <a:prstDash val="sysDash"/>
+          </a:ln>
+        </p:spPr>
+        <p:style>
+          <a:lnRef idx="2">
+            <a:schemeClr val="accent1">
+              <a:shade val="50000"/>
+            </a:schemeClr>
+          </a:lnRef>
+          <a:fillRef idx="1">
+            <a:schemeClr val="accent1"/>
+          </a:fillRef>
+          <a:effectRef idx="0">
+            <a:schemeClr val="accent1"/>
+          </a:effectRef>
+          <a:fontRef idx="minor">
+            <a:schemeClr val="lt1"/>
+          </a:fontRef>
+        </p:style>
+        <p:txBody>
+          <a:bodyPr rtlCol="0" anchor="ctr"/>
+          <a:lstStyle/>
+          <a:p>
+            <a:pPr algn="ctr"/>
+            <a:endParaRPr kumimoji="1" lang="ja-JP" altLang="en-US" sz="1400"/>
+          </a:p>
+        </p:txBody>
+      </p:sp>
+      <p:sp>
+        <p:nvSpPr>
+          <p:cNvPr id="52" name="左矢印 51">
+            <a:extLst>
+              <a:ext uri="{FF2B5EF4-FFF2-40B4-BE49-F238E27FC236}">
+                <a16:creationId xmlns:a16="http://schemas.microsoft.com/office/drawing/2014/main" id="{6744BE43-5454-C145-A34F-D2E668CED3DD}"/>
+              </a:ext>
+            </a:extLst>
+          </p:cNvPr>
+          <p:cNvSpPr/>
+          <p:nvPr/>
+        </p:nvSpPr>
+        <p:spPr>
+          <a:xfrm rot="20625338">
+            <a:off x="2659036" y="4815961"/>
+            <a:ext cx="2140888" cy="234441"/>
+          </a:xfrm>
+          <a:prstGeom prst="leftArrow">
+            <a:avLst/>
+          </a:prstGeom>
+          <a:solidFill>
+            <a:srgbClr val="FF0000"/>
+          </a:solidFill>
+          <a:ln>
+            <a:solidFill>
+              <a:schemeClr val="tx1"/>
+            </a:solidFill>
+          </a:ln>
+        </p:spPr>
+        <p:style>
+          <a:lnRef idx="2">
+            <a:schemeClr val="accent1">
+              <a:shade val="50000"/>
+            </a:schemeClr>
+          </a:lnRef>
+          <a:fillRef idx="1">
+            <a:schemeClr val="accent1"/>
+          </a:fillRef>
+          <a:effectRef idx="0">
+            <a:schemeClr val="accent1"/>
+          </a:effectRef>
+          <a:fontRef idx="minor">
+            <a:schemeClr val="lt1"/>
+          </a:fontRef>
+        </p:style>
+        <p:txBody>
+          <a:bodyPr rtlCol="0" anchor="ctr"/>
+          <a:lstStyle/>
+          <a:p>
+            <a:pPr algn="ctr"/>
+            <a:endParaRPr kumimoji="1" lang="ja-JP" altLang="en-US"/>
+          </a:p>
+        </p:txBody>
+      </p:sp>
+      <p:sp>
+        <p:nvSpPr>
+          <p:cNvPr id="53" name="テキスト ボックス 52">
+            <a:extLst>
+              <a:ext uri="{FF2B5EF4-FFF2-40B4-BE49-F238E27FC236}">
+                <a16:creationId xmlns:a16="http://schemas.microsoft.com/office/drawing/2014/main" id="{7D0626AA-1FB3-AC45-BB8E-BAED6D1B1056}"/>
+              </a:ext>
+            </a:extLst>
+          </p:cNvPr>
+          <p:cNvSpPr txBox="1"/>
+          <p:nvPr/>
+        </p:nvSpPr>
+        <p:spPr>
+          <a:xfrm>
+            <a:off x="6360160" y="680720"/>
+            <a:ext cx="2969083" cy="738664"/>
+          </a:xfrm>
+          <a:prstGeom prst="rect">
+            <a:avLst/>
+          </a:prstGeom>
+          <a:noFill/>
+        </p:spPr>
+        <p:txBody>
+          <a:bodyPr wrap="none" rtlCol="0">
+            <a:spAutoFit/>
+          </a:bodyPr>
+          <a:lstStyle/>
+          <a:p>
+            <a:r>
+              <a:rPr kumimoji="1" lang="en-US" altLang="ja-JP" sz="1400"/>
+              <a:t>1</a:t>
+            </a:r>
+            <a:r>
+              <a:rPr kumimoji="1" lang="ja-JP" altLang="en-US" sz="1400"/>
+              <a:t>ノードジョブが実行中</a:t>
+            </a:r>
+            <a:endParaRPr kumimoji="1" lang="en-US" altLang="ja-JP" sz="1400"/>
+          </a:p>
+          <a:p>
+            <a:r>
+              <a:rPr lang="en-US" altLang="ja-JP" sz="1400"/>
+              <a:t>4</a:t>
+            </a:r>
+            <a:r>
+              <a:rPr lang="ja-JP" altLang="en-US" sz="1400"/>
+              <a:t>ノードジョブが待っている</a:t>
+            </a:r>
+            <a:endParaRPr lang="en-US" altLang="ja-JP" sz="1400"/>
+          </a:p>
+          <a:p>
+            <a:r>
+              <a:rPr lang="ja-JP" altLang="en-US" sz="1400"/>
+              <a:t>その後に短い</a:t>
+            </a:r>
+            <a:r>
+              <a:rPr lang="en-US" altLang="ja-JP" sz="1400"/>
+              <a:t>2</a:t>
+            </a:r>
+            <a:r>
+              <a:rPr lang="ja-JP" altLang="en-US" sz="1400"/>
+              <a:t>ノードジョブが来た</a:t>
+            </a:r>
+            <a:endParaRPr lang="en-US" altLang="ja-JP" sz="1400"/>
+          </a:p>
+        </p:txBody>
+      </p:sp>
+      <p:sp>
+        <p:nvSpPr>
+          <p:cNvPr id="56" name="テキスト ボックス 55">
+            <a:extLst>
+              <a:ext uri="{FF2B5EF4-FFF2-40B4-BE49-F238E27FC236}">
+                <a16:creationId xmlns:a16="http://schemas.microsoft.com/office/drawing/2014/main" id="{85519E67-B5E1-084F-AB64-6EF16B3A7CB8}"/>
+              </a:ext>
+            </a:extLst>
+          </p:cNvPr>
+          <p:cNvSpPr txBox="1"/>
+          <p:nvPr/>
+        </p:nvSpPr>
+        <p:spPr>
+          <a:xfrm>
+            <a:off x="7391718" y="5008880"/>
+            <a:ext cx="492443" cy="1118255"/>
+          </a:xfrm>
+          <a:prstGeom prst="rect">
+            <a:avLst/>
+          </a:prstGeom>
+          <a:noFill/>
+        </p:spPr>
+        <p:txBody>
+          <a:bodyPr vert="eaVert" wrap="none" rtlCol="0">
+            <a:spAutoFit/>
+          </a:bodyPr>
+          <a:lstStyle/>
+          <a:p>
+            <a:r>
+              <a:rPr kumimoji="1" lang="ja-JP" altLang="en-US" sz="2000" b="1"/>
+              <a:t>計画通り</a:t>
+            </a:r>
+          </a:p>
+        </p:txBody>
+      </p:sp>
+      <p:pic>
+        <p:nvPicPr>
+          <p:cNvPr id="57" name="図 56">
+            <a:extLst>
+              <a:ext uri="{FF2B5EF4-FFF2-40B4-BE49-F238E27FC236}">
+                <a16:creationId xmlns:a16="http://schemas.microsoft.com/office/drawing/2014/main" id="{9C3E1DF7-B544-7544-B60A-9D017ECC751B}"/>
+              </a:ext>
+            </a:extLst>
+          </p:cNvPr>
+          <p:cNvPicPr>
+            <a:picLocks noChangeAspect="1"/>
+          </p:cNvPicPr>
+          <p:nvPr/>
+        </p:nvPicPr>
+        <p:blipFill>
+          <a:blip r:embed="rId3"/>
+          <a:stretch>
+            <a:fillRect/>
+          </a:stretch>
+        </p:blipFill>
+        <p:spPr>
+          <a:xfrm>
+            <a:off x="7561580" y="4980940"/>
+            <a:ext cx="1572260" cy="1572260"/>
+          </a:xfrm>
+          <a:prstGeom prst="rect">
+            <a:avLst/>
+          </a:prstGeom>
+        </p:spPr>
+      </p:pic>
+      <p:sp>
+        <p:nvSpPr>
+          <p:cNvPr id="58" name="テキスト ボックス 57">
+            <a:extLst>
+              <a:ext uri="{FF2B5EF4-FFF2-40B4-BE49-F238E27FC236}">
+                <a16:creationId xmlns:a16="http://schemas.microsoft.com/office/drawing/2014/main" id="{3ECF81AF-545C-BC43-A276-84911C53DF80}"/>
+              </a:ext>
+            </a:extLst>
+          </p:cNvPr>
+          <p:cNvSpPr txBox="1"/>
+          <p:nvPr/>
+        </p:nvSpPr>
+        <p:spPr>
+          <a:xfrm>
+            <a:off x="6329680" y="4003040"/>
+            <a:ext cx="3057247" cy="738664"/>
+          </a:xfrm>
+          <a:prstGeom prst="rect">
+            <a:avLst/>
+          </a:prstGeom>
+          <a:noFill/>
+        </p:spPr>
+        <p:txBody>
+          <a:bodyPr wrap="none" rtlCol="0">
+            <a:spAutoFit/>
+          </a:bodyPr>
+          <a:lstStyle/>
+          <a:p>
+            <a:r>
+              <a:rPr lang="ja-JP" altLang="en-US" sz="1400"/>
+              <a:t>後から投げられた</a:t>
+            </a:r>
+            <a:r>
+              <a:rPr lang="en-US" altLang="ja-JP" sz="1400"/>
+              <a:t>2</a:t>
+            </a:r>
+            <a:r>
+              <a:rPr lang="ja-JP" altLang="en-US" sz="1400"/>
+              <a:t>ノードジョブが</a:t>
+            </a:r>
+            <a:endParaRPr lang="en-US" altLang="ja-JP" sz="1400"/>
+          </a:p>
+          <a:p>
+            <a:r>
+              <a:rPr lang="ja-JP" altLang="en-US" sz="1400"/>
+              <a:t>前のジョブを追い越して実行される</a:t>
+            </a:r>
+            <a:endParaRPr lang="en-US" altLang="ja-JP" sz="1400"/>
+          </a:p>
+          <a:p>
+            <a:r>
+              <a:rPr lang="en-US" altLang="ja-JP" sz="1400"/>
+              <a:t>(</a:t>
+            </a:r>
+            <a:r>
+              <a:rPr lang="ja-JP" altLang="en-US" sz="1400"/>
+              <a:t>バックフィル</a:t>
+            </a:r>
+            <a:r>
+              <a:rPr lang="en-US" altLang="ja-JP" sz="1400"/>
+              <a:t>)</a:t>
+            </a:r>
+          </a:p>
+        </p:txBody>
+      </p:sp>
+    </p:spTree>
+    <p:extLst>
+      <p:ext uri="{BB962C8B-B14F-4D97-AF65-F5344CB8AC3E}">
+        <p14:creationId xmlns:p14="http://schemas.microsoft.com/office/powerpoint/2010/main" val="3795565698"/>
       </p:ext>
     </p:extLst>
   </p:cSld>

--- a/day2/fig/fig.pptx
+++ b/day2/fig/fig.pptx
@@ -11,7 +11,8 @@
     <p:sldId id="259" r:id="rId5"/>
     <p:sldId id="260" r:id="rId6"/>
     <p:sldId id="261" r:id="rId7"/>
-    <p:sldId id="262" r:id="rId8"/>
+    <p:sldId id="263" r:id="rId8"/>
+    <p:sldId id="262" r:id="rId9"/>
   </p:sldIdLst>
   <p:sldSz cx="9906000" cy="6858000" type="A4"/>
   <p:notesSz cx="6858000" cy="9144000"/>
@@ -248,7 +249,7 @@
           <a:lstStyle/>
           <a:p>
             <a:fld id="{ACB7CCA1-9DD8-A242-AF72-AF27A73B7972}" type="datetimeFigureOut">
-              <a:t>2018/10/16</a:t>
+              <a:t>2018/10/29</a:t>
             </a:fld>
             <a:endParaRPr kumimoji="1" lang="ja-JP" altLang="en-US"/>
           </a:p>
@@ -424,7 +425,7 @@
           <a:lstStyle/>
           <a:p>
             <a:fld id="{ACB7CCA1-9DD8-A242-AF72-AF27A73B7972}" type="datetimeFigureOut">
-              <a:t>2018/10/16</a:t>
+              <a:t>2018/10/29</a:t>
             </a:fld>
             <a:endParaRPr kumimoji="1" lang="ja-JP" altLang="en-US"/>
           </a:p>
@@ -610,7 +611,7 @@
           <a:lstStyle/>
           <a:p>
             <a:fld id="{ACB7CCA1-9DD8-A242-AF72-AF27A73B7972}" type="datetimeFigureOut">
-              <a:t>2018/10/16</a:t>
+              <a:t>2018/10/29</a:t>
             </a:fld>
             <a:endParaRPr kumimoji="1" lang="ja-JP" altLang="en-US"/>
           </a:p>
@@ -786,7 +787,7 @@
           <a:lstStyle/>
           <a:p>
             <a:fld id="{ACB7CCA1-9DD8-A242-AF72-AF27A73B7972}" type="datetimeFigureOut">
-              <a:t>2018/10/16</a:t>
+              <a:t>2018/10/29</a:t>
             </a:fld>
             <a:endParaRPr kumimoji="1" lang="ja-JP" altLang="en-US"/>
           </a:p>
@@ -1065,7 +1066,7 @@
           <a:lstStyle/>
           <a:p>
             <a:fld id="{ACB7CCA1-9DD8-A242-AF72-AF27A73B7972}" type="datetimeFigureOut">
-              <a:t>2018/10/16</a:t>
+              <a:t>2018/10/29</a:t>
             </a:fld>
             <a:endParaRPr kumimoji="1" lang="ja-JP" altLang="en-US"/>
           </a:p>
@@ -1311,7 +1312,7 @@
           <a:lstStyle/>
           <a:p>
             <a:fld id="{ACB7CCA1-9DD8-A242-AF72-AF27A73B7972}" type="datetimeFigureOut">
-              <a:t>2018/10/16</a:t>
+              <a:t>2018/10/29</a:t>
             </a:fld>
             <a:endParaRPr kumimoji="1" lang="ja-JP" altLang="en-US"/>
           </a:p>
@@ -1766,7 +1767,7 @@
           <a:lstStyle/>
           <a:p>
             <a:fld id="{ACB7CCA1-9DD8-A242-AF72-AF27A73B7972}" type="datetimeFigureOut">
-              <a:t>2018/10/16</a:t>
+              <a:t>2018/10/29</a:t>
             </a:fld>
             <a:endParaRPr kumimoji="1" lang="ja-JP" altLang="en-US"/>
           </a:p>
@@ -1882,7 +1883,7 @@
           <a:lstStyle/>
           <a:p>
             <a:fld id="{ACB7CCA1-9DD8-A242-AF72-AF27A73B7972}" type="datetimeFigureOut">
-              <a:t>2018/10/16</a:t>
+              <a:t>2018/10/29</a:t>
             </a:fld>
             <a:endParaRPr kumimoji="1" lang="ja-JP" altLang="en-US"/>
           </a:p>
@@ -1975,7 +1976,7 @@
           <a:lstStyle/>
           <a:p>
             <a:fld id="{ACB7CCA1-9DD8-A242-AF72-AF27A73B7972}" type="datetimeFigureOut">
-              <a:t>2018/10/16</a:t>
+              <a:t>2018/10/29</a:t>
             </a:fld>
             <a:endParaRPr kumimoji="1" lang="ja-JP" altLang="en-US"/>
           </a:p>
@@ -2295,7 +2296,7 @@
           <a:lstStyle/>
           <a:p>
             <a:fld id="{ACB7CCA1-9DD8-A242-AF72-AF27A73B7972}" type="datetimeFigureOut">
-              <a:t>2018/10/16</a:t>
+              <a:t>2018/10/29</a:t>
             </a:fld>
             <a:endParaRPr kumimoji="1" lang="ja-JP" altLang="en-US"/>
           </a:p>
@@ -2587,7 +2588,7 @@
           <a:lstStyle/>
           <a:p>
             <a:fld id="{ACB7CCA1-9DD8-A242-AF72-AF27A73B7972}" type="datetimeFigureOut">
-              <a:t>2018/10/16</a:t>
+              <a:t>2018/10/29</a:t>
             </a:fld>
             <a:endParaRPr kumimoji="1" lang="ja-JP" altLang="en-US"/>
           </a:p>
@@ -2806,7 +2807,7 @@
           </a:lstStyle>
           <a:p>
             <a:fld id="{ACB7CCA1-9DD8-A242-AF72-AF27A73B7972}" type="datetimeFigureOut">
-              <a:t>2018/10/16</a:t>
+              <a:t>2018/10/29</a:t>
             </a:fld>
             <a:endParaRPr kumimoji="1" lang="ja-JP" altLang="en-US"/>
           </a:p>
@@ -7161,6 +7162,2882 @@
           <a:chExt cx="0" cy="0"/>
         </a:xfrm>
       </p:grpSpPr>
+      <p:sp>
+        <p:nvSpPr>
+          <p:cNvPr id="72" name="角丸四角形 71">
+            <a:extLst>
+              <a:ext uri="{FF2B5EF4-FFF2-40B4-BE49-F238E27FC236}">
+                <a16:creationId xmlns:a16="http://schemas.microsoft.com/office/drawing/2014/main" id="{D844A245-EEB9-8640-8634-96927EF7E256}"/>
+              </a:ext>
+            </a:extLst>
+          </p:cNvPr>
+          <p:cNvSpPr/>
+          <p:nvPr/>
+        </p:nvSpPr>
+        <p:spPr>
+          <a:xfrm>
+            <a:off x="1496616" y="548680"/>
+            <a:ext cx="1080120" cy="4392488"/>
+          </a:xfrm>
+          <a:prstGeom prst="roundRect">
+            <a:avLst/>
+          </a:prstGeom>
+          <a:solidFill>
+            <a:schemeClr val="accent2">
+              <a:lumMod val="20000"/>
+              <a:lumOff val="80000"/>
+            </a:schemeClr>
+          </a:solidFill>
+          <a:ln>
+            <a:prstDash val="dashDot"/>
+          </a:ln>
+        </p:spPr>
+        <p:style>
+          <a:lnRef idx="2">
+            <a:schemeClr val="accent1">
+              <a:shade val="50000"/>
+            </a:schemeClr>
+          </a:lnRef>
+          <a:fillRef idx="1">
+            <a:schemeClr val="accent1"/>
+          </a:fillRef>
+          <a:effectRef idx="0">
+            <a:schemeClr val="accent1"/>
+          </a:effectRef>
+          <a:fontRef idx="minor">
+            <a:schemeClr val="lt1"/>
+          </a:fontRef>
+        </p:style>
+        <p:txBody>
+          <a:bodyPr rtlCol="0" anchor="ctr"/>
+          <a:lstStyle/>
+          <a:p>
+            <a:pPr algn="ctr"/>
+            <a:endParaRPr kumimoji="1" lang="ja-JP" altLang="en-US"/>
+          </a:p>
+        </p:txBody>
+      </p:sp>
+      <p:pic>
+        <p:nvPicPr>
+          <p:cNvPr id="4" name="図 3">
+            <a:extLst>
+              <a:ext uri="{FF2B5EF4-FFF2-40B4-BE49-F238E27FC236}">
+                <a16:creationId xmlns:a16="http://schemas.microsoft.com/office/drawing/2014/main" id="{22EDC908-3A5C-4441-8B70-C85F782DCBF8}"/>
+              </a:ext>
+            </a:extLst>
+          </p:cNvPr>
+          <p:cNvPicPr>
+            <a:picLocks noChangeAspect="1"/>
+          </p:cNvPicPr>
+          <p:nvPr/>
+        </p:nvPicPr>
+        <p:blipFill>
+          <a:blip r:embed="rId2"/>
+          <a:stretch>
+            <a:fillRect/>
+          </a:stretch>
+        </p:blipFill>
+        <p:spPr>
+          <a:xfrm>
+            <a:off x="307340" y="5978781"/>
+            <a:ext cx="705594" cy="705594"/>
+          </a:xfrm>
+          <a:prstGeom prst="rect">
+            <a:avLst/>
+          </a:prstGeom>
+        </p:spPr>
+      </p:pic>
+      <p:pic>
+        <p:nvPicPr>
+          <p:cNvPr id="5" name="図 4">
+            <a:extLst>
+              <a:ext uri="{FF2B5EF4-FFF2-40B4-BE49-F238E27FC236}">
+                <a16:creationId xmlns:a16="http://schemas.microsoft.com/office/drawing/2014/main" id="{8272E4D1-FBDD-724C-A871-367D35DD8885}"/>
+              </a:ext>
+            </a:extLst>
+          </p:cNvPr>
+          <p:cNvPicPr>
+            <a:picLocks noChangeAspect="1"/>
+          </p:cNvPicPr>
+          <p:nvPr/>
+        </p:nvPicPr>
+        <p:blipFill>
+          <a:blip r:embed="rId2"/>
+          <a:stretch>
+            <a:fillRect/>
+          </a:stretch>
+        </p:blipFill>
+        <p:spPr>
+          <a:xfrm>
+            <a:off x="1218353" y="5978781"/>
+            <a:ext cx="705594" cy="705594"/>
+          </a:xfrm>
+          <a:prstGeom prst="rect">
+            <a:avLst/>
+          </a:prstGeom>
+        </p:spPr>
+      </p:pic>
+      <p:pic>
+        <p:nvPicPr>
+          <p:cNvPr id="6" name="図 5">
+            <a:extLst>
+              <a:ext uri="{FF2B5EF4-FFF2-40B4-BE49-F238E27FC236}">
+                <a16:creationId xmlns:a16="http://schemas.microsoft.com/office/drawing/2014/main" id="{169FC48C-347D-8C4B-986E-AAAA8080BC3C}"/>
+              </a:ext>
+            </a:extLst>
+          </p:cNvPr>
+          <p:cNvPicPr>
+            <a:picLocks noChangeAspect="1"/>
+          </p:cNvPicPr>
+          <p:nvPr/>
+        </p:nvPicPr>
+        <p:blipFill>
+          <a:blip r:embed="rId2"/>
+          <a:stretch>
+            <a:fillRect/>
+          </a:stretch>
+        </p:blipFill>
+        <p:spPr>
+          <a:xfrm>
+            <a:off x="2129366" y="5978781"/>
+            <a:ext cx="705594" cy="705594"/>
+          </a:xfrm>
+          <a:prstGeom prst="rect">
+            <a:avLst/>
+          </a:prstGeom>
+        </p:spPr>
+      </p:pic>
+      <p:pic>
+        <p:nvPicPr>
+          <p:cNvPr id="7" name="図 6">
+            <a:extLst>
+              <a:ext uri="{FF2B5EF4-FFF2-40B4-BE49-F238E27FC236}">
+                <a16:creationId xmlns:a16="http://schemas.microsoft.com/office/drawing/2014/main" id="{79508A8A-96B9-DE4E-91F5-9D22A12B84CB}"/>
+              </a:ext>
+            </a:extLst>
+          </p:cNvPr>
+          <p:cNvPicPr>
+            <a:picLocks noChangeAspect="1"/>
+          </p:cNvPicPr>
+          <p:nvPr/>
+        </p:nvPicPr>
+        <p:blipFill>
+          <a:blip r:embed="rId2"/>
+          <a:stretch>
+            <a:fillRect/>
+          </a:stretch>
+        </p:blipFill>
+        <p:spPr>
+          <a:xfrm>
+            <a:off x="3040380" y="5978781"/>
+            <a:ext cx="705594" cy="705594"/>
+          </a:xfrm>
+          <a:prstGeom prst="rect">
+            <a:avLst/>
+          </a:prstGeom>
+        </p:spPr>
+      </p:pic>
+      <p:sp>
+        <p:nvSpPr>
+          <p:cNvPr id="48" name="正方形/長方形 47">
+            <a:extLst>
+              <a:ext uri="{FF2B5EF4-FFF2-40B4-BE49-F238E27FC236}">
+                <a16:creationId xmlns:a16="http://schemas.microsoft.com/office/drawing/2014/main" id="{9F6C7257-FD0B-F54B-B527-A3183923CA27}"/>
+              </a:ext>
+            </a:extLst>
+          </p:cNvPr>
+          <p:cNvSpPr/>
+          <p:nvPr/>
+        </p:nvSpPr>
+        <p:spPr>
+          <a:xfrm>
+            <a:off x="241599" y="5261893"/>
+            <a:ext cx="774402" cy="629136"/>
+          </a:xfrm>
+          <a:prstGeom prst="rect">
+            <a:avLst/>
+          </a:prstGeom>
+          <a:solidFill>
+            <a:srgbClr val="FF0000"/>
+          </a:solidFill>
+          <a:ln>
+            <a:solidFill>
+              <a:schemeClr val="tx1"/>
+            </a:solidFill>
+          </a:ln>
+        </p:spPr>
+        <p:style>
+          <a:lnRef idx="2">
+            <a:schemeClr val="accent1">
+              <a:shade val="50000"/>
+            </a:schemeClr>
+          </a:lnRef>
+          <a:fillRef idx="1">
+            <a:schemeClr val="accent1"/>
+          </a:fillRef>
+          <a:effectRef idx="0">
+            <a:schemeClr val="accent1"/>
+          </a:effectRef>
+          <a:fontRef idx="minor">
+            <a:schemeClr val="lt1"/>
+          </a:fontRef>
+        </p:style>
+        <p:txBody>
+          <a:bodyPr rtlCol="0" anchor="ctr"/>
+          <a:lstStyle/>
+          <a:p>
+            <a:pPr algn="ctr"/>
+            <a:r>
+              <a:rPr kumimoji="1" lang="en-US" altLang="ja-JP" sz="1200"/>
+              <a:t>A</a:t>
+            </a:r>
+            <a:r>
+              <a:rPr kumimoji="1" lang="ja-JP" altLang="en-US" sz="1200"/>
+              <a:t>さんのジョブ</a:t>
+            </a:r>
+            <a:endParaRPr kumimoji="1" lang="en-US" altLang="ja-JP" sz="1200"/>
+          </a:p>
+          <a:p>
+            <a:pPr algn="ctr"/>
+            <a:r>
+              <a:rPr lang="en-US" altLang="ja-JP" sz="1200"/>
+              <a:t>(</a:t>
+            </a:r>
+            <a:r>
+              <a:rPr lang="ja-JP" altLang="en-US" sz="1200"/>
+              <a:t>実行中</a:t>
+            </a:r>
+            <a:r>
+              <a:rPr lang="en-US" altLang="ja-JP" sz="1200"/>
+              <a:t>)</a:t>
+            </a:r>
+            <a:endParaRPr kumimoji="1" lang="ja-JP" altLang="en-US" sz="1200"/>
+          </a:p>
+        </p:txBody>
+      </p:sp>
+      <p:sp>
+        <p:nvSpPr>
+          <p:cNvPr id="57" name="正方形/長方形 56">
+            <a:extLst>
+              <a:ext uri="{FF2B5EF4-FFF2-40B4-BE49-F238E27FC236}">
+                <a16:creationId xmlns:a16="http://schemas.microsoft.com/office/drawing/2014/main" id="{E65549DA-8D77-1048-8C81-ED42D7D999EB}"/>
+              </a:ext>
+            </a:extLst>
+          </p:cNvPr>
+          <p:cNvSpPr/>
+          <p:nvPr/>
+        </p:nvSpPr>
+        <p:spPr>
+          <a:xfrm>
+            <a:off x="1196639" y="5272053"/>
+            <a:ext cx="774402" cy="629136"/>
+          </a:xfrm>
+          <a:prstGeom prst="rect">
+            <a:avLst/>
+          </a:prstGeom>
+          <a:solidFill>
+            <a:srgbClr val="FF0000"/>
+          </a:solidFill>
+          <a:ln>
+            <a:solidFill>
+              <a:schemeClr val="tx1"/>
+            </a:solidFill>
+          </a:ln>
+        </p:spPr>
+        <p:style>
+          <a:lnRef idx="2">
+            <a:schemeClr val="accent1">
+              <a:shade val="50000"/>
+            </a:schemeClr>
+          </a:lnRef>
+          <a:fillRef idx="1">
+            <a:schemeClr val="accent1"/>
+          </a:fillRef>
+          <a:effectRef idx="0">
+            <a:schemeClr val="accent1"/>
+          </a:effectRef>
+          <a:fontRef idx="minor">
+            <a:schemeClr val="lt1"/>
+          </a:fontRef>
+        </p:style>
+        <p:txBody>
+          <a:bodyPr rtlCol="0" anchor="ctr"/>
+          <a:lstStyle/>
+          <a:p>
+            <a:pPr algn="ctr"/>
+            <a:r>
+              <a:rPr kumimoji="1" lang="en-US" altLang="ja-JP" sz="1200"/>
+              <a:t>A</a:t>
+            </a:r>
+            <a:r>
+              <a:rPr kumimoji="1" lang="ja-JP" altLang="en-US" sz="1200"/>
+              <a:t>さんのジョブ</a:t>
+            </a:r>
+            <a:endParaRPr kumimoji="1" lang="en-US" altLang="ja-JP" sz="1200"/>
+          </a:p>
+          <a:p>
+            <a:pPr algn="ctr"/>
+            <a:r>
+              <a:rPr lang="en-US" altLang="ja-JP" sz="1200"/>
+              <a:t>(</a:t>
+            </a:r>
+            <a:r>
+              <a:rPr lang="ja-JP" altLang="en-US" sz="1200"/>
+              <a:t>実行中</a:t>
+            </a:r>
+            <a:r>
+              <a:rPr lang="en-US" altLang="ja-JP" sz="1200"/>
+              <a:t>)</a:t>
+            </a:r>
+            <a:endParaRPr kumimoji="1" lang="ja-JP" altLang="en-US" sz="1200"/>
+          </a:p>
+        </p:txBody>
+      </p:sp>
+      <p:sp>
+        <p:nvSpPr>
+          <p:cNvPr id="58" name="正方形/長方形 57">
+            <a:extLst>
+              <a:ext uri="{FF2B5EF4-FFF2-40B4-BE49-F238E27FC236}">
+                <a16:creationId xmlns:a16="http://schemas.microsoft.com/office/drawing/2014/main" id="{3368829B-799B-9042-A272-31AB9D5250A3}"/>
+              </a:ext>
+            </a:extLst>
+          </p:cNvPr>
+          <p:cNvSpPr/>
+          <p:nvPr/>
+        </p:nvSpPr>
+        <p:spPr>
+          <a:xfrm>
+            <a:off x="2131359" y="5272053"/>
+            <a:ext cx="774402" cy="629136"/>
+          </a:xfrm>
+          <a:prstGeom prst="rect">
+            <a:avLst/>
+          </a:prstGeom>
+          <a:solidFill>
+            <a:srgbClr val="FF0000"/>
+          </a:solidFill>
+          <a:ln>
+            <a:solidFill>
+              <a:schemeClr val="tx1"/>
+            </a:solidFill>
+          </a:ln>
+        </p:spPr>
+        <p:style>
+          <a:lnRef idx="2">
+            <a:schemeClr val="accent1">
+              <a:shade val="50000"/>
+            </a:schemeClr>
+          </a:lnRef>
+          <a:fillRef idx="1">
+            <a:schemeClr val="accent1"/>
+          </a:fillRef>
+          <a:effectRef idx="0">
+            <a:schemeClr val="accent1"/>
+          </a:effectRef>
+          <a:fontRef idx="minor">
+            <a:schemeClr val="lt1"/>
+          </a:fontRef>
+        </p:style>
+        <p:txBody>
+          <a:bodyPr rtlCol="0" anchor="ctr"/>
+          <a:lstStyle/>
+          <a:p>
+            <a:pPr algn="ctr"/>
+            <a:r>
+              <a:rPr kumimoji="1" lang="en-US" altLang="ja-JP" sz="1200"/>
+              <a:t>A</a:t>
+            </a:r>
+            <a:r>
+              <a:rPr kumimoji="1" lang="ja-JP" altLang="en-US" sz="1200"/>
+              <a:t>さんのジョブ</a:t>
+            </a:r>
+            <a:endParaRPr kumimoji="1" lang="en-US" altLang="ja-JP" sz="1200"/>
+          </a:p>
+          <a:p>
+            <a:pPr algn="ctr"/>
+            <a:r>
+              <a:rPr lang="en-US" altLang="ja-JP" sz="1200"/>
+              <a:t>(</a:t>
+            </a:r>
+            <a:r>
+              <a:rPr lang="ja-JP" altLang="en-US" sz="1200"/>
+              <a:t>実行中</a:t>
+            </a:r>
+            <a:r>
+              <a:rPr lang="en-US" altLang="ja-JP" sz="1200"/>
+              <a:t>)</a:t>
+            </a:r>
+            <a:endParaRPr kumimoji="1" lang="ja-JP" altLang="en-US" sz="1200"/>
+          </a:p>
+        </p:txBody>
+      </p:sp>
+      <p:sp>
+        <p:nvSpPr>
+          <p:cNvPr id="59" name="正方形/長方形 58">
+            <a:extLst>
+              <a:ext uri="{FF2B5EF4-FFF2-40B4-BE49-F238E27FC236}">
+                <a16:creationId xmlns:a16="http://schemas.microsoft.com/office/drawing/2014/main" id="{09F7C3C2-D77F-A64D-B5CC-C441C0424782}"/>
+              </a:ext>
+            </a:extLst>
+          </p:cNvPr>
+          <p:cNvSpPr/>
+          <p:nvPr/>
+        </p:nvSpPr>
+        <p:spPr>
+          <a:xfrm>
+            <a:off x="3055919" y="5282213"/>
+            <a:ext cx="774402" cy="629136"/>
+          </a:xfrm>
+          <a:prstGeom prst="rect">
+            <a:avLst/>
+          </a:prstGeom>
+          <a:solidFill>
+            <a:srgbClr val="FF0000"/>
+          </a:solidFill>
+          <a:ln>
+            <a:solidFill>
+              <a:schemeClr val="tx1"/>
+            </a:solidFill>
+          </a:ln>
+        </p:spPr>
+        <p:style>
+          <a:lnRef idx="2">
+            <a:schemeClr val="accent1">
+              <a:shade val="50000"/>
+            </a:schemeClr>
+          </a:lnRef>
+          <a:fillRef idx="1">
+            <a:schemeClr val="accent1"/>
+          </a:fillRef>
+          <a:effectRef idx="0">
+            <a:schemeClr val="accent1"/>
+          </a:effectRef>
+          <a:fontRef idx="minor">
+            <a:schemeClr val="lt1"/>
+          </a:fontRef>
+        </p:style>
+        <p:txBody>
+          <a:bodyPr rtlCol="0" anchor="ctr"/>
+          <a:lstStyle/>
+          <a:p>
+            <a:pPr algn="ctr"/>
+            <a:r>
+              <a:rPr kumimoji="1" lang="en-US" altLang="ja-JP" sz="1200"/>
+              <a:t>A</a:t>
+            </a:r>
+            <a:r>
+              <a:rPr kumimoji="1" lang="ja-JP" altLang="en-US" sz="1200"/>
+              <a:t>さんのジョブ</a:t>
+            </a:r>
+            <a:endParaRPr kumimoji="1" lang="en-US" altLang="ja-JP" sz="1200"/>
+          </a:p>
+          <a:p>
+            <a:pPr algn="ctr"/>
+            <a:r>
+              <a:rPr lang="en-US" altLang="ja-JP" sz="1200"/>
+              <a:t>(</a:t>
+            </a:r>
+            <a:r>
+              <a:rPr lang="ja-JP" altLang="en-US" sz="1200"/>
+              <a:t>実行中</a:t>
+            </a:r>
+            <a:r>
+              <a:rPr lang="en-US" altLang="ja-JP" sz="1200"/>
+              <a:t>)</a:t>
+            </a:r>
+            <a:endParaRPr kumimoji="1" lang="ja-JP" altLang="en-US" sz="1200"/>
+          </a:p>
+        </p:txBody>
+      </p:sp>
+      <p:sp>
+        <p:nvSpPr>
+          <p:cNvPr id="63" name="正方形/長方形 62">
+            <a:extLst>
+              <a:ext uri="{FF2B5EF4-FFF2-40B4-BE49-F238E27FC236}">
+                <a16:creationId xmlns:a16="http://schemas.microsoft.com/office/drawing/2014/main" id="{F8F4657E-8DB4-0244-903E-72DC40CC62B4}"/>
+              </a:ext>
+            </a:extLst>
+          </p:cNvPr>
+          <p:cNvSpPr/>
+          <p:nvPr/>
+        </p:nvSpPr>
+        <p:spPr>
+          <a:xfrm>
+            <a:off x="1640632" y="3789040"/>
+            <a:ext cx="792088" cy="432048"/>
+          </a:xfrm>
+          <a:prstGeom prst="rect">
+            <a:avLst/>
+          </a:prstGeom>
+          <a:solidFill>
+            <a:srgbClr val="FF0000"/>
+          </a:solidFill>
+          <a:ln>
+            <a:solidFill>
+              <a:schemeClr val="tx1"/>
+            </a:solidFill>
+          </a:ln>
+        </p:spPr>
+        <p:style>
+          <a:lnRef idx="2">
+            <a:schemeClr val="accent1">
+              <a:shade val="50000"/>
+            </a:schemeClr>
+          </a:lnRef>
+          <a:fillRef idx="1">
+            <a:schemeClr val="accent1"/>
+          </a:fillRef>
+          <a:effectRef idx="0">
+            <a:schemeClr val="accent1"/>
+          </a:effectRef>
+          <a:fontRef idx="minor">
+            <a:schemeClr val="lt1"/>
+          </a:fontRef>
+        </p:style>
+        <p:txBody>
+          <a:bodyPr rtlCol="0" anchor="ctr"/>
+          <a:lstStyle/>
+          <a:p>
+            <a:pPr algn="ctr"/>
+            <a:r>
+              <a:rPr kumimoji="1" lang="en-US" altLang="ja-JP" sz="1200"/>
+              <a:t>A</a:t>
+            </a:r>
+            <a:r>
+              <a:rPr kumimoji="1" lang="ja-JP" altLang="en-US" sz="1200"/>
+              <a:t>さんのジョブ</a:t>
+            </a:r>
+            <a:endParaRPr kumimoji="1" lang="en-US" altLang="ja-JP" sz="1200"/>
+          </a:p>
+        </p:txBody>
+      </p:sp>
+      <p:sp>
+        <p:nvSpPr>
+          <p:cNvPr id="64" name="正方形/長方形 63">
+            <a:extLst>
+              <a:ext uri="{FF2B5EF4-FFF2-40B4-BE49-F238E27FC236}">
+                <a16:creationId xmlns:a16="http://schemas.microsoft.com/office/drawing/2014/main" id="{95C12553-0CA1-354A-8DFA-52071126223F}"/>
+              </a:ext>
+            </a:extLst>
+          </p:cNvPr>
+          <p:cNvSpPr/>
+          <p:nvPr/>
+        </p:nvSpPr>
+        <p:spPr>
+          <a:xfrm>
+            <a:off x="1640632" y="4221088"/>
+            <a:ext cx="792088" cy="432048"/>
+          </a:xfrm>
+          <a:prstGeom prst="rect">
+            <a:avLst/>
+          </a:prstGeom>
+          <a:solidFill>
+            <a:srgbClr val="FF0000"/>
+          </a:solidFill>
+          <a:ln>
+            <a:solidFill>
+              <a:schemeClr val="tx1"/>
+            </a:solidFill>
+          </a:ln>
+        </p:spPr>
+        <p:style>
+          <a:lnRef idx="2">
+            <a:schemeClr val="accent1">
+              <a:shade val="50000"/>
+            </a:schemeClr>
+          </a:lnRef>
+          <a:fillRef idx="1">
+            <a:schemeClr val="accent1"/>
+          </a:fillRef>
+          <a:effectRef idx="0">
+            <a:schemeClr val="accent1"/>
+          </a:effectRef>
+          <a:fontRef idx="minor">
+            <a:schemeClr val="lt1"/>
+          </a:fontRef>
+        </p:style>
+        <p:txBody>
+          <a:bodyPr rtlCol="0" anchor="ctr"/>
+          <a:lstStyle/>
+          <a:p>
+            <a:pPr algn="ctr"/>
+            <a:r>
+              <a:rPr kumimoji="1" lang="en-US" altLang="ja-JP" sz="1200"/>
+              <a:t>A</a:t>
+            </a:r>
+            <a:r>
+              <a:rPr kumimoji="1" lang="ja-JP" altLang="en-US" sz="1200"/>
+              <a:t>さんのジョブ</a:t>
+            </a:r>
+            <a:endParaRPr kumimoji="1" lang="en-US" altLang="ja-JP" sz="1200"/>
+          </a:p>
+        </p:txBody>
+      </p:sp>
+      <p:sp>
+        <p:nvSpPr>
+          <p:cNvPr id="65" name="正方形/長方形 64">
+            <a:extLst>
+              <a:ext uri="{FF2B5EF4-FFF2-40B4-BE49-F238E27FC236}">
+                <a16:creationId xmlns:a16="http://schemas.microsoft.com/office/drawing/2014/main" id="{AE20A666-1AAC-2C44-8BCF-ECFC90CA040C}"/>
+              </a:ext>
+            </a:extLst>
+          </p:cNvPr>
+          <p:cNvSpPr/>
+          <p:nvPr/>
+        </p:nvSpPr>
+        <p:spPr>
+          <a:xfrm>
+            <a:off x="1640632" y="2924944"/>
+            <a:ext cx="792088" cy="432048"/>
+          </a:xfrm>
+          <a:prstGeom prst="rect">
+            <a:avLst/>
+          </a:prstGeom>
+          <a:solidFill>
+            <a:srgbClr val="FF0000"/>
+          </a:solidFill>
+          <a:ln>
+            <a:solidFill>
+              <a:schemeClr val="tx1"/>
+            </a:solidFill>
+          </a:ln>
+        </p:spPr>
+        <p:style>
+          <a:lnRef idx="2">
+            <a:schemeClr val="accent1">
+              <a:shade val="50000"/>
+            </a:schemeClr>
+          </a:lnRef>
+          <a:fillRef idx="1">
+            <a:schemeClr val="accent1"/>
+          </a:fillRef>
+          <a:effectRef idx="0">
+            <a:schemeClr val="accent1"/>
+          </a:effectRef>
+          <a:fontRef idx="minor">
+            <a:schemeClr val="lt1"/>
+          </a:fontRef>
+        </p:style>
+        <p:txBody>
+          <a:bodyPr rtlCol="0" anchor="ctr"/>
+          <a:lstStyle/>
+          <a:p>
+            <a:pPr algn="ctr"/>
+            <a:r>
+              <a:rPr kumimoji="1" lang="en-US" altLang="ja-JP" sz="1200"/>
+              <a:t>A</a:t>
+            </a:r>
+            <a:r>
+              <a:rPr kumimoji="1" lang="ja-JP" altLang="en-US" sz="1200"/>
+              <a:t>さんのジョブ</a:t>
+            </a:r>
+            <a:endParaRPr kumimoji="1" lang="en-US" altLang="ja-JP" sz="1200"/>
+          </a:p>
+        </p:txBody>
+      </p:sp>
+      <p:sp>
+        <p:nvSpPr>
+          <p:cNvPr id="66" name="正方形/長方形 65">
+            <a:extLst>
+              <a:ext uri="{FF2B5EF4-FFF2-40B4-BE49-F238E27FC236}">
+                <a16:creationId xmlns:a16="http://schemas.microsoft.com/office/drawing/2014/main" id="{1AFEBB17-B479-B14C-93BB-C7E31B24959C}"/>
+              </a:ext>
+            </a:extLst>
+          </p:cNvPr>
+          <p:cNvSpPr/>
+          <p:nvPr/>
+        </p:nvSpPr>
+        <p:spPr>
+          <a:xfrm>
+            <a:off x="1640632" y="3356992"/>
+            <a:ext cx="792088" cy="432048"/>
+          </a:xfrm>
+          <a:prstGeom prst="rect">
+            <a:avLst/>
+          </a:prstGeom>
+          <a:solidFill>
+            <a:srgbClr val="FF0000"/>
+          </a:solidFill>
+          <a:ln>
+            <a:solidFill>
+              <a:schemeClr val="tx1"/>
+            </a:solidFill>
+          </a:ln>
+        </p:spPr>
+        <p:style>
+          <a:lnRef idx="2">
+            <a:schemeClr val="accent1">
+              <a:shade val="50000"/>
+            </a:schemeClr>
+          </a:lnRef>
+          <a:fillRef idx="1">
+            <a:schemeClr val="accent1"/>
+          </a:fillRef>
+          <a:effectRef idx="0">
+            <a:schemeClr val="accent1"/>
+          </a:effectRef>
+          <a:fontRef idx="minor">
+            <a:schemeClr val="lt1"/>
+          </a:fontRef>
+        </p:style>
+        <p:txBody>
+          <a:bodyPr rtlCol="0" anchor="ctr"/>
+          <a:lstStyle/>
+          <a:p>
+            <a:pPr algn="ctr"/>
+            <a:r>
+              <a:rPr kumimoji="1" lang="en-US" altLang="ja-JP" sz="1200"/>
+              <a:t>A</a:t>
+            </a:r>
+            <a:r>
+              <a:rPr kumimoji="1" lang="ja-JP" altLang="en-US" sz="1200"/>
+              <a:t>さんのジョブ</a:t>
+            </a:r>
+            <a:endParaRPr kumimoji="1" lang="en-US" altLang="ja-JP" sz="1200"/>
+          </a:p>
+        </p:txBody>
+      </p:sp>
+      <p:sp>
+        <p:nvSpPr>
+          <p:cNvPr id="67" name="正方形/長方形 66">
+            <a:extLst>
+              <a:ext uri="{FF2B5EF4-FFF2-40B4-BE49-F238E27FC236}">
+                <a16:creationId xmlns:a16="http://schemas.microsoft.com/office/drawing/2014/main" id="{89D2A993-36EA-E74D-810D-429983231F97}"/>
+              </a:ext>
+            </a:extLst>
+          </p:cNvPr>
+          <p:cNvSpPr/>
+          <p:nvPr/>
+        </p:nvSpPr>
+        <p:spPr>
+          <a:xfrm>
+            <a:off x="1640632" y="2060848"/>
+            <a:ext cx="792088" cy="432048"/>
+          </a:xfrm>
+          <a:prstGeom prst="rect">
+            <a:avLst/>
+          </a:prstGeom>
+          <a:solidFill>
+            <a:srgbClr val="FF0000"/>
+          </a:solidFill>
+          <a:ln>
+            <a:solidFill>
+              <a:schemeClr val="tx1"/>
+            </a:solidFill>
+          </a:ln>
+        </p:spPr>
+        <p:style>
+          <a:lnRef idx="2">
+            <a:schemeClr val="accent1">
+              <a:shade val="50000"/>
+            </a:schemeClr>
+          </a:lnRef>
+          <a:fillRef idx="1">
+            <a:schemeClr val="accent1"/>
+          </a:fillRef>
+          <a:effectRef idx="0">
+            <a:schemeClr val="accent1"/>
+          </a:effectRef>
+          <a:fontRef idx="minor">
+            <a:schemeClr val="lt1"/>
+          </a:fontRef>
+        </p:style>
+        <p:txBody>
+          <a:bodyPr rtlCol="0" anchor="ctr"/>
+          <a:lstStyle/>
+          <a:p>
+            <a:pPr algn="ctr"/>
+            <a:r>
+              <a:rPr kumimoji="1" lang="en-US" altLang="ja-JP" sz="1200"/>
+              <a:t>A</a:t>
+            </a:r>
+            <a:r>
+              <a:rPr kumimoji="1" lang="ja-JP" altLang="en-US" sz="1200"/>
+              <a:t>さんのジョブ</a:t>
+            </a:r>
+            <a:endParaRPr kumimoji="1" lang="en-US" altLang="ja-JP" sz="1200"/>
+          </a:p>
+        </p:txBody>
+      </p:sp>
+      <p:sp>
+        <p:nvSpPr>
+          <p:cNvPr id="68" name="正方形/長方形 67">
+            <a:extLst>
+              <a:ext uri="{FF2B5EF4-FFF2-40B4-BE49-F238E27FC236}">
+                <a16:creationId xmlns:a16="http://schemas.microsoft.com/office/drawing/2014/main" id="{2C6AA580-D606-3540-9B78-4198D89BD449}"/>
+              </a:ext>
+            </a:extLst>
+          </p:cNvPr>
+          <p:cNvSpPr/>
+          <p:nvPr/>
+        </p:nvSpPr>
+        <p:spPr>
+          <a:xfrm>
+            <a:off x="1640632" y="2492896"/>
+            <a:ext cx="792088" cy="432048"/>
+          </a:xfrm>
+          <a:prstGeom prst="rect">
+            <a:avLst/>
+          </a:prstGeom>
+          <a:solidFill>
+            <a:srgbClr val="FF0000"/>
+          </a:solidFill>
+          <a:ln>
+            <a:solidFill>
+              <a:schemeClr val="tx1"/>
+            </a:solidFill>
+          </a:ln>
+        </p:spPr>
+        <p:style>
+          <a:lnRef idx="2">
+            <a:schemeClr val="accent1">
+              <a:shade val="50000"/>
+            </a:schemeClr>
+          </a:lnRef>
+          <a:fillRef idx="1">
+            <a:schemeClr val="accent1"/>
+          </a:fillRef>
+          <a:effectRef idx="0">
+            <a:schemeClr val="accent1"/>
+          </a:effectRef>
+          <a:fontRef idx="minor">
+            <a:schemeClr val="lt1"/>
+          </a:fontRef>
+        </p:style>
+        <p:txBody>
+          <a:bodyPr rtlCol="0" anchor="ctr"/>
+          <a:lstStyle/>
+          <a:p>
+            <a:pPr algn="ctr"/>
+            <a:r>
+              <a:rPr kumimoji="1" lang="en-US" altLang="ja-JP" sz="1200"/>
+              <a:t>A</a:t>
+            </a:r>
+            <a:r>
+              <a:rPr kumimoji="1" lang="ja-JP" altLang="en-US" sz="1200"/>
+              <a:t>さんのジョブ</a:t>
+            </a:r>
+            <a:endParaRPr kumimoji="1" lang="en-US" altLang="ja-JP" sz="1200"/>
+          </a:p>
+        </p:txBody>
+      </p:sp>
+      <p:sp>
+        <p:nvSpPr>
+          <p:cNvPr id="69" name="正方形/長方形 68">
+            <a:extLst>
+              <a:ext uri="{FF2B5EF4-FFF2-40B4-BE49-F238E27FC236}">
+                <a16:creationId xmlns:a16="http://schemas.microsoft.com/office/drawing/2014/main" id="{FF18B1E8-E550-FB4D-BE2F-842CA65BB0CF}"/>
+              </a:ext>
+            </a:extLst>
+          </p:cNvPr>
+          <p:cNvSpPr/>
+          <p:nvPr/>
+        </p:nvSpPr>
+        <p:spPr>
+          <a:xfrm>
+            <a:off x="1640632" y="1628800"/>
+            <a:ext cx="792088" cy="432048"/>
+          </a:xfrm>
+          <a:prstGeom prst="rect">
+            <a:avLst/>
+          </a:prstGeom>
+          <a:solidFill>
+            <a:srgbClr val="0070C0"/>
+          </a:solidFill>
+          <a:ln>
+            <a:solidFill>
+              <a:schemeClr val="tx1"/>
+            </a:solidFill>
+          </a:ln>
+        </p:spPr>
+        <p:style>
+          <a:lnRef idx="2">
+            <a:schemeClr val="accent1">
+              <a:shade val="50000"/>
+            </a:schemeClr>
+          </a:lnRef>
+          <a:fillRef idx="1">
+            <a:schemeClr val="accent1"/>
+          </a:fillRef>
+          <a:effectRef idx="0">
+            <a:schemeClr val="accent1"/>
+          </a:effectRef>
+          <a:fontRef idx="minor">
+            <a:schemeClr val="lt1"/>
+          </a:fontRef>
+        </p:style>
+        <p:txBody>
+          <a:bodyPr rtlCol="0" anchor="ctr"/>
+          <a:lstStyle/>
+          <a:p>
+            <a:pPr algn="ctr"/>
+            <a:r>
+              <a:rPr kumimoji="1" lang="en-US" altLang="ja-JP" sz="1200"/>
+              <a:t>B</a:t>
+            </a:r>
+            <a:r>
+              <a:rPr kumimoji="1" lang="ja-JP" altLang="en-US" sz="1200"/>
+              <a:t>さんのジョブ</a:t>
+            </a:r>
+            <a:endParaRPr kumimoji="1" lang="en-US" altLang="ja-JP" sz="1200"/>
+          </a:p>
+        </p:txBody>
+      </p:sp>
+      <p:sp>
+        <p:nvSpPr>
+          <p:cNvPr id="71" name="フリーフォーム 70">
+            <a:extLst>
+              <a:ext uri="{FF2B5EF4-FFF2-40B4-BE49-F238E27FC236}">
+                <a16:creationId xmlns:a16="http://schemas.microsoft.com/office/drawing/2014/main" id="{32184734-E8C3-A74D-A6A0-1615B02BA13C}"/>
+              </a:ext>
+            </a:extLst>
+          </p:cNvPr>
+          <p:cNvSpPr/>
+          <p:nvPr/>
+        </p:nvSpPr>
+        <p:spPr>
+          <a:xfrm>
+            <a:off x="2000672" y="1052736"/>
+            <a:ext cx="1080120" cy="432048"/>
+          </a:xfrm>
+          <a:custGeom>
+            <a:avLst/>
+            <a:gdLst>
+              <a:gd name="connsiteX0" fmla="*/ 1300480 w 1300480"/>
+              <a:gd name="connsiteY0" fmla="*/ 368570 h 541290"/>
+              <a:gd name="connsiteX1" fmla="*/ 487680 w 1300480"/>
+              <a:gd name="connsiteY1" fmla="*/ 2810 h 541290"/>
+              <a:gd name="connsiteX2" fmla="*/ 0 w 1300480"/>
+              <a:gd name="connsiteY2" fmla="*/ 541290 h 541290"/>
+            </a:gdLst>
+            <a:ahLst/>
+            <a:cxnLst>
+              <a:cxn ang="0">
+                <a:pos x="connsiteX0" y="connsiteY0"/>
+              </a:cxn>
+              <a:cxn ang="0">
+                <a:pos x="connsiteX1" y="connsiteY1"/>
+              </a:cxn>
+              <a:cxn ang="0">
+                <a:pos x="connsiteX2" y="connsiteY2"/>
+              </a:cxn>
+            </a:cxnLst>
+            <a:rect l="l" t="t" r="r" b="b"/>
+            <a:pathLst>
+              <a:path w="1300480" h="541290">
+                <a:moveTo>
+                  <a:pt x="1300480" y="368570"/>
+                </a:moveTo>
+                <a:cubicBezTo>
+                  <a:pt x="1002453" y="171296"/>
+                  <a:pt x="704426" y="-25977"/>
+                  <a:pt x="487680" y="2810"/>
+                </a:cubicBezTo>
+                <a:cubicBezTo>
+                  <a:pt x="270934" y="31597"/>
+                  <a:pt x="135467" y="286443"/>
+                  <a:pt x="0" y="541290"/>
+                </a:cubicBezTo>
+              </a:path>
+            </a:pathLst>
+          </a:custGeom>
+          <a:noFill/>
+          <a:ln>
+            <a:solidFill>
+              <a:schemeClr val="tx1"/>
+            </a:solidFill>
+            <a:headEnd type="none" w="med" len="med"/>
+            <a:tailEnd type="triangle" w="med" len="med"/>
+          </a:ln>
+        </p:spPr>
+        <p:style>
+          <a:lnRef idx="2">
+            <a:schemeClr val="accent1">
+              <a:shade val="50000"/>
+            </a:schemeClr>
+          </a:lnRef>
+          <a:fillRef idx="1">
+            <a:schemeClr val="accent1"/>
+          </a:fillRef>
+          <a:effectRef idx="0">
+            <a:schemeClr val="accent1"/>
+          </a:effectRef>
+          <a:fontRef idx="minor">
+            <a:schemeClr val="lt1"/>
+          </a:fontRef>
+        </p:style>
+        <p:txBody>
+          <a:bodyPr rtlCol="0" anchor="ctr"/>
+          <a:lstStyle/>
+          <a:p>
+            <a:pPr algn="ctr"/>
+            <a:endParaRPr kumimoji="1" lang="ja-JP" altLang="en-US"/>
+          </a:p>
+        </p:txBody>
+      </p:sp>
+      <p:sp>
+        <p:nvSpPr>
+          <p:cNvPr id="73" name="テキスト ボックス 72">
+            <a:extLst>
+              <a:ext uri="{FF2B5EF4-FFF2-40B4-BE49-F238E27FC236}">
+                <a16:creationId xmlns:a16="http://schemas.microsoft.com/office/drawing/2014/main" id="{0105DB2A-8CC9-774E-A8AB-29085FED24DE}"/>
+              </a:ext>
+            </a:extLst>
+          </p:cNvPr>
+          <p:cNvSpPr txBox="1"/>
+          <p:nvPr/>
+        </p:nvSpPr>
+        <p:spPr>
+          <a:xfrm>
+            <a:off x="1496616" y="116632"/>
+            <a:ext cx="1107996" cy="369332"/>
+          </a:xfrm>
+          <a:prstGeom prst="rect">
+            <a:avLst/>
+          </a:prstGeom>
+          <a:noFill/>
+        </p:spPr>
+        <p:txBody>
+          <a:bodyPr wrap="none" rtlCol="0">
+            <a:spAutoFit/>
+          </a:bodyPr>
+          <a:lstStyle/>
+          <a:p>
+            <a:r>
+              <a:rPr kumimoji="1" lang="ja-JP" altLang="en-US"/>
+              <a:t>待ち行列</a:t>
+            </a:r>
+          </a:p>
+        </p:txBody>
+      </p:sp>
+      <p:pic>
+        <p:nvPicPr>
+          <p:cNvPr id="74" name="図 73">
+            <a:extLst>
+              <a:ext uri="{FF2B5EF4-FFF2-40B4-BE49-F238E27FC236}">
+                <a16:creationId xmlns:a16="http://schemas.microsoft.com/office/drawing/2014/main" id="{173D2171-4F4D-1543-BD2C-A937FC9D5A2E}"/>
+              </a:ext>
+            </a:extLst>
+          </p:cNvPr>
+          <p:cNvPicPr>
+            <a:picLocks noChangeAspect="1"/>
+          </p:cNvPicPr>
+          <p:nvPr/>
+        </p:nvPicPr>
+        <p:blipFill>
+          <a:blip r:embed="rId3"/>
+          <a:stretch>
+            <a:fillRect/>
+          </a:stretch>
+        </p:blipFill>
+        <p:spPr>
+          <a:xfrm>
+            <a:off x="200472" y="2636912"/>
+            <a:ext cx="1079500" cy="1079500"/>
+          </a:xfrm>
+          <a:prstGeom prst="rect">
+            <a:avLst/>
+          </a:prstGeom>
+        </p:spPr>
+      </p:pic>
+      <p:sp>
+        <p:nvSpPr>
+          <p:cNvPr id="75" name="テキスト ボックス 74">
+            <a:extLst>
+              <a:ext uri="{FF2B5EF4-FFF2-40B4-BE49-F238E27FC236}">
+                <a16:creationId xmlns:a16="http://schemas.microsoft.com/office/drawing/2014/main" id="{EE46690B-F2CD-5C44-96F9-C79EA2DD5869}"/>
+              </a:ext>
+            </a:extLst>
+          </p:cNvPr>
+          <p:cNvSpPr txBox="1"/>
+          <p:nvPr/>
+        </p:nvSpPr>
+        <p:spPr>
+          <a:xfrm>
+            <a:off x="344488" y="2276872"/>
+            <a:ext cx="779381" cy="369332"/>
+          </a:xfrm>
+          <a:prstGeom prst="rect">
+            <a:avLst/>
+          </a:prstGeom>
+          <a:noFill/>
+        </p:spPr>
+        <p:txBody>
+          <a:bodyPr wrap="none" rtlCol="0">
+            <a:spAutoFit/>
+          </a:bodyPr>
+          <a:lstStyle/>
+          <a:p>
+            <a:r>
+              <a:rPr kumimoji="1" lang="en-US" altLang="ja-JP"/>
+              <a:t>A</a:t>
+            </a:r>
+            <a:r>
+              <a:rPr kumimoji="1" lang="ja-JP" altLang="en-US"/>
+              <a:t>さん</a:t>
+            </a:r>
+          </a:p>
+        </p:txBody>
+      </p:sp>
+      <p:pic>
+        <p:nvPicPr>
+          <p:cNvPr id="76" name="図 75">
+            <a:extLst>
+              <a:ext uri="{FF2B5EF4-FFF2-40B4-BE49-F238E27FC236}">
+                <a16:creationId xmlns:a16="http://schemas.microsoft.com/office/drawing/2014/main" id="{7223B9A3-EC5A-7B41-BD8F-D3E4E2FC6078}"/>
+              </a:ext>
+            </a:extLst>
+          </p:cNvPr>
+          <p:cNvPicPr>
+            <a:picLocks noChangeAspect="1"/>
+          </p:cNvPicPr>
+          <p:nvPr/>
+        </p:nvPicPr>
+        <p:blipFill>
+          <a:blip r:embed="rId4"/>
+          <a:stretch>
+            <a:fillRect/>
+          </a:stretch>
+        </p:blipFill>
+        <p:spPr>
+          <a:xfrm>
+            <a:off x="2864768" y="1772816"/>
+            <a:ext cx="1079500" cy="1079500"/>
+          </a:xfrm>
+          <a:prstGeom prst="rect">
+            <a:avLst/>
+          </a:prstGeom>
+        </p:spPr>
+      </p:pic>
+      <p:sp>
+        <p:nvSpPr>
+          <p:cNvPr id="77" name="テキスト ボックス 76">
+            <a:extLst>
+              <a:ext uri="{FF2B5EF4-FFF2-40B4-BE49-F238E27FC236}">
+                <a16:creationId xmlns:a16="http://schemas.microsoft.com/office/drawing/2014/main" id="{D84457E4-7AA7-E245-80D7-F6B1334C2474}"/>
+              </a:ext>
+            </a:extLst>
+          </p:cNvPr>
+          <p:cNvSpPr txBox="1"/>
+          <p:nvPr/>
+        </p:nvSpPr>
+        <p:spPr>
+          <a:xfrm>
+            <a:off x="3008784" y="1412776"/>
+            <a:ext cx="779381" cy="369332"/>
+          </a:xfrm>
+          <a:prstGeom prst="rect">
+            <a:avLst/>
+          </a:prstGeom>
+          <a:noFill/>
+        </p:spPr>
+        <p:txBody>
+          <a:bodyPr wrap="none" rtlCol="0">
+            <a:spAutoFit/>
+          </a:bodyPr>
+          <a:lstStyle/>
+          <a:p>
+            <a:r>
+              <a:rPr kumimoji="1" lang="en-US" altLang="ja-JP"/>
+              <a:t>B</a:t>
+            </a:r>
+            <a:r>
+              <a:rPr kumimoji="1" lang="ja-JP" altLang="en-US"/>
+              <a:t>さん</a:t>
+            </a:r>
+          </a:p>
+        </p:txBody>
+      </p:sp>
+      <p:sp>
+        <p:nvSpPr>
+          <p:cNvPr id="78" name="正方形/長方形 77">
+            <a:extLst>
+              <a:ext uri="{FF2B5EF4-FFF2-40B4-BE49-F238E27FC236}">
+                <a16:creationId xmlns:a16="http://schemas.microsoft.com/office/drawing/2014/main" id="{DFD7E56E-41BF-D740-9887-390D97492B27}"/>
+              </a:ext>
+            </a:extLst>
+          </p:cNvPr>
+          <p:cNvSpPr/>
+          <p:nvPr/>
+        </p:nvSpPr>
+        <p:spPr>
+          <a:xfrm>
+            <a:off x="3008784" y="3284984"/>
+            <a:ext cx="1080120" cy="216024"/>
+          </a:xfrm>
+          <a:prstGeom prst="rect">
+            <a:avLst/>
+          </a:prstGeom>
+          <a:solidFill>
+            <a:srgbClr val="00B050"/>
+          </a:solidFill>
+        </p:spPr>
+        <p:style>
+          <a:lnRef idx="2">
+            <a:schemeClr val="accent1">
+              <a:shade val="50000"/>
+            </a:schemeClr>
+          </a:lnRef>
+          <a:fillRef idx="1">
+            <a:schemeClr val="accent1"/>
+          </a:fillRef>
+          <a:effectRef idx="0">
+            <a:schemeClr val="accent1"/>
+          </a:effectRef>
+          <a:fontRef idx="minor">
+            <a:schemeClr val="lt1"/>
+          </a:fontRef>
+        </p:style>
+        <p:txBody>
+          <a:bodyPr rtlCol="0" anchor="ctr"/>
+          <a:lstStyle/>
+          <a:p>
+            <a:pPr algn="ctr"/>
+            <a:endParaRPr kumimoji="1" lang="ja-JP" altLang="en-US"/>
+          </a:p>
+        </p:txBody>
+      </p:sp>
+      <p:sp>
+        <p:nvSpPr>
+          <p:cNvPr id="79" name="テキスト ボックス 78">
+            <a:extLst>
+              <a:ext uri="{FF2B5EF4-FFF2-40B4-BE49-F238E27FC236}">
+                <a16:creationId xmlns:a16="http://schemas.microsoft.com/office/drawing/2014/main" id="{E0D30EA2-F37C-4543-836A-23954F8195F8}"/>
+              </a:ext>
+            </a:extLst>
+          </p:cNvPr>
+          <p:cNvSpPr txBox="1"/>
+          <p:nvPr/>
+        </p:nvSpPr>
+        <p:spPr>
+          <a:xfrm>
+            <a:off x="2936776" y="3068960"/>
+            <a:ext cx="748923" cy="261610"/>
+          </a:xfrm>
+          <a:prstGeom prst="rect">
+            <a:avLst/>
+          </a:prstGeom>
+          <a:noFill/>
+        </p:spPr>
+        <p:txBody>
+          <a:bodyPr wrap="none" rtlCol="0">
+            <a:spAutoFit/>
+          </a:bodyPr>
+          <a:lstStyle/>
+          <a:p>
+            <a:r>
+              <a:rPr kumimoji="1" lang="ja-JP" altLang="en-US" sz="1100"/>
+              <a:t>スタミナ</a:t>
+            </a:r>
+          </a:p>
+        </p:txBody>
+      </p:sp>
+      <p:sp>
+        <p:nvSpPr>
+          <p:cNvPr id="80" name="正方形/長方形 79">
+            <a:extLst>
+              <a:ext uri="{FF2B5EF4-FFF2-40B4-BE49-F238E27FC236}">
+                <a16:creationId xmlns:a16="http://schemas.microsoft.com/office/drawing/2014/main" id="{755E2D18-7654-DB4A-B20A-FD47E0FFDB30}"/>
+              </a:ext>
+            </a:extLst>
+          </p:cNvPr>
+          <p:cNvSpPr/>
+          <p:nvPr/>
+        </p:nvSpPr>
+        <p:spPr>
+          <a:xfrm>
+            <a:off x="272480" y="4005064"/>
+            <a:ext cx="1080120" cy="216024"/>
+          </a:xfrm>
+          <a:prstGeom prst="rect">
+            <a:avLst/>
+          </a:prstGeom>
+          <a:solidFill>
+            <a:schemeClr val="bg1"/>
+          </a:solidFill>
+        </p:spPr>
+        <p:style>
+          <a:lnRef idx="2">
+            <a:schemeClr val="accent1">
+              <a:shade val="50000"/>
+            </a:schemeClr>
+          </a:lnRef>
+          <a:fillRef idx="1">
+            <a:schemeClr val="accent1"/>
+          </a:fillRef>
+          <a:effectRef idx="0">
+            <a:schemeClr val="accent1"/>
+          </a:effectRef>
+          <a:fontRef idx="minor">
+            <a:schemeClr val="lt1"/>
+          </a:fontRef>
+        </p:style>
+        <p:txBody>
+          <a:bodyPr rtlCol="0" anchor="ctr"/>
+          <a:lstStyle/>
+          <a:p>
+            <a:pPr algn="ctr"/>
+            <a:endParaRPr kumimoji="1" lang="ja-JP" altLang="en-US"/>
+          </a:p>
+        </p:txBody>
+      </p:sp>
+      <p:sp>
+        <p:nvSpPr>
+          <p:cNvPr id="81" name="テキスト ボックス 80">
+            <a:extLst>
+              <a:ext uri="{FF2B5EF4-FFF2-40B4-BE49-F238E27FC236}">
+                <a16:creationId xmlns:a16="http://schemas.microsoft.com/office/drawing/2014/main" id="{FA9FC9F8-34C4-F44D-B136-2B04E3F9D78D}"/>
+              </a:ext>
+            </a:extLst>
+          </p:cNvPr>
+          <p:cNvSpPr txBox="1"/>
+          <p:nvPr/>
+        </p:nvSpPr>
+        <p:spPr>
+          <a:xfrm>
+            <a:off x="200472" y="3789040"/>
+            <a:ext cx="748923" cy="261610"/>
+          </a:xfrm>
+          <a:prstGeom prst="rect">
+            <a:avLst/>
+          </a:prstGeom>
+          <a:noFill/>
+        </p:spPr>
+        <p:txBody>
+          <a:bodyPr wrap="none" rtlCol="0">
+            <a:spAutoFit/>
+          </a:bodyPr>
+          <a:lstStyle/>
+          <a:p>
+            <a:r>
+              <a:rPr kumimoji="1" lang="ja-JP" altLang="en-US" sz="1100"/>
+              <a:t>スタミナ</a:t>
+            </a:r>
+          </a:p>
+        </p:txBody>
+      </p:sp>
+      <p:sp>
+        <p:nvSpPr>
+          <p:cNvPr id="82" name="正方形/長方形 81">
+            <a:extLst>
+              <a:ext uri="{FF2B5EF4-FFF2-40B4-BE49-F238E27FC236}">
+                <a16:creationId xmlns:a16="http://schemas.microsoft.com/office/drawing/2014/main" id="{E9D31A80-D786-724D-92F7-DCDEC9E1F774}"/>
+              </a:ext>
+            </a:extLst>
+          </p:cNvPr>
+          <p:cNvSpPr/>
+          <p:nvPr/>
+        </p:nvSpPr>
+        <p:spPr>
+          <a:xfrm>
+            <a:off x="272480" y="4005064"/>
+            <a:ext cx="288032" cy="216024"/>
+          </a:xfrm>
+          <a:prstGeom prst="rect">
+            <a:avLst/>
+          </a:prstGeom>
+          <a:solidFill>
+            <a:srgbClr val="00B050"/>
+          </a:solidFill>
+        </p:spPr>
+        <p:style>
+          <a:lnRef idx="2">
+            <a:schemeClr val="accent1">
+              <a:shade val="50000"/>
+            </a:schemeClr>
+          </a:lnRef>
+          <a:fillRef idx="1">
+            <a:schemeClr val="accent1"/>
+          </a:fillRef>
+          <a:effectRef idx="0">
+            <a:schemeClr val="accent1"/>
+          </a:effectRef>
+          <a:fontRef idx="minor">
+            <a:schemeClr val="lt1"/>
+          </a:fontRef>
+        </p:style>
+        <p:txBody>
+          <a:bodyPr rtlCol="0" anchor="ctr"/>
+          <a:lstStyle/>
+          <a:p>
+            <a:pPr algn="ctr"/>
+            <a:endParaRPr kumimoji="1" lang="ja-JP" altLang="en-US"/>
+          </a:p>
+        </p:txBody>
+      </p:sp>
+      <p:sp>
+        <p:nvSpPr>
+          <p:cNvPr id="83" name="右矢印 82">
+            <a:extLst>
+              <a:ext uri="{FF2B5EF4-FFF2-40B4-BE49-F238E27FC236}">
+                <a16:creationId xmlns:a16="http://schemas.microsoft.com/office/drawing/2014/main" id="{2491EB3D-7263-C24E-A49C-86387DCCC1A1}"/>
+              </a:ext>
+            </a:extLst>
+          </p:cNvPr>
+          <p:cNvSpPr/>
+          <p:nvPr/>
+        </p:nvSpPr>
+        <p:spPr>
+          <a:xfrm>
+            <a:off x="4664968" y="3212976"/>
+            <a:ext cx="446049" cy="490653"/>
+          </a:xfrm>
+          <a:prstGeom prst="rightArrow">
+            <a:avLst/>
+          </a:prstGeom>
+          <a:solidFill>
+            <a:srgbClr val="FF0000"/>
+          </a:solidFill>
+          <a:ln>
+            <a:solidFill>
+              <a:schemeClr val="tx1"/>
+            </a:solidFill>
+          </a:ln>
+        </p:spPr>
+        <p:txBody>
+          <a:bodyPr wrap="square" rtlCol="0" anchor="ctr">
+            <a:spAutoFit/>
+          </a:bodyPr>
+          <a:lstStyle/>
+          <a:p>
+            <a:pPr algn="ctr"/>
+            <a:endParaRPr kumimoji="1" lang="ja-JP" altLang="en-US" sz="2000" dirty="0"/>
+          </a:p>
+        </p:txBody>
+      </p:sp>
+      <p:sp>
+        <p:nvSpPr>
+          <p:cNvPr id="84" name="角丸四角形 83">
+            <a:extLst>
+              <a:ext uri="{FF2B5EF4-FFF2-40B4-BE49-F238E27FC236}">
+                <a16:creationId xmlns:a16="http://schemas.microsoft.com/office/drawing/2014/main" id="{C679F402-8096-5646-AA95-99E8963A2330}"/>
+              </a:ext>
+            </a:extLst>
+          </p:cNvPr>
+          <p:cNvSpPr/>
+          <p:nvPr/>
+        </p:nvSpPr>
+        <p:spPr>
+          <a:xfrm>
+            <a:off x="6753200" y="548680"/>
+            <a:ext cx="1080120" cy="4392488"/>
+          </a:xfrm>
+          <a:prstGeom prst="roundRect">
+            <a:avLst/>
+          </a:prstGeom>
+          <a:solidFill>
+            <a:schemeClr val="accent2">
+              <a:lumMod val="20000"/>
+              <a:lumOff val="80000"/>
+            </a:schemeClr>
+          </a:solidFill>
+          <a:ln>
+            <a:prstDash val="dashDot"/>
+          </a:ln>
+        </p:spPr>
+        <p:style>
+          <a:lnRef idx="2">
+            <a:schemeClr val="accent1">
+              <a:shade val="50000"/>
+            </a:schemeClr>
+          </a:lnRef>
+          <a:fillRef idx="1">
+            <a:schemeClr val="accent1"/>
+          </a:fillRef>
+          <a:effectRef idx="0">
+            <a:schemeClr val="accent1"/>
+          </a:effectRef>
+          <a:fontRef idx="minor">
+            <a:schemeClr val="lt1"/>
+          </a:fontRef>
+        </p:style>
+        <p:txBody>
+          <a:bodyPr rtlCol="0" anchor="ctr"/>
+          <a:lstStyle/>
+          <a:p>
+            <a:pPr algn="ctr"/>
+            <a:endParaRPr kumimoji="1" lang="ja-JP" altLang="en-US"/>
+          </a:p>
+        </p:txBody>
+      </p:sp>
+      <p:pic>
+        <p:nvPicPr>
+          <p:cNvPr id="85" name="図 84">
+            <a:extLst>
+              <a:ext uri="{FF2B5EF4-FFF2-40B4-BE49-F238E27FC236}">
+                <a16:creationId xmlns:a16="http://schemas.microsoft.com/office/drawing/2014/main" id="{81D1716F-4E6C-5C41-8700-63BC6BFF91C5}"/>
+              </a:ext>
+            </a:extLst>
+          </p:cNvPr>
+          <p:cNvPicPr>
+            <a:picLocks noChangeAspect="1"/>
+          </p:cNvPicPr>
+          <p:nvPr/>
+        </p:nvPicPr>
+        <p:blipFill>
+          <a:blip r:embed="rId2"/>
+          <a:stretch>
+            <a:fillRect/>
+          </a:stretch>
+        </p:blipFill>
+        <p:spPr>
+          <a:xfrm>
+            <a:off x="5563924" y="5978781"/>
+            <a:ext cx="705594" cy="705594"/>
+          </a:xfrm>
+          <a:prstGeom prst="rect">
+            <a:avLst/>
+          </a:prstGeom>
+        </p:spPr>
+      </p:pic>
+      <p:pic>
+        <p:nvPicPr>
+          <p:cNvPr id="86" name="図 85">
+            <a:extLst>
+              <a:ext uri="{FF2B5EF4-FFF2-40B4-BE49-F238E27FC236}">
+                <a16:creationId xmlns:a16="http://schemas.microsoft.com/office/drawing/2014/main" id="{909C2173-DF97-904A-9F1C-C2338CC96BDE}"/>
+              </a:ext>
+            </a:extLst>
+          </p:cNvPr>
+          <p:cNvPicPr>
+            <a:picLocks noChangeAspect="1"/>
+          </p:cNvPicPr>
+          <p:nvPr/>
+        </p:nvPicPr>
+        <p:blipFill>
+          <a:blip r:embed="rId2"/>
+          <a:stretch>
+            <a:fillRect/>
+          </a:stretch>
+        </p:blipFill>
+        <p:spPr>
+          <a:xfrm>
+            <a:off x="6474937" y="5978781"/>
+            <a:ext cx="705594" cy="705594"/>
+          </a:xfrm>
+          <a:prstGeom prst="rect">
+            <a:avLst/>
+          </a:prstGeom>
+        </p:spPr>
+      </p:pic>
+      <p:pic>
+        <p:nvPicPr>
+          <p:cNvPr id="87" name="図 86">
+            <a:extLst>
+              <a:ext uri="{FF2B5EF4-FFF2-40B4-BE49-F238E27FC236}">
+                <a16:creationId xmlns:a16="http://schemas.microsoft.com/office/drawing/2014/main" id="{99437C50-C4A6-3C48-A6F9-D61DEA10CFBB}"/>
+              </a:ext>
+            </a:extLst>
+          </p:cNvPr>
+          <p:cNvPicPr>
+            <a:picLocks noChangeAspect="1"/>
+          </p:cNvPicPr>
+          <p:nvPr/>
+        </p:nvPicPr>
+        <p:blipFill>
+          <a:blip r:embed="rId2"/>
+          <a:stretch>
+            <a:fillRect/>
+          </a:stretch>
+        </p:blipFill>
+        <p:spPr>
+          <a:xfrm>
+            <a:off x="7385950" y="5978781"/>
+            <a:ext cx="705594" cy="705594"/>
+          </a:xfrm>
+          <a:prstGeom prst="rect">
+            <a:avLst/>
+          </a:prstGeom>
+        </p:spPr>
+      </p:pic>
+      <p:pic>
+        <p:nvPicPr>
+          <p:cNvPr id="88" name="図 87">
+            <a:extLst>
+              <a:ext uri="{FF2B5EF4-FFF2-40B4-BE49-F238E27FC236}">
+                <a16:creationId xmlns:a16="http://schemas.microsoft.com/office/drawing/2014/main" id="{8CA9928C-43EC-C44E-BB13-74FF7EA59C79}"/>
+              </a:ext>
+            </a:extLst>
+          </p:cNvPr>
+          <p:cNvPicPr>
+            <a:picLocks noChangeAspect="1"/>
+          </p:cNvPicPr>
+          <p:nvPr/>
+        </p:nvPicPr>
+        <p:blipFill>
+          <a:blip r:embed="rId2"/>
+          <a:stretch>
+            <a:fillRect/>
+          </a:stretch>
+        </p:blipFill>
+        <p:spPr>
+          <a:xfrm>
+            <a:off x="8296964" y="5978781"/>
+            <a:ext cx="705594" cy="705594"/>
+          </a:xfrm>
+          <a:prstGeom prst="rect">
+            <a:avLst/>
+          </a:prstGeom>
+        </p:spPr>
+      </p:pic>
+      <p:sp>
+        <p:nvSpPr>
+          <p:cNvPr id="89" name="正方形/長方形 88">
+            <a:extLst>
+              <a:ext uri="{FF2B5EF4-FFF2-40B4-BE49-F238E27FC236}">
+                <a16:creationId xmlns:a16="http://schemas.microsoft.com/office/drawing/2014/main" id="{7D5C271E-C2EA-2D4C-A059-8591456E2513}"/>
+              </a:ext>
+            </a:extLst>
+          </p:cNvPr>
+          <p:cNvSpPr/>
+          <p:nvPr/>
+        </p:nvSpPr>
+        <p:spPr>
+          <a:xfrm>
+            <a:off x="5498183" y="5261893"/>
+            <a:ext cx="774402" cy="629136"/>
+          </a:xfrm>
+          <a:prstGeom prst="rect">
+            <a:avLst/>
+          </a:prstGeom>
+          <a:solidFill>
+            <a:srgbClr val="FF0000"/>
+          </a:solidFill>
+          <a:ln>
+            <a:solidFill>
+              <a:schemeClr val="tx1"/>
+            </a:solidFill>
+          </a:ln>
+        </p:spPr>
+        <p:style>
+          <a:lnRef idx="2">
+            <a:schemeClr val="accent1">
+              <a:shade val="50000"/>
+            </a:schemeClr>
+          </a:lnRef>
+          <a:fillRef idx="1">
+            <a:schemeClr val="accent1"/>
+          </a:fillRef>
+          <a:effectRef idx="0">
+            <a:schemeClr val="accent1"/>
+          </a:effectRef>
+          <a:fontRef idx="minor">
+            <a:schemeClr val="lt1"/>
+          </a:fontRef>
+        </p:style>
+        <p:txBody>
+          <a:bodyPr rtlCol="0" anchor="ctr"/>
+          <a:lstStyle/>
+          <a:p>
+            <a:pPr algn="ctr"/>
+            <a:r>
+              <a:rPr kumimoji="1" lang="en-US" altLang="ja-JP" sz="1200"/>
+              <a:t>A</a:t>
+            </a:r>
+            <a:r>
+              <a:rPr kumimoji="1" lang="ja-JP" altLang="en-US" sz="1200"/>
+              <a:t>さんのジョブ</a:t>
+            </a:r>
+            <a:endParaRPr kumimoji="1" lang="en-US" altLang="ja-JP" sz="1200"/>
+          </a:p>
+          <a:p>
+            <a:pPr algn="ctr"/>
+            <a:r>
+              <a:rPr lang="en-US" altLang="ja-JP" sz="1200"/>
+              <a:t>(</a:t>
+            </a:r>
+            <a:r>
+              <a:rPr lang="ja-JP" altLang="en-US" sz="1200"/>
+              <a:t>実行中</a:t>
+            </a:r>
+            <a:r>
+              <a:rPr lang="en-US" altLang="ja-JP" sz="1200"/>
+              <a:t>)</a:t>
+            </a:r>
+            <a:endParaRPr kumimoji="1" lang="ja-JP" altLang="en-US" sz="1200"/>
+          </a:p>
+        </p:txBody>
+      </p:sp>
+      <p:sp>
+        <p:nvSpPr>
+          <p:cNvPr id="90" name="正方形/長方形 89">
+            <a:extLst>
+              <a:ext uri="{FF2B5EF4-FFF2-40B4-BE49-F238E27FC236}">
+                <a16:creationId xmlns:a16="http://schemas.microsoft.com/office/drawing/2014/main" id="{F51208BB-46F1-FF43-A7C3-2FCDED60E97A}"/>
+              </a:ext>
+            </a:extLst>
+          </p:cNvPr>
+          <p:cNvSpPr/>
+          <p:nvPr/>
+        </p:nvSpPr>
+        <p:spPr>
+          <a:xfrm>
+            <a:off x="6453223" y="5272053"/>
+            <a:ext cx="774402" cy="629136"/>
+          </a:xfrm>
+          <a:prstGeom prst="rect">
+            <a:avLst/>
+          </a:prstGeom>
+          <a:solidFill>
+            <a:srgbClr val="FF0000"/>
+          </a:solidFill>
+          <a:ln>
+            <a:solidFill>
+              <a:schemeClr val="tx1"/>
+            </a:solidFill>
+          </a:ln>
+        </p:spPr>
+        <p:style>
+          <a:lnRef idx="2">
+            <a:schemeClr val="accent1">
+              <a:shade val="50000"/>
+            </a:schemeClr>
+          </a:lnRef>
+          <a:fillRef idx="1">
+            <a:schemeClr val="accent1"/>
+          </a:fillRef>
+          <a:effectRef idx="0">
+            <a:schemeClr val="accent1"/>
+          </a:effectRef>
+          <a:fontRef idx="minor">
+            <a:schemeClr val="lt1"/>
+          </a:fontRef>
+        </p:style>
+        <p:txBody>
+          <a:bodyPr rtlCol="0" anchor="ctr"/>
+          <a:lstStyle/>
+          <a:p>
+            <a:pPr algn="ctr"/>
+            <a:r>
+              <a:rPr kumimoji="1" lang="en-US" altLang="ja-JP" sz="1200"/>
+              <a:t>A</a:t>
+            </a:r>
+            <a:r>
+              <a:rPr kumimoji="1" lang="ja-JP" altLang="en-US" sz="1200"/>
+              <a:t>さんのジョブ</a:t>
+            </a:r>
+            <a:endParaRPr kumimoji="1" lang="en-US" altLang="ja-JP" sz="1200"/>
+          </a:p>
+          <a:p>
+            <a:pPr algn="ctr"/>
+            <a:r>
+              <a:rPr lang="en-US" altLang="ja-JP" sz="1200"/>
+              <a:t>(</a:t>
+            </a:r>
+            <a:r>
+              <a:rPr lang="ja-JP" altLang="en-US" sz="1200"/>
+              <a:t>実行中</a:t>
+            </a:r>
+            <a:r>
+              <a:rPr lang="en-US" altLang="ja-JP" sz="1200"/>
+              <a:t>)</a:t>
+            </a:r>
+            <a:endParaRPr kumimoji="1" lang="ja-JP" altLang="en-US" sz="1200"/>
+          </a:p>
+        </p:txBody>
+      </p:sp>
+      <p:sp>
+        <p:nvSpPr>
+          <p:cNvPr id="91" name="正方形/長方形 90">
+            <a:extLst>
+              <a:ext uri="{FF2B5EF4-FFF2-40B4-BE49-F238E27FC236}">
+                <a16:creationId xmlns:a16="http://schemas.microsoft.com/office/drawing/2014/main" id="{2480E0F7-D3DA-B84B-A86C-427B65A39B1B}"/>
+              </a:ext>
+            </a:extLst>
+          </p:cNvPr>
+          <p:cNvSpPr/>
+          <p:nvPr/>
+        </p:nvSpPr>
+        <p:spPr>
+          <a:xfrm>
+            <a:off x="7387943" y="5272053"/>
+            <a:ext cx="774402" cy="629136"/>
+          </a:xfrm>
+          <a:prstGeom prst="rect">
+            <a:avLst/>
+          </a:prstGeom>
+          <a:solidFill>
+            <a:srgbClr val="FF0000"/>
+          </a:solidFill>
+          <a:ln>
+            <a:solidFill>
+              <a:schemeClr val="tx1"/>
+            </a:solidFill>
+          </a:ln>
+        </p:spPr>
+        <p:style>
+          <a:lnRef idx="2">
+            <a:schemeClr val="accent1">
+              <a:shade val="50000"/>
+            </a:schemeClr>
+          </a:lnRef>
+          <a:fillRef idx="1">
+            <a:schemeClr val="accent1"/>
+          </a:fillRef>
+          <a:effectRef idx="0">
+            <a:schemeClr val="accent1"/>
+          </a:effectRef>
+          <a:fontRef idx="minor">
+            <a:schemeClr val="lt1"/>
+          </a:fontRef>
+        </p:style>
+        <p:txBody>
+          <a:bodyPr rtlCol="0" anchor="ctr"/>
+          <a:lstStyle/>
+          <a:p>
+            <a:pPr algn="ctr"/>
+            <a:r>
+              <a:rPr kumimoji="1" lang="en-US" altLang="ja-JP" sz="1200"/>
+              <a:t>A</a:t>
+            </a:r>
+            <a:r>
+              <a:rPr kumimoji="1" lang="ja-JP" altLang="en-US" sz="1200"/>
+              <a:t>さんのジョブ</a:t>
+            </a:r>
+            <a:endParaRPr kumimoji="1" lang="en-US" altLang="ja-JP" sz="1200"/>
+          </a:p>
+          <a:p>
+            <a:pPr algn="ctr"/>
+            <a:r>
+              <a:rPr lang="en-US" altLang="ja-JP" sz="1200"/>
+              <a:t>(</a:t>
+            </a:r>
+            <a:r>
+              <a:rPr lang="ja-JP" altLang="en-US" sz="1200"/>
+              <a:t>実行中</a:t>
+            </a:r>
+            <a:r>
+              <a:rPr lang="en-US" altLang="ja-JP" sz="1200"/>
+              <a:t>)</a:t>
+            </a:r>
+            <a:endParaRPr kumimoji="1" lang="ja-JP" altLang="en-US" sz="1200"/>
+          </a:p>
+        </p:txBody>
+      </p:sp>
+      <p:sp>
+        <p:nvSpPr>
+          <p:cNvPr id="92" name="正方形/長方形 91">
+            <a:extLst>
+              <a:ext uri="{FF2B5EF4-FFF2-40B4-BE49-F238E27FC236}">
+                <a16:creationId xmlns:a16="http://schemas.microsoft.com/office/drawing/2014/main" id="{FFB28C33-311C-B74A-B1C7-14C2D860CEAE}"/>
+              </a:ext>
+            </a:extLst>
+          </p:cNvPr>
+          <p:cNvSpPr/>
+          <p:nvPr/>
+        </p:nvSpPr>
+        <p:spPr>
+          <a:xfrm>
+            <a:off x="8312503" y="5282213"/>
+            <a:ext cx="774402" cy="629136"/>
+          </a:xfrm>
+          <a:prstGeom prst="rect">
+            <a:avLst/>
+          </a:prstGeom>
+          <a:solidFill>
+            <a:srgbClr val="FF0000"/>
+          </a:solidFill>
+          <a:ln>
+            <a:solidFill>
+              <a:schemeClr val="tx1"/>
+            </a:solidFill>
+          </a:ln>
+        </p:spPr>
+        <p:style>
+          <a:lnRef idx="2">
+            <a:schemeClr val="accent1">
+              <a:shade val="50000"/>
+            </a:schemeClr>
+          </a:lnRef>
+          <a:fillRef idx="1">
+            <a:schemeClr val="accent1"/>
+          </a:fillRef>
+          <a:effectRef idx="0">
+            <a:schemeClr val="accent1"/>
+          </a:effectRef>
+          <a:fontRef idx="minor">
+            <a:schemeClr val="lt1"/>
+          </a:fontRef>
+        </p:style>
+        <p:txBody>
+          <a:bodyPr rtlCol="0" anchor="ctr"/>
+          <a:lstStyle/>
+          <a:p>
+            <a:pPr algn="ctr"/>
+            <a:r>
+              <a:rPr kumimoji="1" lang="en-US" altLang="ja-JP" sz="1200"/>
+              <a:t>A</a:t>
+            </a:r>
+            <a:r>
+              <a:rPr kumimoji="1" lang="ja-JP" altLang="en-US" sz="1200"/>
+              <a:t>さんのジョブ</a:t>
+            </a:r>
+            <a:endParaRPr kumimoji="1" lang="en-US" altLang="ja-JP" sz="1200"/>
+          </a:p>
+          <a:p>
+            <a:pPr algn="ctr"/>
+            <a:r>
+              <a:rPr lang="en-US" altLang="ja-JP" sz="1200"/>
+              <a:t>(</a:t>
+            </a:r>
+            <a:r>
+              <a:rPr lang="ja-JP" altLang="en-US" sz="1200"/>
+              <a:t>実行中</a:t>
+            </a:r>
+            <a:r>
+              <a:rPr lang="en-US" altLang="ja-JP" sz="1200"/>
+              <a:t>)</a:t>
+            </a:r>
+            <a:endParaRPr kumimoji="1" lang="ja-JP" altLang="en-US" sz="1200"/>
+          </a:p>
+        </p:txBody>
+      </p:sp>
+      <p:sp>
+        <p:nvSpPr>
+          <p:cNvPr id="93" name="正方形/長方形 92">
+            <a:extLst>
+              <a:ext uri="{FF2B5EF4-FFF2-40B4-BE49-F238E27FC236}">
+                <a16:creationId xmlns:a16="http://schemas.microsoft.com/office/drawing/2014/main" id="{8A92DE4E-1F23-DC4A-A3AA-12894E5D526B}"/>
+              </a:ext>
+            </a:extLst>
+          </p:cNvPr>
+          <p:cNvSpPr/>
+          <p:nvPr/>
+        </p:nvSpPr>
+        <p:spPr>
+          <a:xfrm>
+            <a:off x="6897216" y="3789040"/>
+            <a:ext cx="792088" cy="432048"/>
+          </a:xfrm>
+          <a:prstGeom prst="rect">
+            <a:avLst/>
+          </a:prstGeom>
+          <a:solidFill>
+            <a:srgbClr val="FF0000"/>
+          </a:solidFill>
+          <a:ln>
+            <a:solidFill>
+              <a:schemeClr val="tx1"/>
+            </a:solidFill>
+          </a:ln>
+        </p:spPr>
+        <p:style>
+          <a:lnRef idx="2">
+            <a:schemeClr val="accent1">
+              <a:shade val="50000"/>
+            </a:schemeClr>
+          </a:lnRef>
+          <a:fillRef idx="1">
+            <a:schemeClr val="accent1"/>
+          </a:fillRef>
+          <a:effectRef idx="0">
+            <a:schemeClr val="accent1"/>
+          </a:effectRef>
+          <a:fontRef idx="minor">
+            <a:schemeClr val="lt1"/>
+          </a:fontRef>
+        </p:style>
+        <p:txBody>
+          <a:bodyPr rtlCol="0" anchor="ctr"/>
+          <a:lstStyle/>
+          <a:p>
+            <a:pPr algn="ctr"/>
+            <a:r>
+              <a:rPr kumimoji="1" lang="en-US" altLang="ja-JP" sz="1200"/>
+              <a:t>A</a:t>
+            </a:r>
+            <a:r>
+              <a:rPr kumimoji="1" lang="ja-JP" altLang="en-US" sz="1200"/>
+              <a:t>さんのジョブ</a:t>
+            </a:r>
+            <a:endParaRPr kumimoji="1" lang="en-US" altLang="ja-JP" sz="1200"/>
+          </a:p>
+        </p:txBody>
+      </p:sp>
+      <p:sp>
+        <p:nvSpPr>
+          <p:cNvPr id="94" name="正方形/長方形 93">
+            <a:extLst>
+              <a:ext uri="{FF2B5EF4-FFF2-40B4-BE49-F238E27FC236}">
+                <a16:creationId xmlns:a16="http://schemas.microsoft.com/office/drawing/2014/main" id="{2E7453CB-1091-5443-8431-174B8342EBA2}"/>
+              </a:ext>
+            </a:extLst>
+          </p:cNvPr>
+          <p:cNvSpPr/>
+          <p:nvPr/>
+        </p:nvSpPr>
+        <p:spPr>
+          <a:xfrm>
+            <a:off x="6897216" y="1628800"/>
+            <a:ext cx="792088" cy="432048"/>
+          </a:xfrm>
+          <a:prstGeom prst="rect">
+            <a:avLst/>
+          </a:prstGeom>
+          <a:solidFill>
+            <a:srgbClr val="FF0000"/>
+          </a:solidFill>
+          <a:ln>
+            <a:solidFill>
+              <a:schemeClr val="tx1"/>
+            </a:solidFill>
+          </a:ln>
+        </p:spPr>
+        <p:style>
+          <a:lnRef idx="2">
+            <a:schemeClr val="accent1">
+              <a:shade val="50000"/>
+            </a:schemeClr>
+          </a:lnRef>
+          <a:fillRef idx="1">
+            <a:schemeClr val="accent1"/>
+          </a:fillRef>
+          <a:effectRef idx="0">
+            <a:schemeClr val="accent1"/>
+          </a:effectRef>
+          <a:fontRef idx="minor">
+            <a:schemeClr val="lt1"/>
+          </a:fontRef>
+        </p:style>
+        <p:txBody>
+          <a:bodyPr rtlCol="0" anchor="ctr"/>
+          <a:lstStyle/>
+          <a:p>
+            <a:pPr algn="ctr"/>
+            <a:r>
+              <a:rPr kumimoji="1" lang="en-US" altLang="ja-JP" sz="1200"/>
+              <a:t>A</a:t>
+            </a:r>
+            <a:r>
+              <a:rPr kumimoji="1" lang="ja-JP" altLang="en-US" sz="1200"/>
+              <a:t>さんのジョブ</a:t>
+            </a:r>
+            <a:endParaRPr kumimoji="1" lang="en-US" altLang="ja-JP" sz="1200"/>
+          </a:p>
+        </p:txBody>
+      </p:sp>
+      <p:sp>
+        <p:nvSpPr>
+          <p:cNvPr id="95" name="正方形/長方形 94">
+            <a:extLst>
+              <a:ext uri="{FF2B5EF4-FFF2-40B4-BE49-F238E27FC236}">
+                <a16:creationId xmlns:a16="http://schemas.microsoft.com/office/drawing/2014/main" id="{AC035A35-43A8-FC46-9677-8BD9E49FC044}"/>
+              </a:ext>
+            </a:extLst>
+          </p:cNvPr>
+          <p:cNvSpPr/>
+          <p:nvPr/>
+        </p:nvSpPr>
+        <p:spPr>
+          <a:xfrm>
+            <a:off x="6897216" y="2924944"/>
+            <a:ext cx="792088" cy="432048"/>
+          </a:xfrm>
+          <a:prstGeom prst="rect">
+            <a:avLst/>
+          </a:prstGeom>
+          <a:solidFill>
+            <a:srgbClr val="FF0000"/>
+          </a:solidFill>
+          <a:ln>
+            <a:solidFill>
+              <a:schemeClr val="tx1"/>
+            </a:solidFill>
+          </a:ln>
+        </p:spPr>
+        <p:style>
+          <a:lnRef idx="2">
+            <a:schemeClr val="accent1">
+              <a:shade val="50000"/>
+            </a:schemeClr>
+          </a:lnRef>
+          <a:fillRef idx="1">
+            <a:schemeClr val="accent1"/>
+          </a:fillRef>
+          <a:effectRef idx="0">
+            <a:schemeClr val="accent1"/>
+          </a:effectRef>
+          <a:fontRef idx="minor">
+            <a:schemeClr val="lt1"/>
+          </a:fontRef>
+        </p:style>
+        <p:txBody>
+          <a:bodyPr rtlCol="0" anchor="ctr"/>
+          <a:lstStyle/>
+          <a:p>
+            <a:pPr algn="ctr"/>
+            <a:r>
+              <a:rPr kumimoji="1" lang="en-US" altLang="ja-JP" sz="1200"/>
+              <a:t>A</a:t>
+            </a:r>
+            <a:r>
+              <a:rPr kumimoji="1" lang="ja-JP" altLang="en-US" sz="1200"/>
+              <a:t>さんのジョブ</a:t>
+            </a:r>
+            <a:endParaRPr kumimoji="1" lang="en-US" altLang="ja-JP" sz="1200"/>
+          </a:p>
+        </p:txBody>
+      </p:sp>
+      <p:sp>
+        <p:nvSpPr>
+          <p:cNvPr id="96" name="正方形/長方形 95">
+            <a:extLst>
+              <a:ext uri="{FF2B5EF4-FFF2-40B4-BE49-F238E27FC236}">
+                <a16:creationId xmlns:a16="http://schemas.microsoft.com/office/drawing/2014/main" id="{FF63A446-328B-8748-8BA8-0BDA2175856D}"/>
+              </a:ext>
+            </a:extLst>
+          </p:cNvPr>
+          <p:cNvSpPr/>
+          <p:nvPr/>
+        </p:nvSpPr>
+        <p:spPr>
+          <a:xfrm>
+            <a:off x="6897216" y="3356992"/>
+            <a:ext cx="792088" cy="432048"/>
+          </a:xfrm>
+          <a:prstGeom prst="rect">
+            <a:avLst/>
+          </a:prstGeom>
+          <a:solidFill>
+            <a:srgbClr val="FF0000"/>
+          </a:solidFill>
+          <a:ln>
+            <a:solidFill>
+              <a:schemeClr val="tx1"/>
+            </a:solidFill>
+          </a:ln>
+        </p:spPr>
+        <p:style>
+          <a:lnRef idx="2">
+            <a:schemeClr val="accent1">
+              <a:shade val="50000"/>
+            </a:schemeClr>
+          </a:lnRef>
+          <a:fillRef idx="1">
+            <a:schemeClr val="accent1"/>
+          </a:fillRef>
+          <a:effectRef idx="0">
+            <a:schemeClr val="accent1"/>
+          </a:effectRef>
+          <a:fontRef idx="minor">
+            <a:schemeClr val="lt1"/>
+          </a:fontRef>
+        </p:style>
+        <p:txBody>
+          <a:bodyPr rtlCol="0" anchor="ctr"/>
+          <a:lstStyle/>
+          <a:p>
+            <a:pPr algn="ctr"/>
+            <a:r>
+              <a:rPr kumimoji="1" lang="en-US" altLang="ja-JP" sz="1200"/>
+              <a:t>A</a:t>
+            </a:r>
+            <a:r>
+              <a:rPr kumimoji="1" lang="ja-JP" altLang="en-US" sz="1200"/>
+              <a:t>さんのジョブ</a:t>
+            </a:r>
+            <a:endParaRPr kumimoji="1" lang="en-US" altLang="ja-JP" sz="1200"/>
+          </a:p>
+        </p:txBody>
+      </p:sp>
+      <p:sp>
+        <p:nvSpPr>
+          <p:cNvPr id="97" name="正方形/長方形 96">
+            <a:extLst>
+              <a:ext uri="{FF2B5EF4-FFF2-40B4-BE49-F238E27FC236}">
+                <a16:creationId xmlns:a16="http://schemas.microsoft.com/office/drawing/2014/main" id="{AFCA6B0F-F963-9E4E-8C2D-50E59846E1E9}"/>
+              </a:ext>
+            </a:extLst>
+          </p:cNvPr>
+          <p:cNvSpPr/>
+          <p:nvPr/>
+        </p:nvSpPr>
+        <p:spPr>
+          <a:xfrm>
+            <a:off x="6897216" y="2060848"/>
+            <a:ext cx="792088" cy="432048"/>
+          </a:xfrm>
+          <a:prstGeom prst="rect">
+            <a:avLst/>
+          </a:prstGeom>
+          <a:solidFill>
+            <a:srgbClr val="FF0000"/>
+          </a:solidFill>
+          <a:ln>
+            <a:solidFill>
+              <a:schemeClr val="tx1"/>
+            </a:solidFill>
+          </a:ln>
+        </p:spPr>
+        <p:style>
+          <a:lnRef idx="2">
+            <a:schemeClr val="accent1">
+              <a:shade val="50000"/>
+            </a:schemeClr>
+          </a:lnRef>
+          <a:fillRef idx="1">
+            <a:schemeClr val="accent1"/>
+          </a:fillRef>
+          <a:effectRef idx="0">
+            <a:schemeClr val="accent1"/>
+          </a:effectRef>
+          <a:fontRef idx="minor">
+            <a:schemeClr val="lt1"/>
+          </a:fontRef>
+        </p:style>
+        <p:txBody>
+          <a:bodyPr rtlCol="0" anchor="ctr"/>
+          <a:lstStyle/>
+          <a:p>
+            <a:pPr algn="ctr"/>
+            <a:r>
+              <a:rPr kumimoji="1" lang="en-US" altLang="ja-JP" sz="1200"/>
+              <a:t>A</a:t>
+            </a:r>
+            <a:r>
+              <a:rPr kumimoji="1" lang="ja-JP" altLang="en-US" sz="1200"/>
+              <a:t>さんのジョブ</a:t>
+            </a:r>
+            <a:endParaRPr kumimoji="1" lang="en-US" altLang="ja-JP" sz="1200"/>
+          </a:p>
+        </p:txBody>
+      </p:sp>
+      <p:sp>
+        <p:nvSpPr>
+          <p:cNvPr id="98" name="正方形/長方形 97">
+            <a:extLst>
+              <a:ext uri="{FF2B5EF4-FFF2-40B4-BE49-F238E27FC236}">
+                <a16:creationId xmlns:a16="http://schemas.microsoft.com/office/drawing/2014/main" id="{6AC9FA39-CE8C-0642-BAA5-7283BCF360B2}"/>
+              </a:ext>
+            </a:extLst>
+          </p:cNvPr>
+          <p:cNvSpPr/>
+          <p:nvPr/>
+        </p:nvSpPr>
+        <p:spPr>
+          <a:xfrm>
+            <a:off x="6897216" y="2492896"/>
+            <a:ext cx="792088" cy="432048"/>
+          </a:xfrm>
+          <a:prstGeom prst="rect">
+            <a:avLst/>
+          </a:prstGeom>
+          <a:solidFill>
+            <a:srgbClr val="FF0000"/>
+          </a:solidFill>
+          <a:ln>
+            <a:solidFill>
+              <a:schemeClr val="tx1"/>
+            </a:solidFill>
+          </a:ln>
+        </p:spPr>
+        <p:style>
+          <a:lnRef idx="2">
+            <a:schemeClr val="accent1">
+              <a:shade val="50000"/>
+            </a:schemeClr>
+          </a:lnRef>
+          <a:fillRef idx="1">
+            <a:schemeClr val="accent1"/>
+          </a:fillRef>
+          <a:effectRef idx="0">
+            <a:schemeClr val="accent1"/>
+          </a:effectRef>
+          <a:fontRef idx="minor">
+            <a:schemeClr val="lt1"/>
+          </a:fontRef>
+        </p:style>
+        <p:txBody>
+          <a:bodyPr rtlCol="0" anchor="ctr"/>
+          <a:lstStyle/>
+          <a:p>
+            <a:pPr algn="ctr"/>
+            <a:r>
+              <a:rPr kumimoji="1" lang="en-US" altLang="ja-JP" sz="1200"/>
+              <a:t>A</a:t>
+            </a:r>
+            <a:r>
+              <a:rPr kumimoji="1" lang="ja-JP" altLang="en-US" sz="1200"/>
+              <a:t>さんのジョブ</a:t>
+            </a:r>
+            <a:endParaRPr kumimoji="1" lang="en-US" altLang="ja-JP" sz="1200"/>
+          </a:p>
+        </p:txBody>
+      </p:sp>
+      <p:sp>
+        <p:nvSpPr>
+          <p:cNvPr id="99" name="正方形/長方形 98">
+            <a:extLst>
+              <a:ext uri="{FF2B5EF4-FFF2-40B4-BE49-F238E27FC236}">
+                <a16:creationId xmlns:a16="http://schemas.microsoft.com/office/drawing/2014/main" id="{8AF54E52-A6A9-AE4B-9418-7C51D62CAD21}"/>
+              </a:ext>
+            </a:extLst>
+          </p:cNvPr>
+          <p:cNvSpPr/>
+          <p:nvPr/>
+        </p:nvSpPr>
+        <p:spPr>
+          <a:xfrm>
+            <a:off x="6897216" y="4221088"/>
+            <a:ext cx="792088" cy="432048"/>
+          </a:xfrm>
+          <a:prstGeom prst="rect">
+            <a:avLst/>
+          </a:prstGeom>
+          <a:solidFill>
+            <a:srgbClr val="0070C0"/>
+          </a:solidFill>
+          <a:ln>
+            <a:solidFill>
+              <a:schemeClr val="tx1"/>
+            </a:solidFill>
+          </a:ln>
+        </p:spPr>
+        <p:style>
+          <a:lnRef idx="2">
+            <a:schemeClr val="accent1">
+              <a:shade val="50000"/>
+            </a:schemeClr>
+          </a:lnRef>
+          <a:fillRef idx="1">
+            <a:schemeClr val="accent1"/>
+          </a:fillRef>
+          <a:effectRef idx="0">
+            <a:schemeClr val="accent1"/>
+          </a:effectRef>
+          <a:fontRef idx="minor">
+            <a:schemeClr val="lt1"/>
+          </a:fontRef>
+        </p:style>
+        <p:txBody>
+          <a:bodyPr rtlCol="0" anchor="ctr"/>
+          <a:lstStyle/>
+          <a:p>
+            <a:pPr algn="ctr"/>
+            <a:r>
+              <a:rPr kumimoji="1" lang="en-US" altLang="ja-JP" sz="1200"/>
+              <a:t>B</a:t>
+            </a:r>
+            <a:r>
+              <a:rPr kumimoji="1" lang="ja-JP" altLang="en-US" sz="1200"/>
+              <a:t>さんのジョブ</a:t>
+            </a:r>
+            <a:endParaRPr kumimoji="1" lang="en-US" altLang="ja-JP" sz="1200"/>
+          </a:p>
+        </p:txBody>
+      </p:sp>
+      <p:sp>
+        <p:nvSpPr>
+          <p:cNvPr id="101" name="テキスト ボックス 100">
+            <a:extLst>
+              <a:ext uri="{FF2B5EF4-FFF2-40B4-BE49-F238E27FC236}">
+                <a16:creationId xmlns:a16="http://schemas.microsoft.com/office/drawing/2014/main" id="{BED4485F-2BFD-694A-803C-2E1C11123DCA}"/>
+              </a:ext>
+            </a:extLst>
+          </p:cNvPr>
+          <p:cNvSpPr txBox="1"/>
+          <p:nvPr/>
+        </p:nvSpPr>
+        <p:spPr>
+          <a:xfrm>
+            <a:off x="6753200" y="116632"/>
+            <a:ext cx="1107996" cy="369332"/>
+          </a:xfrm>
+          <a:prstGeom prst="rect">
+            <a:avLst/>
+          </a:prstGeom>
+          <a:noFill/>
+        </p:spPr>
+        <p:txBody>
+          <a:bodyPr wrap="none" rtlCol="0">
+            <a:spAutoFit/>
+          </a:bodyPr>
+          <a:lstStyle/>
+          <a:p>
+            <a:r>
+              <a:rPr kumimoji="1" lang="ja-JP" altLang="en-US"/>
+              <a:t>待ち行列</a:t>
+            </a:r>
+          </a:p>
+        </p:txBody>
+      </p:sp>
+      <p:pic>
+        <p:nvPicPr>
+          <p:cNvPr id="102" name="図 101">
+            <a:extLst>
+              <a:ext uri="{FF2B5EF4-FFF2-40B4-BE49-F238E27FC236}">
+                <a16:creationId xmlns:a16="http://schemas.microsoft.com/office/drawing/2014/main" id="{723A1B9E-9291-CF4E-AAF3-96B37390243F}"/>
+              </a:ext>
+            </a:extLst>
+          </p:cNvPr>
+          <p:cNvPicPr>
+            <a:picLocks noChangeAspect="1"/>
+          </p:cNvPicPr>
+          <p:nvPr/>
+        </p:nvPicPr>
+        <p:blipFill>
+          <a:blip r:embed="rId3"/>
+          <a:stretch>
+            <a:fillRect/>
+          </a:stretch>
+        </p:blipFill>
+        <p:spPr>
+          <a:xfrm>
+            <a:off x="5457056" y="2636912"/>
+            <a:ext cx="1079500" cy="1079500"/>
+          </a:xfrm>
+          <a:prstGeom prst="rect">
+            <a:avLst/>
+          </a:prstGeom>
+        </p:spPr>
+      </p:pic>
+      <p:sp>
+        <p:nvSpPr>
+          <p:cNvPr id="103" name="テキスト ボックス 102">
+            <a:extLst>
+              <a:ext uri="{FF2B5EF4-FFF2-40B4-BE49-F238E27FC236}">
+                <a16:creationId xmlns:a16="http://schemas.microsoft.com/office/drawing/2014/main" id="{186AA747-C2D8-EC41-B9BC-96961F5F7C36}"/>
+              </a:ext>
+            </a:extLst>
+          </p:cNvPr>
+          <p:cNvSpPr txBox="1"/>
+          <p:nvPr/>
+        </p:nvSpPr>
+        <p:spPr>
+          <a:xfrm>
+            <a:off x="5601072" y="2276872"/>
+            <a:ext cx="779381" cy="369332"/>
+          </a:xfrm>
+          <a:prstGeom prst="rect">
+            <a:avLst/>
+          </a:prstGeom>
+          <a:noFill/>
+        </p:spPr>
+        <p:txBody>
+          <a:bodyPr wrap="none" rtlCol="0">
+            <a:spAutoFit/>
+          </a:bodyPr>
+          <a:lstStyle/>
+          <a:p>
+            <a:r>
+              <a:rPr kumimoji="1" lang="en-US" altLang="ja-JP"/>
+              <a:t>A</a:t>
+            </a:r>
+            <a:r>
+              <a:rPr kumimoji="1" lang="ja-JP" altLang="en-US"/>
+              <a:t>さん</a:t>
+            </a:r>
+          </a:p>
+        </p:txBody>
+      </p:sp>
+      <p:pic>
+        <p:nvPicPr>
+          <p:cNvPr id="104" name="図 103">
+            <a:extLst>
+              <a:ext uri="{FF2B5EF4-FFF2-40B4-BE49-F238E27FC236}">
+                <a16:creationId xmlns:a16="http://schemas.microsoft.com/office/drawing/2014/main" id="{BA6BA216-CB5E-FF4D-95ED-536DB5543EBC}"/>
+              </a:ext>
+            </a:extLst>
+          </p:cNvPr>
+          <p:cNvPicPr>
+            <a:picLocks noChangeAspect="1"/>
+          </p:cNvPicPr>
+          <p:nvPr/>
+        </p:nvPicPr>
+        <p:blipFill>
+          <a:blip r:embed="rId4"/>
+          <a:stretch>
+            <a:fillRect/>
+          </a:stretch>
+        </p:blipFill>
+        <p:spPr>
+          <a:xfrm>
+            <a:off x="8193360" y="2636912"/>
+            <a:ext cx="1079500" cy="1079500"/>
+          </a:xfrm>
+          <a:prstGeom prst="rect">
+            <a:avLst/>
+          </a:prstGeom>
+        </p:spPr>
+      </p:pic>
+      <p:sp>
+        <p:nvSpPr>
+          <p:cNvPr id="105" name="テキスト ボックス 104">
+            <a:extLst>
+              <a:ext uri="{FF2B5EF4-FFF2-40B4-BE49-F238E27FC236}">
+                <a16:creationId xmlns:a16="http://schemas.microsoft.com/office/drawing/2014/main" id="{C898A2E2-7C60-BA4D-8307-2AFD437E2DEE}"/>
+              </a:ext>
+            </a:extLst>
+          </p:cNvPr>
+          <p:cNvSpPr txBox="1"/>
+          <p:nvPr/>
+        </p:nvSpPr>
+        <p:spPr>
+          <a:xfrm>
+            <a:off x="8337376" y="2276872"/>
+            <a:ext cx="779381" cy="369332"/>
+          </a:xfrm>
+          <a:prstGeom prst="rect">
+            <a:avLst/>
+          </a:prstGeom>
+          <a:noFill/>
+        </p:spPr>
+        <p:txBody>
+          <a:bodyPr wrap="none" rtlCol="0">
+            <a:spAutoFit/>
+          </a:bodyPr>
+          <a:lstStyle/>
+          <a:p>
+            <a:r>
+              <a:rPr kumimoji="1" lang="en-US" altLang="ja-JP"/>
+              <a:t>B</a:t>
+            </a:r>
+            <a:r>
+              <a:rPr kumimoji="1" lang="ja-JP" altLang="en-US"/>
+              <a:t>さん</a:t>
+            </a:r>
+          </a:p>
+        </p:txBody>
+      </p:sp>
+      <p:sp>
+        <p:nvSpPr>
+          <p:cNvPr id="106" name="正方形/長方形 105">
+            <a:extLst>
+              <a:ext uri="{FF2B5EF4-FFF2-40B4-BE49-F238E27FC236}">
+                <a16:creationId xmlns:a16="http://schemas.microsoft.com/office/drawing/2014/main" id="{9A12113D-7CBA-5943-A45B-EBAACB0E2D7A}"/>
+              </a:ext>
+            </a:extLst>
+          </p:cNvPr>
+          <p:cNvSpPr/>
+          <p:nvPr/>
+        </p:nvSpPr>
+        <p:spPr>
+          <a:xfrm>
+            <a:off x="8265368" y="4005064"/>
+            <a:ext cx="1080120" cy="216024"/>
+          </a:xfrm>
+          <a:prstGeom prst="rect">
+            <a:avLst/>
+          </a:prstGeom>
+          <a:solidFill>
+            <a:srgbClr val="00B050"/>
+          </a:solidFill>
+        </p:spPr>
+        <p:style>
+          <a:lnRef idx="2">
+            <a:schemeClr val="accent1">
+              <a:shade val="50000"/>
+            </a:schemeClr>
+          </a:lnRef>
+          <a:fillRef idx="1">
+            <a:schemeClr val="accent1"/>
+          </a:fillRef>
+          <a:effectRef idx="0">
+            <a:schemeClr val="accent1"/>
+          </a:effectRef>
+          <a:fontRef idx="minor">
+            <a:schemeClr val="lt1"/>
+          </a:fontRef>
+        </p:style>
+        <p:txBody>
+          <a:bodyPr rtlCol="0" anchor="ctr"/>
+          <a:lstStyle/>
+          <a:p>
+            <a:pPr algn="ctr"/>
+            <a:endParaRPr kumimoji="1" lang="ja-JP" altLang="en-US"/>
+          </a:p>
+        </p:txBody>
+      </p:sp>
+      <p:sp>
+        <p:nvSpPr>
+          <p:cNvPr id="107" name="テキスト ボックス 106">
+            <a:extLst>
+              <a:ext uri="{FF2B5EF4-FFF2-40B4-BE49-F238E27FC236}">
+                <a16:creationId xmlns:a16="http://schemas.microsoft.com/office/drawing/2014/main" id="{6F9D4F37-CEE9-A849-956D-EAE68200ABC7}"/>
+              </a:ext>
+            </a:extLst>
+          </p:cNvPr>
+          <p:cNvSpPr txBox="1"/>
+          <p:nvPr/>
+        </p:nvSpPr>
+        <p:spPr>
+          <a:xfrm>
+            <a:off x="8193360" y="3789040"/>
+            <a:ext cx="748923" cy="261610"/>
+          </a:xfrm>
+          <a:prstGeom prst="rect">
+            <a:avLst/>
+          </a:prstGeom>
+          <a:noFill/>
+        </p:spPr>
+        <p:txBody>
+          <a:bodyPr wrap="none" rtlCol="0">
+            <a:spAutoFit/>
+          </a:bodyPr>
+          <a:lstStyle/>
+          <a:p>
+            <a:r>
+              <a:rPr kumimoji="1" lang="ja-JP" altLang="en-US" sz="1100"/>
+              <a:t>スタミナ</a:t>
+            </a:r>
+          </a:p>
+        </p:txBody>
+      </p:sp>
+      <p:sp>
+        <p:nvSpPr>
+          <p:cNvPr id="108" name="正方形/長方形 107">
+            <a:extLst>
+              <a:ext uri="{FF2B5EF4-FFF2-40B4-BE49-F238E27FC236}">
+                <a16:creationId xmlns:a16="http://schemas.microsoft.com/office/drawing/2014/main" id="{1B38EF39-99DA-F843-8077-FDF320A8A1A3}"/>
+              </a:ext>
+            </a:extLst>
+          </p:cNvPr>
+          <p:cNvSpPr/>
+          <p:nvPr/>
+        </p:nvSpPr>
+        <p:spPr>
+          <a:xfrm>
+            <a:off x="5529064" y="4005064"/>
+            <a:ext cx="1080120" cy="216024"/>
+          </a:xfrm>
+          <a:prstGeom prst="rect">
+            <a:avLst/>
+          </a:prstGeom>
+          <a:solidFill>
+            <a:schemeClr val="bg1"/>
+          </a:solidFill>
+        </p:spPr>
+        <p:style>
+          <a:lnRef idx="2">
+            <a:schemeClr val="accent1">
+              <a:shade val="50000"/>
+            </a:schemeClr>
+          </a:lnRef>
+          <a:fillRef idx="1">
+            <a:schemeClr val="accent1"/>
+          </a:fillRef>
+          <a:effectRef idx="0">
+            <a:schemeClr val="accent1"/>
+          </a:effectRef>
+          <a:fontRef idx="minor">
+            <a:schemeClr val="lt1"/>
+          </a:fontRef>
+        </p:style>
+        <p:txBody>
+          <a:bodyPr rtlCol="0" anchor="ctr"/>
+          <a:lstStyle/>
+          <a:p>
+            <a:pPr algn="ctr"/>
+            <a:endParaRPr kumimoji="1" lang="ja-JP" altLang="en-US"/>
+          </a:p>
+        </p:txBody>
+      </p:sp>
+      <p:sp>
+        <p:nvSpPr>
+          <p:cNvPr id="109" name="テキスト ボックス 108">
+            <a:extLst>
+              <a:ext uri="{FF2B5EF4-FFF2-40B4-BE49-F238E27FC236}">
+                <a16:creationId xmlns:a16="http://schemas.microsoft.com/office/drawing/2014/main" id="{805E4C14-6B9A-174A-84A2-911764DE564D}"/>
+              </a:ext>
+            </a:extLst>
+          </p:cNvPr>
+          <p:cNvSpPr txBox="1"/>
+          <p:nvPr/>
+        </p:nvSpPr>
+        <p:spPr>
+          <a:xfrm>
+            <a:off x="5457056" y="3789040"/>
+            <a:ext cx="748923" cy="261610"/>
+          </a:xfrm>
+          <a:prstGeom prst="rect">
+            <a:avLst/>
+          </a:prstGeom>
+          <a:noFill/>
+        </p:spPr>
+        <p:txBody>
+          <a:bodyPr wrap="none" rtlCol="0">
+            <a:spAutoFit/>
+          </a:bodyPr>
+          <a:lstStyle/>
+          <a:p>
+            <a:r>
+              <a:rPr kumimoji="1" lang="ja-JP" altLang="en-US" sz="1100"/>
+              <a:t>スタミナ</a:t>
+            </a:r>
+          </a:p>
+        </p:txBody>
+      </p:sp>
+      <p:sp>
+        <p:nvSpPr>
+          <p:cNvPr id="110" name="正方形/長方形 109">
+            <a:extLst>
+              <a:ext uri="{FF2B5EF4-FFF2-40B4-BE49-F238E27FC236}">
+                <a16:creationId xmlns:a16="http://schemas.microsoft.com/office/drawing/2014/main" id="{1838A5EF-9FE2-B444-A050-E9F194779268}"/>
+              </a:ext>
+            </a:extLst>
+          </p:cNvPr>
+          <p:cNvSpPr/>
+          <p:nvPr/>
+        </p:nvSpPr>
+        <p:spPr>
+          <a:xfrm>
+            <a:off x="5529064" y="4005064"/>
+            <a:ext cx="288032" cy="216024"/>
+          </a:xfrm>
+          <a:prstGeom prst="rect">
+            <a:avLst/>
+          </a:prstGeom>
+          <a:solidFill>
+            <a:srgbClr val="00B050"/>
+          </a:solidFill>
+        </p:spPr>
+        <p:style>
+          <a:lnRef idx="2">
+            <a:schemeClr val="accent1">
+              <a:shade val="50000"/>
+            </a:schemeClr>
+          </a:lnRef>
+          <a:fillRef idx="1">
+            <a:schemeClr val="accent1"/>
+          </a:fillRef>
+          <a:effectRef idx="0">
+            <a:schemeClr val="accent1"/>
+          </a:effectRef>
+          <a:fontRef idx="minor">
+            <a:schemeClr val="lt1"/>
+          </a:fontRef>
+        </p:style>
+        <p:txBody>
+          <a:bodyPr rtlCol="0" anchor="ctr"/>
+          <a:lstStyle/>
+          <a:p>
+            <a:pPr algn="ctr"/>
+            <a:endParaRPr kumimoji="1" lang="ja-JP" altLang="en-US"/>
+          </a:p>
+        </p:txBody>
+      </p:sp>
+      <p:sp>
+        <p:nvSpPr>
+          <p:cNvPr id="111" name="フリーフォーム 110">
+            <a:extLst>
+              <a:ext uri="{FF2B5EF4-FFF2-40B4-BE49-F238E27FC236}">
+                <a16:creationId xmlns:a16="http://schemas.microsoft.com/office/drawing/2014/main" id="{18154502-6D94-814C-B066-AAD1E21B32A8}"/>
+              </a:ext>
+            </a:extLst>
+          </p:cNvPr>
+          <p:cNvSpPr/>
+          <p:nvPr/>
+        </p:nvSpPr>
+        <p:spPr>
+          <a:xfrm>
+            <a:off x="7545288" y="1196752"/>
+            <a:ext cx="715600" cy="3149600"/>
+          </a:xfrm>
+          <a:custGeom>
+            <a:avLst/>
+            <a:gdLst>
+              <a:gd name="connsiteX0" fmla="*/ 0 w 887866"/>
+              <a:gd name="connsiteY0" fmla="*/ 0 h 3149600"/>
+              <a:gd name="connsiteX1" fmla="*/ 883920 w 887866"/>
+              <a:gd name="connsiteY1" fmla="*/ 1737360 h 3149600"/>
+              <a:gd name="connsiteX2" fmla="*/ 264160 w 887866"/>
+              <a:gd name="connsiteY2" fmla="*/ 3149600 h 3149600"/>
+            </a:gdLst>
+            <a:ahLst/>
+            <a:cxnLst>
+              <a:cxn ang="0">
+                <a:pos x="connsiteX0" y="connsiteY0"/>
+              </a:cxn>
+              <a:cxn ang="0">
+                <a:pos x="connsiteX1" y="connsiteY1"/>
+              </a:cxn>
+              <a:cxn ang="0">
+                <a:pos x="connsiteX2" y="connsiteY2"/>
+              </a:cxn>
+            </a:cxnLst>
+            <a:rect l="l" t="t" r="r" b="b"/>
+            <a:pathLst>
+              <a:path w="887866" h="3149600">
+                <a:moveTo>
+                  <a:pt x="0" y="0"/>
+                </a:moveTo>
+                <a:cubicBezTo>
+                  <a:pt x="419946" y="606213"/>
+                  <a:pt x="839893" y="1212427"/>
+                  <a:pt x="883920" y="1737360"/>
+                </a:cubicBezTo>
+                <a:cubicBezTo>
+                  <a:pt x="927947" y="2262293"/>
+                  <a:pt x="596053" y="2705946"/>
+                  <a:pt x="264160" y="3149600"/>
+                </a:cubicBezTo>
+              </a:path>
+            </a:pathLst>
+          </a:custGeom>
+          <a:noFill/>
+          <a:ln>
+            <a:solidFill>
+              <a:schemeClr val="tx1"/>
+            </a:solidFill>
+            <a:headEnd type="none" w="med" len="med"/>
+            <a:tailEnd type="triangle" w="med" len="med"/>
+          </a:ln>
+        </p:spPr>
+        <p:style>
+          <a:lnRef idx="2">
+            <a:schemeClr val="accent1">
+              <a:shade val="50000"/>
+            </a:schemeClr>
+          </a:lnRef>
+          <a:fillRef idx="1">
+            <a:schemeClr val="accent1"/>
+          </a:fillRef>
+          <a:effectRef idx="0">
+            <a:schemeClr val="accent1"/>
+          </a:effectRef>
+          <a:fontRef idx="minor">
+            <a:schemeClr val="lt1"/>
+          </a:fontRef>
+        </p:style>
+        <p:txBody>
+          <a:bodyPr rtlCol="0" anchor="ctr"/>
+          <a:lstStyle/>
+          <a:p>
+            <a:pPr algn="ctr"/>
+            <a:endParaRPr kumimoji="1" lang="ja-JP" altLang="en-US"/>
+          </a:p>
+        </p:txBody>
+      </p:sp>
+    </p:spTree>
+    <p:extLst>
+      <p:ext uri="{BB962C8B-B14F-4D97-AF65-F5344CB8AC3E}">
+        <p14:creationId xmlns:p14="http://schemas.microsoft.com/office/powerpoint/2010/main" val="1802272855"/>
+      </p:ext>
+    </p:extLst>
+  </p:cSld>
+  <p:clrMapOvr>
+    <a:masterClrMapping/>
+  </p:clrMapOvr>
+</p:sld>
+</file>
+
+<file path=ppt/slides/slide8.xml><?xml version="1.0" encoding="utf-8"?>
+<p:sld xmlns:a="http://schemas.openxmlformats.org/drawingml/2006/main" xmlns:r="http://schemas.openxmlformats.org/officeDocument/2006/relationships" xmlns:p="http://schemas.openxmlformats.org/presentationml/2006/main">
+  <p:cSld>
+    <p:spTree>
+      <p:nvGrpSpPr>
+        <p:cNvPr id="1" name=""/>
+        <p:cNvGrpSpPr/>
+        <p:nvPr/>
+      </p:nvGrpSpPr>
+      <p:grpSpPr>
+        <a:xfrm>
+          <a:off x="0" y="0"/>
+          <a:ext cx="0" cy="0"/>
+          <a:chOff x="0" y="0"/>
+          <a:chExt cx="0" cy="0"/>
+        </a:xfrm>
+      </p:grpSpPr>
       <p:pic>
         <p:nvPicPr>
           <p:cNvPr id="4" name="図 3">
